--- a/documentation/Getraenkeabrechnung.pptx
+++ b/documentation/Getraenkeabrechnung.pptx
@@ -6,12 +6,11 @@
   </p:sldMasterIdLst>
   <p:sldIdLst>
     <p:sldId id="256" r:id="rId2"/>
-    <p:sldId id="257" r:id="rId3"/>
-    <p:sldId id="261" r:id="rId4"/>
-    <p:sldId id="259" r:id="rId5"/>
-    <p:sldId id="262" r:id="rId6"/>
-    <p:sldId id="263" r:id="rId7"/>
-    <p:sldId id="264" r:id="rId8"/>
+    <p:sldId id="261" r:id="rId3"/>
+    <p:sldId id="265" r:id="rId4"/>
+    <p:sldId id="262" r:id="rId5"/>
+    <p:sldId id="263" r:id="rId6"/>
+    <p:sldId id="264" r:id="rId7"/>
   </p:sldIdLst>
   <p:sldSz cx="12192000" cy="6858000"/>
   <p:notesSz cx="6858000" cy="9144000"/>
@@ -249,7 +248,7 @@
           <a:p>
             <a:fld id="{88EDA608-5EAD-437C-8E72-9A479CB7C6B2}" type="datetimeFigureOut">
               <a:rPr lang="de-DE" smtClean="0"/>
-              <a:t>26.10.2018</a:t>
+              <a:t>29.10.2018</a:t>
             </a:fld>
             <a:endParaRPr lang="de-DE"/>
           </a:p>
@@ -419,7 +418,7 @@
           <a:p>
             <a:fld id="{88EDA608-5EAD-437C-8E72-9A479CB7C6B2}" type="datetimeFigureOut">
               <a:rPr lang="de-DE" smtClean="0"/>
-              <a:t>26.10.2018</a:t>
+              <a:t>29.10.2018</a:t>
             </a:fld>
             <a:endParaRPr lang="de-DE"/>
           </a:p>
@@ -599,7 +598,7 @@
           <a:p>
             <a:fld id="{88EDA608-5EAD-437C-8E72-9A479CB7C6B2}" type="datetimeFigureOut">
               <a:rPr lang="de-DE" smtClean="0"/>
-              <a:t>26.10.2018</a:t>
+              <a:t>29.10.2018</a:t>
             </a:fld>
             <a:endParaRPr lang="de-DE"/>
           </a:p>
@@ -769,7 +768,7 @@
           <a:p>
             <a:fld id="{88EDA608-5EAD-437C-8E72-9A479CB7C6B2}" type="datetimeFigureOut">
               <a:rPr lang="de-DE" smtClean="0"/>
-              <a:t>26.10.2018</a:t>
+              <a:t>29.10.2018</a:t>
             </a:fld>
             <a:endParaRPr lang="de-DE"/>
           </a:p>
@@ -1015,7 +1014,7 @@
           <a:p>
             <a:fld id="{88EDA608-5EAD-437C-8E72-9A479CB7C6B2}" type="datetimeFigureOut">
               <a:rPr lang="de-DE" smtClean="0"/>
-              <a:t>26.10.2018</a:t>
+              <a:t>29.10.2018</a:t>
             </a:fld>
             <a:endParaRPr lang="de-DE"/>
           </a:p>
@@ -1247,7 +1246,7 @@
           <a:p>
             <a:fld id="{88EDA608-5EAD-437C-8E72-9A479CB7C6B2}" type="datetimeFigureOut">
               <a:rPr lang="de-DE" smtClean="0"/>
-              <a:t>26.10.2018</a:t>
+              <a:t>29.10.2018</a:t>
             </a:fld>
             <a:endParaRPr lang="de-DE"/>
           </a:p>
@@ -1614,7 +1613,7 @@
           <a:p>
             <a:fld id="{88EDA608-5EAD-437C-8E72-9A479CB7C6B2}" type="datetimeFigureOut">
               <a:rPr lang="de-DE" smtClean="0"/>
-              <a:t>26.10.2018</a:t>
+              <a:t>29.10.2018</a:t>
             </a:fld>
             <a:endParaRPr lang="de-DE"/>
           </a:p>
@@ -1732,7 +1731,7 @@
           <a:p>
             <a:fld id="{88EDA608-5EAD-437C-8E72-9A479CB7C6B2}" type="datetimeFigureOut">
               <a:rPr lang="de-DE" smtClean="0"/>
-              <a:t>26.10.2018</a:t>
+              <a:t>29.10.2018</a:t>
             </a:fld>
             <a:endParaRPr lang="de-DE"/>
           </a:p>
@@ -1827,7 +1826,7 @@
           <a:p>
             <a:fld id="{88EDA608-5EAD-437C-8E72-9A479CB7C6B2}" type="datetimeFigureOut">
               <a:rPr lang="de-DE" smtClean="0"/>
-              <a:t>26.10.2018</a:t>
+              <a:t>29.10.2018</a:t>
             </a:fld>
             <a:endParaRPr lang="de-DE"/>
           </a:p>
@@ -2104,7 +2103,7 @@
           <a:p>
             <a:fld id="{88EDA608-5EAD-437C-8E72-9A479CB7C6B2}" type="datetimeFigureOut">
               <a:rPr lang="de-DE" smtClean="0"/>
-              <a:t>26.10.2018</a:t>
+              <a:t>29.10.2018</a:t>
             </a:fld>
             <a:endParaRPr lang="de-DE"/>
           </a:p>
@@ -2357,7 +2356,7 @@
           <a:p>
             <a:fld id="{88EDA608-5EAD-437C-8E72-9A479CB7C6B2}" type="datetimeFigureOut">
               <a:rPr lang="de-DE" smtClean="0"/>
-              <a:t>26.10.2018</a:t>
+              <a:t>29.10.2018</a:t>
             </a:fld>
             <a:endParaRPr lang="de-DE"/>
           </a:p>
@@ -2570,7 +2569,7 @@
           <a:p>
             <a:fld id="{88EDA608-5EAD-437C-8E72-9A479CB7C6B2}" type="datetimeFigureOut">
               <a:rPr lang="de-DE" smtClean="0"/>
-              <a:t>26.10.2018</a:t>
+              <a:t>29.10.2018</a:t>
             </a:fld>
             <a:endParaRPr lang="de-DE"/>
           </a:p>
@@ -3140,7 +3139,9 @@
       </p:sp>
       <p:sp>
         <p:nvSpPr>
-          <p:cNvPr id="8" name="Abgerundetes Rechteck 7"/>
+          <p:cNvPr id="8" name="Abgerundetes Rechteck 7">
+            <a:hlinkClick r:id="rId4" action="ppaction://hlinksldjump"/>
+          </p:cNvPr>
           <p:cNvSpPr/>
           <p:nvPr/>
         </p:nvSpPr>
@@ -3258,7 +3259,7 @@
         </p:nvSpPr>
         <p:spPr>
           <a:xfrm>
-            <a:off x="1409816" y="1543840"/>
+            <a:off x="984421" y="1543150"/>
             <a:ext cx="2751438" cy="1812324"/>
           </a:xfrm>
           <a:prstGeom prst="roundRect">
@@ -3319,7 +3320,7 @@
             </a:br>
             <a:r>
               <a:rPr lang="de-DE" sz="2000" dirty="0" smtClean="0"/>
-              <a:t>z. B. Pizza</a:t>
+              <a:t>(Pizza, …)</a:t>
             </a:r>
             <a:endParaRPr lang="de-DE" sz="2000" dirty="0"/>
           </a:p>
@@ -3333,7 +3334,7 @@
         </p:nvSpPr>
         <p:spPr>
           <a:xfrm>
-            <a:off x="8271935" y="4287040"/>
+            <a:off x="8456141" y="3642179"/>
             <a:ext cx="2751438" cy="1812324"/>
           </a:xfrm>
           <a:prstGeom prst="roundRect">
@@ -3401,7 +3402,7 @@
         </p:nvSpPr>
         <p:spPr>
           <a:xfrm>
-            <a:off x="1409816" y="4287040"/>
+            <a:off x="984421" y="3641101"/>
             <a:ext cx="2751438" cy="1812324"/>
           </a:xfrm>
           <a:prstGeom prst="roundRect">
@@ -3476,7 +3477,7 @@
         </p:nvSpPr>
         <p:spPr>
           <a:xfrm>
-            <a:off x="4688475" y="1543840"/>
+            <a:off x="4720281" y="1543840"/>
             <a:ext cx="2751438" cy="1812324"/>
           </a:xfrm>
           <a:prstGeom prst="roundRect">
@@ -3559,7 +3560,7 @@
         </p:nvSpPr>
         <p:spPr>
           <a:xfrm>
-            <a:off x="8271935" y="1543840"/>
+            <a:off x="8456141" y="1543840"/>
             <a:ext cx="2751438" cy="1812324"/>
           </a:xfrm>
           <a:prstGeom prst="roundRect">
@@ -3634,7 +3635,7 @@
         </p:nvSpPr>
         <p:spPr>
           <a:xfrm>
-            <a:off x="4688475" y="4287040"/>
+            <a:off x="4720281" y="3641101"/>
             <a:ext cx="2751438" cy="1812324"/>
           </a:xfrm>
           <a:prstGeom prst="roundRect">
@@ -3690,7 +3691,13 @@
               <a:rPr lang="de-DE" sz="2800" b="1" dirty="0" smtClean="0"/>
               <a:t>0,30 €</a:t>
             </a:r>
-            <a:endParaRPr lang="de-DE" sz="2800" b="1" dirty="0"/>
+            <a:br>
+              <a:rPr lang="de-DE" sz="2800" b="1" dirty="0" smtClean="0"/>
+            </a:br>
+            <a:r>
+              <a:rPr lang="de-DE" sz="2000" dirty="0"/>
+              <a:t>(Kaffee)</a:t>
+            </a:r>
           </a:p>
         </p:txBody>
       </p:sp>
@@ -3704,7 +3711,7 @@
         </p:nvSpPr>
         <p:spPr>
           <a:xfrm>
-            <a:off x="3457231" y="1747075"/>
+            <a:off x="3097998" y="1676831"/>
             <a:ext cx="543489" cy="497711"/>
           </a:xfrm>
           <a:prstGeom prst="roundRect">
@@ -3772,7 +3779,7 @@
         </p:nvSpPr>
         <p:spPr>
           <a:xfrm>
-            <a:off x="3457231" y="2551619"/>
+            <a:off x="3097999" y="2696368"/>
             <a:ext cx="543489" cy="497711"/>
           </a:xfrm>
           <a:prstGeom prst="roundRect">
@@ -3834,13 +3841,948 @@
       </p:sp>
       <p:sp>
         <p:nvSpPr>
-          <p:cNvPr id="10" name="Rechteck 9"/>
+          <p:cNvPr id="28" name="Titel 27"/>
+          <p:cNvSpPr>
+            <a:spLocks noGrp="1"/>
+          </p:cNvSpPr>
+          <p:nvPr>
+            <p:ph type="title"/>
+          </p:nvPr>
+        </p:nvSpPr>
+        <p:spPr/>
+        <p:txBody>
+          <a:bodyPr/>
+          <a:lstStyle/>
+          <a:p>
+            <a:r>
+              <a:rPr lang="de-DE" dirty="0" smtClean="0"/>
+              <a:t>Preisauswahl (</a:t>
+            </a:r>
+            <a:r>
+              <a:rPr lang="de-DE" dirty="0" err="1" smtClean="0"/>
+              <a:t>Tap</a:t>
+            </a:r>
+            <a:r>
+              <a:rPr lang="de-DE" dirty="0" smtClean="0"/>
+              <a:t> </a:t>
+            </a:r>
+            <a:r>
+              <a:rPr lang="de-DE" dirty="0" err="1" smtClean="0"/>
+              <a:t>or</a:t>
+            </a:r>
+            <a:r>
+              <a:rPr lang="de-DE" dirty="0" smtClean="0"/>
+              <a:t> </a:t>
+            </a:r>
+            <a:r>
+              <a:rPr lang="de-DE" dirty="0" err="1" smtClean="0"/>
+              <a:t>scan</a:t>
+            </a:r>
+            <a:r>
+              <a:rPr lang="de-DE" dirty="0" smtClean="0"/>
+              <a:t>)</a:t>
+            </a:r>
+            <a:endParaRPr lang="de-DE" dirty="0"/>
+          </a:p>
+        </p:txBody>
+      </p:sp>
+      <p:sp>
+        <p:nvSpPr>
+          <p:cNvPr id="2" name="Textfeld 1"/>
+          <p:cNvSpPr txBox="1"/>
+          <p:nvPr/>
+        </p:nvSpPr>
+        <p:spPr>
+          <a:xfrm>
+            <a:off x="3199663" y="2205313"/>
+            <a:ext cx="340158" cy="461665"/>
+          </a:xfrm>
+          <a:prstGeom prst="rect">
+            <a:avLst/>
+          </a:prstGeom>
+          <a:noFill/>
+        </p:spPr>
+        <p:txBody>
+          <a:bodyPr wrap="none" rtlCol="0" anchor="ctr">
+            <a:spAutoFit/>
+          </a:bodyPr>
+          <a:lstStyle/>
+          <a:p>
+            <a:pPr algn="ctr"/>
+            <a:r>
+              <a:rPr lang="de-DE" sz="2400" dirty="0" smtClean="0">
+                <a:solidFill>
+                  <a:schemeClr val="bg1"/>
+                </a:solidFill>
+              </a:rPr>
+              <a:t>2</a:t>
+            </a:r>
+            <a:endParaRPr lang="de-DE" sz="2400" dirty="0">
+              <a:solidFill>
+                <a:schemeClr val="bg1"/>
+              </a:solidFill>
+            </a:endParaRPr>
+          </a:p>
+        </p:txBody>
+      </p:sp>
+      <p:sp>
+        <p:nvSpPr>
+          <p:cNvPr id="14" name="Abgerundetes Rechteck 13">
+            <a:hlinkClick r:id="rId2" action="ppaction://hlinksldjump"/>
+          </p:cNvPr>
           <p:cNvSpPr/>
           <p:nvPr/>
         </p:nvSpPr>
         <p:spPr>
           <a:xfrm>
-            <a:off x="0" y="0"/>
+            <a:off x="6816159" y="3787949"/>
+            <a:ext cx="543489" cy="497711"/>
+          </a:xfrm>
+          <a:prstGeom prst="roundRect">
+            <a:avLst/>
+          </a:prstGeom>
+          <a:gradFill flip="none" rotWithShape="1">
+            <a:gsLst>
+              <a:gs pos="0">
+                <a:schemeClr val="accent6">
+                  <a:lumMod val="67000"/>
+                </a:schemeClr>
+              </a:gs>
+              <a:gs pos="48000">
+                <a:schemeClr val="accent6">
+                  <a:lumMod val="97000"/>
+                  <a:lumOff val="3000"/>
+                </a:schemeClr>
+              </a:gs>
+              <a:gs pos="100000">
+                <a:schemeClr val="accent6">
+                  <a:lumMod val="60000"/>
+                  <a:lumOff val="40000"/>
+                </a:schemeClr>
+              </a:gs>
+            </a:gsLst>
+            <a:lin ang="16200000" scaled="1"/>
+            <a:tileRect/>
+          </a:gradFill>
+          <a:ln>
+            <a:noFill/>
+          </a:ln>
+        </p:spPr>
+        <p:style>
+          <a:lnRef idx="0">
+            <a:scrgbClr r="0" g="0" b="0"/>
+          </a:lnRef>
+          <a:fillRef idx="0">
+            <a:scrgbClr r="0" g="0" b="0"/>
+          </a:fillRef>
+          <a:effectRef idx="0">
+            <a:scrgbClr r="0" g="0" b="0"/>
+          </a:effectRef>
+          <a:fontRef idx="minor">
+            <a:schemeClr val="lt1"/>
+          </a:fontRef>
+        </p:style>
+        <p:txBody>
+          <a:bodyPr rtlCol="0" anchor="ctr"/>
+          <a:lstStyle/>
+          <a:p>
+            <a:pPr algn="ctr"/>
+            <a:r>
+              <a:rPr lang="de-DE" sz="2400" b="1" dirty="0" smtClean="0"/>
+              <a:t>+</a:t>
+            </a:r>
+            <a:endParaRPr lang="de-DE" sz="2400" b="1" dirty="0"/>
+          </a:p>
+        </p:txBody>
+      </p:sp>
+      <p:sp>
+        <p:nvSpPr>
+          <p:cNvPr id="15" name="Abgerundetes Rechteck 14"/>
+          <p:cNvSpPr/>
+          <p:nvPr/>
+        </p:nvSpPr>
+        <p:spPr>
+          <a:xfrm>
+            <a:off x="6816160" y="4807486"/>
+            <a:ext cx="543489" cy="497711"/>
+          </a:xfrm>
+          <a:prstGeom prst="roundRect">
+            <a:avLst/>
+          </a:prstGeom>
+          <a:gradFill flip="none" rotWithShape="1">
+            <a:gsLst>
+              <a:gs pos="0">
+                <a:schemeClr val="accent6">
+                  <a:lumMod val="67000"/>
+                </a:schemeClr>
+              </a:gs>
+              <a:gs pos="48000">
+                <a:schemeClr val="accent6">
+                  <a:lumMod val="97000"/>
+                  <a:lumOff val="3000"/>
+                </a:schemeClr>
+              </a:gs>
+              <a:gs pos="100000">
+                <a:schemeClr val="accent6">
+                  <a:lumMod val="60000"/>
+                  <a:lumOff val="40000"/>
+                </a:schemeClr>
+              </a:gs>
+            </a:gsLst>
+            <a:lin ang="16200000" scaled="1"/>
+            <a:tileRect/>
+          </a:gradFill>
+          <a:ln>
+            <a:noFill/>
+          </a:ln>
+        </p:spPr>
+        <p:style>
+          <a:lnRef idx="0">
+            <a:scrgbClr r="0" g="0" b="0"/>
+          </a:lnRef>
+          <a:fillRef idx="0">
+            <a:scrgbClr r="0" g="0" b="0"/>
+          </a:fillRef>
+          <a:effectRef idx="0">
+            <a:scrgbClr r="0" g="0" b="0"/>
+          </a:effectRef>
+          <a:fontRef idx="minor">
+            <a:schemeClr val="lt1"/>
+          </a:fontRef>
+        </p:style>
+        <p:txBody>
+          <a:bodyPr rtlCol="0" anchor="ctr"/>
+          <a:lstStyle/>
+          <a:p>
+            <a:pPr algn="ctr"/>
+            <a:r>
+              <a:rPr lang="de-DE" sz="2400" b="1" dirty="0" smtClean="0"/>
+              <a:t>-</a:t>
+            </a:r>
+            <a:endParaRPr lang="de-DE" sz="2400" b="1" dirty="0"/>
+          </a:p>
+        </p:txBody>
+      </p:sp>
+      <p:sp>
+        <p:nvSpPr>
+          <p:cNvPr id="16" name="Textfeld 15"/>
+          <p:cNvSpPr txBox="1"/>
+          <p:nvPr/>
+        </p:nvSpPr>
+        <p:spPr>
+          <a:xfrm>
+            <a:off x="6917824" y="4316431"/>
+            <a:ext cx="340158" cy="461665"/>
+          </a:xfrm>
+          <a:prstGeom prst="rect">
+            <a:avLst/>
+          </a:prstGeom>
+          <a:noFill/>
+        </p:spPr>
+        <p:txBody>
+          <a:bodyPr wrap="none" rtlCol="0" anchor="ctr">
+            <a:spAutoFit/>
+          </a:bodyPr>
+          <a:lstStyle/>
+          <a:p>
+            <a:pPr algn="ctr"/>
+            <a:r>
+              <a:rPr lang="de-DE" sz="2400" dirty="0" smtClean="0">
+                <a:solidFill>
+                  <a:schemeClr val="bg1"/>
+                </a:solidFill>
+              </a:rPr>
+              <a:t>3</a:t>
+            </a:r>
+            <a:endParaRPr lang="de-DE" sz="2400" dirty="0">
+              <a:solidFill>
+                <a:schemeClr val="bg1"/>
+              </a:solidFill>
+            </a:endParaRPr>
+          </a:p>
+        </p:txBody>
+      </p:sp>
+      <p:sp>
+        <p:nvSpPr>
+          <p:cNvPr id="17" name="Abgerundetes Rechteck 16">
+            <a:hlinkClick r:id="rId2" action="ppaction://hlinksldjump"/>
+          </p:cNvPr>
+          <p:cNvSpPr/>
+          <p:nvPr/>
+        </p:nvSpPr>
+        <p:spPr>
+          <a:xfrm>
+            <a:off x="3097997" y="3787949"/>
+            <a:ext cx="543489" cy="497711"/>
+          </a:xfrm>
+          <a:prstGeom prst="roundRect">
+            <a:avLst/>
+          </a:prstGeom>
+          <a:gradFill flip="none" rotWithShape="1">
+            <a:gsLst>
+              <a:gs pos="0">
+                <a:schemeClr val="accent6">
+                  <a:lumMod val="67000"/>
+                </a:schemeClr>
+              </a:gs>
+              <a:gs pos="48000">
+                <a:schemeClr val="accent6">
+                  <a:lumMod val="97000"/>
+                  <a:lumOff val="3000"/>
+                </a:schemeClr>
+              </a:gs>
+              <a:gs pos="100000">
+                <a:schemeClr val="accent6">
+                  <a:lumMod val="60000"/>
+                  <a:lumOff val="40000"/>
+                </a:schemeClr>
+              </a:gs>
+            </a:gsLst>
+            <a:lin ang="16200000" scaled="1"/>
+            <a:tileRect/>
+          </a:gradFill>
+          <a:ln>
+            <a:noFill/>
+          </a:ln>
+        </p:spPr>
+        <p:style>
+          <a:lnRef idx="0">
+            <a:scrgbClr r="0" g="0" b="0"/>
+          </a:lnRef>
+          <a:fillRef idx="0">
+            <a:scrgbClr r="0" g="0" b="0"/>
+          </a:fillRef>
+          <a:effectRef idx="0">
+            <a:scrgbClr r="0" g="0" b="0"/>
+          </a:effectRef>
+          <a:fontRef idx="minor">
+            <a:schemeClr val="lt1"/>
+          </a:fontRef>
+        </p:style>
+        <p:txBody>
+          <a:bodyPr rtlCol="0" anchor="ctr"/>
+          <a:lstStyle/>
+          <a:p>
+            <a:pPr algn="ctr"/>
+            <a:r>
+              <a:rPr lang="de-DE" sz="2400" b="1" dirty="0" smtClean="0"/>
+              <a:t>+</a:t>
+            </a:r>
+            <a:endParaRPr lang="de-DE" sz="2400" b="1" dirty="0"/>
+          </a:p>
+        </p:txBody>
+      </p:sp>
+      <p:sp>
+        <p:nvSpPr>
+          <p:cNvPr id="18" name="Abgerundetes Rechteck 17"/>
+          <p:cNvSpPr/>
+          <p:nvPr/>
+        </p:nvSpPr>
+        <p:spPr>
+          <a:xfrm>
+            <a:off x="3097998" y="4807486"/>
+            <a:ext cx="543489" cy="497711"/>
+          </a:xfrm>
+          <a:prstGeom prst="roundRect">
+            <a:avLst/>
+          </a:prstGeom>
+          <a:gradFill flip="none" rotWithShape="1">
+            <a:gsLst>
+              <a:gs pos="0">
+                <a:schemeClr val="accent6">
+                  <a:lumMod val="67000"/>
+                </a:schemeClr>
+              </a:gs>
+              <a:gs pos="48000">
+                <a:schemeClr val="accent6">
+                  <a:lumMod val="97000"/>
+                  <a:lumOff val="3000"/>
+                </a:schemeClr>
+              </a:gs>
+              <a:gs pos="100000">
+                <a:schemeClr val="accent6">
+                  <a:lumMod val="60000"/>
+                  <a:lumOff val="40000"/>
+                </a:schemeClr>
+              </a:gs>
+            </a:gsLst>
+            <a:lin ang="16200000" scaled="1"/>
+            <a:tileRect/>
+          </a:gradFill>
+          <a:ln>
+            <a:noFill/>
+          </a:ln>
+        </p:spPr>
+        <p:style>
+          <a:lnRef idx="0">
+            <a:scrgbClr r="0" g="0" b="0"/>
+          </a:lnRef>
+          <a:fillRef idx="0">
+            <a:scrgbClr r="0" g="0" b="0"/>
+          </a:fillRef>
+          <a:effectRef idx="0">
+            <a:scrgbClr r="0" g="0" b="0"/>
+          </a:effectRef>
+          <a:fontRef idx="minor">
+            <a:schemeClr val="lt1"/>
+          </a:fontRef>
+        </p:style>
+        <p:txBody>
+          <a:bodyPr rtlCol="0" anchor="ctr"/>
+          <a:lstStyle/>
+          <a:p>
+            <a:pPr algn="ctr"/>
+            <a:r>
+              <a:rPr lang="de-DE" sz="2400" b="1" dirty="0" smtClean="0"/>
+              <a:t>-</a:t>
+            </a:r>
+            <a:endParaRPr lang="de-DE" sz="2400" b="1" dirty="0"/>
+          </a:p>
+        </p:txBody>
+      </p:sp>
+      <p:sp>
+        <p:nvSpPr>
+          <p:cNvPr id="19" name="Textfeld 18"/>
+          <p:cNvSpPr txBox="1"/>
+          <p:nvPr/>
+        </p:nvSpPr>
+        <p:spPr>
+          <a:xfrm>
+            <a:off x="3199662" y="4316431"/>
+            <a:ext cx="340158" cy="461665"/>
+          </a:xfrm>
+          <a:prstGeom prst="rect">
+            <a:avLst/>
+          </a:prstGeom>
+          <a:noFill/>
+        </p:spPr>
+        <p:txBody>
+          <a:bodyPr wrap="none" rtlCol="0" anchor="ctr">
+            <a:spAutoFit/>
+          </a:bodyPr>
+          <a:lstStyle/>
+          <a:p>
+            <a:pPr algn="ctr"/>
+            <a:r>
+              <a:rPr lang="de-DE" sz="2400" dirty="0" smtClean="0">
+                <a:solidFill>
+                  <a:schemeClr val="bg1"/>
+                </a:solidFill>
+              </a:rPr>
+              <a:t>0</a:t>
+            </a:r>
+            <a:endParaRPr lang="de-DE" sz="2400" dirty="0">
+              <a:solidFill>
+                <a:schemeClr val="bg1"/>
+              </a:solidFill>
+            </a:endParaRPr>
+          </a:p>
+        </p:txBody>
+      </p:sp>
+      <p:sp>
+        <p:nvSpPr>
+          <p:cNvPr id="20" name="Abgerundetes Rechteck 19">
+            <a:hlinkClick r:id="rId2" action="ppaction://hlinksldjump"/>
+          </p:cNvPr>
+          <p:cNvSpPr/>
+          <p:nvPr/>
+        </p:nvSpPr>
+        <p:spPr>
+          <a:xfrm>
+            <a:off x="6816160" y="1676831"/>
+            <a:ext cx="543489" cy="497711"/>
+          </a:xfrm>
+          <a:prstGeom prst="roundRect">
+            <a:avLst/>
+          </a:prstGeom>
+          <a:gradFill flip="none" rotWithShape="1">
+            <a:gsLst>
+              <a:gs pos="0">
+                <a:schemeClr val="accent6">
+                  <a:lumMod val="67000"/>
+                </a:schemeClr>
+              </a:gs>
+              <a:gs pos="48000">
+                <a:schemeClr val="accent6">
+                  <a:lumMod val="97000"/>
+                  <a:lumOff val="3000"/>
+                </a:schemeClr>
+              </a:gs>
+              <a:gs pos="100000">
+                <a:schemeClr val="accent6">
+                  <a:lumMod val="60000"/>
+                  <a:lumOff val="40000"/>
+                </a:schemeClr>
+              </a:gs>
+            </a:gsLst>
+            <a:lin ang="16200000" scaled="1"/>
+            <a:tileRect/>
+          </a:gradFill>
+          <a:ln>
+            <a:noFill/>
+          </a:ln>
+        </p:spPr>
+        <p:style>
+          <a:lnRef idx="0">
+            <a:scrgbClr r="0" g="0" b="0"/>
+          </a:lnRef>
+          <a:fillRef idx="0">
+            <a:scrgbClr r="0" g="0" b="0"/>
+          </a:fillRef>
+          <a:effectRef idx="0">
+            <a:scrgbClr r="0" g="0" b="0"/>
+          </a:effectRef>
+          <a:fontRef idx="minor">
+            <a:schemeClr val="lt1"/>
+          </a:fontRef>
+        </p:style>
+        <p:txBody>
+          <a:bodyPr rtlCol="0" anchor="ctr"/>
+          <a:lstStyle/>
+          <a:p>
+            <a:pPr algn="ctr"/>
+            <a:r>
+              <a:rPr lang="de-DE" sz="2400" b="1" dirty="0" smtClean="0"/>
+              <a:t>+</a:t>
+            </a:r>
+            <a:endParaRPr lang="de-DE" sz="2400" b="1" dirty="0"/>
+          </a:p>
+        </p:txBody>
+      </p:sp>
+      <p:sp>
+        <p:nvSpPr>
+          <p:cNvPr id="21" name="Abgerundetes Rechteck 20"/>
+          <p:cNvSpPr/>
+          <p:nvPr/>
+        </p:nvSpPr>
+        <p:spPr>
+          <a:xfrm>
+            <a:off x="6816161" y="2696368"/>
+            <a:ext cx="543489" cy="497711"/>
+          </a:xfrm>
+          <a:prstGeom prst="roundRect">
+            <a:avLst/>
+          </a:prstGeom>
+          <a:gradFill flip="none" rotWithShape="1">
+            <a:gsLst>
+              <a:gs pos="0">
+                <a:schemeClr val="accent6">
+                  <a:lumMod val="67000"/>
+                </a:schemeClr>
+              </a:gs>
+              <a:gs pos="48000">
+                <a:schemeClr val="accent6">
+                  <a:lumMod val="97000"/>
+                  <a:lumOff val="3000"/>
+                </a:schemeClr>
+              </a:gs>
+              <a:gs pos="100000">
+                <a:schemeClr val="accent6">
+                  <a:lumMod val="60000"/>
+                  <a:lumOff val="40000"/>
+                </a:schemeClr>
+              </a:gs>
+            </a:gsLst>
+            <a:lin ang="16200000" scaled="1"/>
+            <a:tileRect/>
+          </a:gradFill>
+          <a:ln>
+            <a:noFill/>
+          </a:ln>
+        </p:spPr>
+        <p:style>
+          <a:lnRef idx="0">
+            <a:scrgbClr r="0" g="0" b="0"/>
+          </a:lnRef>
+          <a:fillRef idx="0">
+            <a:scrgbClr r="0" g="0" b="0"/>
+          </a:fillRef>
+          <a:effectRef idx="0">
+            <a:scrgbClr r="0" g="0" b="0"/>
+          </a:effectRef>
+          <a:fontRef idx="minor">
+            <a:schemeClr val="lt1"/>
+          </a:fontRef>
+        </p:style>
+        <p:txBody>
+          <a:bodyPr rtlCol="0" anchor="ctr"/>
+          <a:lstStyle/>
+          <a:p>
+            <a:pPr algn="ctr"/>
+            <a:r>
+              <a:rPr lang="de-DE" sz="2400" b="1" dirty="0" smtClean="0"/>
+              <a:t>-</a:t>
+            </a:r>
+            <a:endParaRPr lang="de-DE" sz="2400" b="1" dirty="0"/>
+          </a:p>
+        </p:txBody>
+      </p:sp>
+      <p:sp>
+        <p:nvSpPr>
+          <p:cNvPr id="22" name="Textfeld 21"/>
+          <p:cNvSpPr txBox="1"/>
+          <p:nvPr/>
+        </p:nvSpPr>
+        <p:spPr>
+          <a:xfrm>
+            <a:off x="6917825" y="2205313"/>
+            <a:ext cx="340158" cy="461665"/>
+          </a:xfrm>
+          <a:prstGeom prst="rect">
+            <a:avLst/>
+          </a:prstGeom>
+          <a:noFill/>
+        </p:spPr>
+        <p:txBody>
+          <a:bodyPr wrap="none" rtlCol="0" anchor="ctr">
+            <a:spAutoFit/>
+          </a:bodyPr>
+          <a:lstStyle/>
+          <a:p>
+            <a:pPr algn="ctr"/>
+            <a:r>
+              <a:rPr lang="de-DE" sz="2400" dirty="0" smtClean="0">
+                <a:solidFill>
+                  <a:schemeClr val="bg1"/>
+                </a:solidFill>
+              </a:rPr>
+              <a:t>0</a:t>
+            </a:r>
+            <a:endParaRPr lang="de-DE" sz="2400" dirty="0">
+              <a:solidFill>
+                <a:schemeClr val="bg1"/>
+              </a:solidFill>
+            </a:endParaRPr>
+          </a:p>
+        </p:txBody>
+      </p:sp>
+      <p:sp>
+        <p:nvSpPr>
+          <p:cNvPr id="23" name="Abgerundetes Rechteck 22">
+            <a:hlinkClick r:id="rId2" action="ppaction://hlinksldjump"/>
+          </p:cNvPr>
+          <p:cNvSpPr/>
+          <p:nvPr/>
+        </p:nvSpPr>
+        <p:spPr>
+          <a:xfrm>
+            <a:off x="10585751" y="1676831"/>
+            <a:ext cx="543489" cy="497711"/>
+          </a:xfrm>
+          <a:prstGeom prst="roundRect">
+            <a:avLst/>
+          </a:prstGeom>
+          <a:gradFill flip="none" rotWithShape="1">
+            <a:gsLst>
+              <a:gs pos="0">
+                <a:schemeClr val="accent6">
+                  <a:lumMod val="67000"/>
+                </a:schemeClr>
+              </a:gs>
+              <a:gs pos="48000">
+                <a:schemeClr val="accent6">
+                  <a:lumMod val="97000"/>
+                  <a:lumOff val="3000"/>
+                </a:schemeClr>
+              </a:gs>
+              <a:gs pos="100000">
+                <a:schemeClr val="accent6">
+                  <a:lumMod val="60000"/>
+                  <a:lumOff val="40000"/>
+                </a:schemeClr>
+              </a:gs>
+            </a:gsLst>
+            <a:lin ang="16200000" scaled="1"/>
+            <a:tileRect/>
+          </a:gradFill>
+          <a:ln>
+            <a:noFill/>
+          </a:ln>
+        </p:spPr>
+        <p:style>
+          <a:lnRef idx="0">
+            <a:scrgbClr r="0" g="0" b="0"/>
+          </a:lnRef>
+          <a:fillRef idx="0">
+            <a:scrgbClr r="0" g="0" b="0"/>
+          </a:fillRef>
+          <a:effectRef idx="0">
+            <a:scrgbClr r="0" g="0" b="0"/>
+          </a:effectRef>
+          <a:fontRef idx="minor">
+            <a:schemeClr val="lt1"/>
+          </a:fontRef>
+        </p:style>
+        <p:txBody>
+          <a:bodyPr rtlCol="0" anchor="ctr"/>
+          <a:lstStyle/>
+          <a:p>
+            <a:pPr algn="ctr"/>
+            <a:r>
+              <a:rPr lang="de-DE" sz="2400" b="1" dirty="0" smtClean="0"/>
+              <a:t>+</a:t>
+            </a:r>
+            <a:endParaRPr lang="de-DE" sz="2400" b="1" dirty="0"/>
+          </a:p>
+        </p:txBody>
+      </p:sp>
+      <p:sp>
+        <p:nvSpPr>
+          <p:cNvPr id="24" name="Abgerundetes Rechteck 23"/>
+          <p:cNvSpPr/>
+          <p:nvPr/>
+        </p:nvSpPr>
+        <p:spPr>
+          <a:xfrm>
+            <a:off x="10585752" y="2696368"/>
+            <a:ext cx="543489" cy="497711"/>
+          </a:xfrm>
+          <a:prstGeom prst="roundRect">
+            <a:avLst/>
+          </a:prstGeom>
+          <a:gradFill flip="none" rotWithShape="1">
+            <a:gsLst>
+              <a:gs pos="0">
+                <a:schemeClr val="accent6">
+                  <a:lumMod val="67000"/>
+                </a:schemeClr>
+              </a:gs>
+              <a:gs pos="48000">
+                <a:schemeClr val="accent6">
+                  <a:lumMod val="97000"/>
+                  <a:lumOff val="3000"/>
+                </a:schemeClr>
+              </a:gs>
+              <a:gs pos="100000">
+                <a:schemeClr val="accent6">
+                  <a:lumMod val="60000"/>
+                  <a:lumOff val="40000"/>
+                </a:schemeClr>
+              </a:gs>
+            </a:gsLst>
+            <a:lin ang="16200000" scaled="1"/>
+            <a:tileRect/>
+          </a:gradFill>
+          <a:ln>
+            <a:noFill/>
+          </a:ln>
+        </p:spPr>
+        <p:style>
+          <a:lnRef idx="0">
+            <a:scrgbClr r="0" g="0" b="0"/>
+          </a:lnRef>
+          <a:fillRef idx="0">
+            <a:scrgbClr r="0" g="0" b="0"/>
+          </a:fillRef>
+          <a:effectRef idx="0">
+            <a:scrgbClr r="0" g="0" b="0"/>
+          </a:effectRef>
+          <a:fontRef idx="minor">
+            <a:schemeClr val="lt1"/>
+          </a:fontRef>
+        </p:style>
+        <p:txBody>
+          <a:bodyPr rtlCol="0" anchor="ctr"/>
+          <a:lstStyle/>
+          <a:p>
+            <a:pPr algn="ctr"/>
+            <a:r>
+              <a:rPr lang="de-DE" sz="2400" b="1" dirty="0" smtClean="0"/>
+              <a:t>-</a:t>
+            </a:r>
+            <a:endParaRPr lang="de-DE" sz="2400" b="1" dirty="0"/>
+          </a:p>
+        </p:txBody>
+      </p:sp>
+      <p:sp>
+        <p:nvSpPr>
+          <p:cNvPr id="25" name="Textfeld 24"/>
+          <p:cNvSpPr txBox="1"/>
+          <p:nvPr/>
+        </p:nvSpPr>
+        <p:spPr>
+          <a:xfrm>
+            <a:off x="10687416" y="2205313"/>
+            <a:ext cx="340158" cy="461665"/>
+          </a:xfrm>
+          <a:prstGeom prst="rect">
+            <a:avLst/>
+          </a:prstGeom>
+          <a:noFill/>
+        </p:spPr>
+        <p:txBody>
+          <a:bodyPr wrap="none" rtlCol="0" anchor="ctr">
+            <a:spAutoFit/>
+          </a:bodyPr>
+          <a:lstStyle/>
+          <a:p>
+            <a:pPr algn="ctr"/>
+            <a:r>
+              <a:rPr lang="de-DE" sz="2400" dirty="0" smtClean="0">
+                <a:solidFill>
+                  <a:schemeClr val="bg1"/>
+                </a:solidFill>
+              </a:rPr>
+              <a:t>0</a:t>
+            </a:r>
+            <a:endParaRPr lang="de-DE" sz="2400" dirty="0">
+              <a:solidFill>
+                <a:schemeClr val="bg1"/>
+              </a:solidFill>
+            </a:endParaRPr>
+          </a:p>
+        </p:txBody>
+      </p:sp>
+      <p:sp>
+        <p:nvSpPr>
+          <p:cNvPr id="26" name="Abbrechen">
+            <a:hlinkClick r:id="rId3" action="ppaction://hlinksldjump"/>
+          </p:cNvPr>
+          <p:cNvSpPr/>
+          <p:nvPr/>
+        </p:nvSpPr>
+        <p:spPr>
+          <a:xfrm>
+            <a:off x="8321335" y="5612888"/>
+            <a:ext cx="3516435" cy="914400"/>
+          </a:xfrm>
+          <a:prstGeom prst="roundRect">
+            <a:avLst/>
+          </a:prstGeom>
+          <a:gradFill flip="none" rotWithShape="1">
+            <a:gsLst>
+              <a:gs pos="0">
+                <a:schemeClr val="accent5">
+                  <a:lumMod val="67000"/>
+                </a:schemeClr>
+              </a:gs>
+              <a:gs pos="48000">
+                <a:schemeClr val="accent5">
+                  <a:lumMod val="97000"/>
+                  <a:lumOff val="3000"/>
+                </a:schemeClr>
+              </a:gs>
+              <a:gs pos="100000">
+                <a:schemeClr val="accent5">
+                  <a:lumMod val="60000"/>
+                  <a:lumOff val="40000"/>
+                </a:schemeClr>
+              </a:gs>
+            </a:gsLst>
+            <a:lin ang="16200000" scaled="1"/>
+            <a:tileRect/>
+          </a:gradFill>
+          <a:ln>
+            <a:noFill/>
+          </a:ln>
+        </p:spPr>
+        <p:style>
+          <a:lnRef idx="0">
+            <a:scrgbClr r="0" g="0" b="0"/>
+          </a:lnRef>
+          <a:fillRef idx="0">
+            <a:scrgbClr r="0" g="0" b="0"/>
+          </a:fillRef>
+          <a:effectRef idx="0">
+            <a:scrgbClr r="0" g="0" b="0"/>
+          </a:effectRef>
+          <a:fontRef idx="minor">
+            <a:schemeClr val="lt1"/>
+          </a:fontRef>
+        </p:style>
+        <p:txBody>
+          <a:bodyPr rtlCol="0" anchor="ctr"/>
+          <a:lstStyle/>
+          <a:p>
+            <a:pPr algn="ctr"/>
+            <a:r>
+              <a:rPr lang="de-DE" b="1" dirty="0" smtClean="0"/>
+              <a:t>ABBRECHEN</a:t>
+            </a:r>
+            <a:endParaRPr lang="de-DE" b="1" dirty="0"/>
+          </a:p>
+        </p:txBody>
+      </p:sp>
+      <p:sp>
+        <p:nvSpPr>
+          <p:cNvPr id="27" name="Abgerundetes Rechteck 26"/>
+          <p:cNvSpPr/>
+          <p:nvPr/>
+        </p:nvSpPr>
+        <p:spPr>
+          <a:xfrm>
+            <a:off x="8506691" y="471055"/>
+            <a:ext cx="3331080" cy="914400"/>
+          </a:xfrm>
+          <a:prstGeom prst="roundRect">
+            <a:avLst/>
+          </a:prstGeom>
+          <a:gradFill flip="none" rotWithShape="1">
+            <a:gsLst>
+              <a:gs pos="0">
+                <a:schemeClr val="accent5">
+                  <a:lumMod val="67000"/>
+                </a:schemeClr>
+              </a:gs>
+              <a:gs pos="48000">
+                <a:schemeClr val="accent5">
+                  <a:lumMod val="97000"/>
+                  <a:lumOff val="3000"/>
+                </a:schemeClr>
+              </a:gs>
+              <a:gs pos="100000">
+                <a:schemeClr val="accent5">
+                  <a:lumMod val="60000"/>
+                  <a:lumOff val="40000"/>
+                </a:schemeClr>
+              </a:gs>
+            </a:gsLst>
+            <a:lin ang="16200000" scaled="1"/>
+            <a:tileRect/>
+          </a:gradFill>
+          <a:ln>
+            <a:noFill/>
+          </a:ln>
+        </p:spPr>
+        <p:style>
+          <a:lnRef idx="0">
+            <a:scrgbClr r="0" g="0" b="0"/>
+          </a:lnRef>
+          <a:fillRef idx="0">
+            <a:scrgbClr r="0" g="0" b="0"/>
+          </a:fillRef>
+          <a:effectRef idx="0">
+            <a:scrgbClr r="0" g="0" b="0"/>
+          </a:effectRef>
+          <a:fontRef idx="minor">
+            <a:schemeClr val="lt1"/>
+          </a:fontRef>
+        </p:style>
+        <p:txBody>
+          <a:bodyPr rtlCol="0" anchor="ctr"/>
+          <a:lstStyle/>
+          <a:p>
+            <a:pPr algn="ctr"/>
+            <a:r>
+              <a:rPr lang="de-DE" b="1" dirty="0" smtClean="0"/>
+              <a:t>Summe: </a:t>
+            </a:r>
+            <a:r>
+              <a:rPr lang="de-DE" sz="3200" b="1" dirty="0"/>
+              <a:t>3,90 €</a:t>
+            </a:r>
+          </a:p>
+        </p:txBody>
+      </p:sp>
+      <p:sp>
+        <p:nvSpPr>
+          <p:cNvPr id="30" name="Rechteck 29" hidden="1"/>
+          <p:cNvSpPr/>
+          <p:nvPr/>
+        </p:nvSpPr>
+        <p:spPr>
+          <a:xfrm>
+            <a:off x="0" y="7450"/>
             <a:ext cx="12192000" cy="6858000"/>
           </a:xfrm>
           <a:prstGeom prst="rect">
@@ -3877,35 +4819,1011 @@
           </a:p>
         </p:txBody>
       </p:sp>
-      <p:sp>
-        <p:nvSpPr>
-          <p:cNvPr id="11" name="Rechteck 10"/>
+      <p:grpSp>
+        <p:nvGrpSpPr>
+          <p:cNvPr id="64" name="Gruppieren 63"/>
+          <p:cNvGrpSpPr/>
+          <p:nvPr/>
+        </p:nvGrpSpPr>
+        <p:grpSpPr>
+          <a:xfrm>
+            <a:off x="4499031" y="1473842"/>
+            <a:ext cx="3193939" cy="3910317"/>
+            <a:chOff x="3037983" y="2616971"/>
+            <a:chExt cx="3193939" cy="3910317"/>
+          </a:xfrm>
+        </p:grpSpPr>
+        <p:sp>
+          <p:nvSpPr>
+            <p:cNvPr id="65" name="Rechteck 64"/>
+            <p:cNvSpPr/>
+            <p:nvPr/>
+          </p:nvSpPr>
+          <p:spPr>
+            <a:xfrm>
+              <a:off x="3037983" y="2616971"/>
+              <a:ext cx="3193939" cy="3910317"/>
+            </a:xfrm>
+            <a:prstGeom prst="rect">
+              <a:avLst/>
+            </a:prstGeom>
+            <a:gradFill flip="none" rotWithShape="1">
+              <a:gsLst>
+                <a:gs pos="0">
+                  <a:schemeClr val="accent4">
+                    <a:lumMod val="67000"/>
+                  </a:schemeClr>
+                </a:gs>
+                <a:gs pos="48000">
+                  <a:schemeClr val="accent4">
+                    <a:lumMod val="97000"/>
+                    <a:lumOff val="3000"/>
+                  </a:schemeClr>
+                </a:gs>
+                <a:gs pos="100000">
+                  <a:schemeClr val="accent4">
+                    <a:lumMod val="60000"/>
+                    <a:lumOff val="40000"/>
+                  </a:schemeClr>
+                </a:gs>
+              </a:gsLst>
+              <a:lin ang="16200000" scaled="1"/>
+              <a:tileRect/>
+            </a:gradFill>
+            <a:ln>
+              <a:noFill/>
+            </a:ln>
+          </p:spPr>
+          <p:style>
+            <a:lnRef idx="0">
+              <a:scrgbClr r="0" g="0" b="0"/>
+            </a:lnRef>
+            <a:fillRef idx="0">
+              <a:scrgbClr r="0" g="0" b="0"/>
+            </a:fillRef>
+            <a:effectRef idx="0">
+              <a:scrgbClr r="0" g="0" b="0"/>
+            </a:effectRef>
+            <a:fontRef idx="minor">
+              <a:schemeClr val="lt1"/>
+            </a:fontRef>
+          </p:style>
+          <p:txBody>
+            <a:bodyPr rtlCol="0" anchor="ctr"/>
+            <a:lstStyle/>
+            <a:p>
+              <a:pPr algn="ctr"/>
+              <a:endParaRPr lang="de-DE"/>
+            </a:p>
+          </p:txBody>
+        </p:sp>
+        <p:sp>
+          <p:nvSpPr>
+            <p:cNvPr id="66" name="Abgerundetes Rechteck 65"/>
+            <p:cNvSpPr/>
+            <p:nvPr/>
+          </p:nvSpPr>
+          <p:spPr>
+            <a:xfrm>
+              <a:off x="3241495" y="5048505"/>
+              <a:ext cx="594927" cy="580212"/>
+            </a:xfrm>
+            <a:prstGeom prst="roundRect">
+              <a:avLst/>
+            </a:prstGeom>
+            <a:solidFill>
+              <a:schemeClr val="bg1"/>
+            </a:solidFill>
+          </p:spPr>
+          <p:style>
+            <a:lnRef idx="2">
+              <a:schemeClr val="accent1">
+                <a:shade val="50000"/>
+              </a:schemeClr>
+            </a:lnRef>
+            <a:fillRef idx="1">
+              <a:schemeClr val="accent1"/>
+            </a:fillRef>
+            <a:effectRef idx="0">
+              <a:schemeClr val="accent1"/>
+            </a:effectRef>
+            <a:fontRef idx="minor">
+              <a:schemeClr val="lt1"/>
+            </a:fontRef>
+          </p:style>
+          <p:txBody>
+            <a:bodyPr rtlCol="0" anchor="ctr"/>
+            <a:lstStyle/>
+            <a:p>
+              <a:pPr algn="ctr"/>
+              <a:r>
+                <a:rPr lang="de-DE" dirty="0" smtClean="0">
+                  <a:solidFill>
+                    <a:schemeClr val="tx1"/>
+                  </a:solidFill>
+                </a:rPr>
+                <a:t>1</a:t>
+              </a:r>
+              <a:endParaRPr lang="de-DE" dirty="0">
+                <a:solidFill>
+                  <a:schemeClr val="tx1"/>
+                </a:solidFill>
+              </a:endParaRPr>
+            </a:p>
+          </p:txBody>
+        </p:sp>
+        <p:sp>
+          <p:nvSpPr>
+            <p:cNvPr id="67" name="Abgerundetes Rechteck 66"/>
+            <p:cNvSpPr/>
+            <p:nvPr/>
+          </p:nvSpPr>
+          <p:spPr>
+            <a:xfrm>
+              <a:off x="3242571" y="4289473"/>
+              <a:ext cx="594927" cy="580212"/>
+            </a:xfrm>
+            <a:prstGeom prst="roundRect">
+              <a:avLst/>
+            </a:prstGeom>
+            <a:solidFill>
+              <a:schemeClr val="bg1"/>
+            </a:solidFill>
+          </p:spPr>
+          <p:style>
+            <a:lnRef idx="2">
+              <a:schemeClr val="accent1">
+                <a:shade val="50000"/>
+              </a:schemeClr>
+            </a:lnRef>
+            <a:fillRef idx="1">
+              <a:schemeClr val="accent1"/>
+            </a:fillRef>
+            <a:effectRef idx="0">
+              <a:schemeClr val="accent1"/>
+            </a:effectRef>
+            <a:fontRef idx="minor">
+              <a:schemeClr val="lt1"/>
+            </a:fontRef>
+          </p:style>
+          <p:txBody>
+            <a:bodyPr rtlCol="0" anchor="ctr"/>
+            <a:lstStyle/>
+            <a:p>
+              <a:pPr algn="ctr"/>
+              <a:r>
+                <a:rPr lang="de-DE" dirty="0" smtClean="0">
+                  <a:solidFill>
+                    <a:schemeClr val="tx1"/>
+                  </a:solidFill>
+                </a:rPr>
+                <a:t>4</a:t>
+              </a:r>
+              <a:endParaRPr lang="de-DE" dirty="0">
+                <a:solidFill>
+                  <a:schemeClr val="tx1"/>
+                </a:solidFill>
+              </a:endParaRPr>
+            </a:p>
+          </p:txBody>
+        </p:sp>
+        <p:sp>
+          <p:nvSpPr>
+            <p:cNvPr id="68" name="Abgerundetes Rechteck 67"/>
+            <p:cNvSpPr/>
+            <p:nvPr/>
+          </p:nvSpPr>
+          <p:spPr>
+            <a:xfrm>
+              <a:off x="4712281" y="4289473"/>
+              <a:ext cx="594927" cy="580212"/>
+            </a:xfrm>
+            <a:prstGeom prst="roundRect">
+              <a:avLst/>
+            </a:prstGeom>
+            <a:solidFill>
+              <a:schemeClr val="bg1"/>
+            </a:solidFill>
+          </p:spPr>
+          <p:style>
+            <a:lnRef idx="2">
+              <a:schemeClr val="accent1">
+                <a:shade val="50000"/>
+              </a:schemeClr>
+            </a:lnRef>
+            <a:fillRef idx="1">
+              <a:schemeClr val="accent1"/>
+            </a:fillRef>
+            <a:effectRef idx="0">
+              <a:schemeClr val="accent1"/>
+            </a:effectRef>
+            <a:fontRef idx="minor">
+              <a:schemeClr val="lt1"/>
+            </a:fontRef>
+          </p:style>
+          <p:txBody>
+            <a:bodyPr rtlCol="0" anchor="ctr"/>
+            <a:lstStyle/>
+            <a:p>
+              <a:pPr algn="ctr"/>
+              <a:r>
+                <a:rPr lang="de-DE" dirty="0" smtClean="0">
+                  <a:solidFill>
+                    <a:schemeClr val="tx1"/>
+                  </a:solidFill>
+                </a:rPr>
+                <a:t>6</a:t>
+              </a:r>
+              <a:endParaRPr lang="de-DE" dirty="0">
+                <a:solidFill>
+                  <a:schemeClr val="tx1"/>
+                </a:solidFill>
+              </a:endParaRPr>
+            </a:p>
+          </p:txBody>
+        </p:sp>
+        <p:sp>
+          <p:nvSpPr>
+            <p:cNvPr id="69" name="Abgerundetes Rechteck 68"/>
+            <p:cNvSpPr/>
+            <p:nvPr/>
+          </p:nvSpPr>
+          <p:spPr>
+            <a:xfrm>
+              <a:off x="3977426" y="4289473"/>
+              <a:ext cx="594927" cy="580212"/>
+            </a:xfrm>
+            <a:prstGeom prst="roundRect">
+              <a:avLst/>
+            </a:prstGeom>
+            <a:solidFill>
+              <a:schemeClr val="bg1"/>
+            </a:solidFill>
+          </p:spPr>
+          <p:style>
+            <a:lnRef idx="2">
+              <a:schemeClr val="accent1">
+                <a:shade val="50000"/>
+              </a:schemeClr>
+            </a:lnRef>
+            <a:fillRef idx="1">
+              <a:schemeClr val="accent1"/>
+            </a:fillRef>
+            <a:effectRef idx="0">
+              <a:schemeClr val="accent1"/>
+            </a:effectRef>
+            <a:fontRef idx="minor">
+              <a:schemeClr val="lt1"/>
+            </a:fontRef>
+          </p:style>
+          <p:txBody>
+            <a:bodyPr rtlCol="0" anchor="ctr"/>
+            <a:lstStyle/>
+            <a:p>
+              <a:pPr algn="ctr"/>
+              <a:r>
+                <a:rPr lang="de-DE" dirty="0" smtClean="0">
+                  <a:solidFill>
+                    <a:schemeClr val="tx1"/>
+                  </a:solidFill>
+                </a:rPr>
+                <a:t>5</a:t>
+              </a:r>
+              <a:endParaRPr lang="de-DE" dirty="0">
+                <a:solidFill>
+                  <a:schemeClr val="tx1"/>
+                </a:solidFill>
+              </a:endParaRPr>
+            </a:p>
+          </p:txBody>
+        </p:sp>
+        <p:sp>
+          <p:nvSpPr>
+            <p:cNvPr id="70" name="Abgerundetes Rechteck 69"/>
+            <p:cNvSpPr/>
+            <p:nvPr/>
+          </p:nvSpPr>
+          <p:spPr>
+            <a:xfrm>
+              <a:off x="3242572" y="3531371"/>
+              <a:ext cx="594927" cy="580212"/>
+            </a:xfrm>
+            <a:prstGeom prst="roundRect">
+              <a:avLst/>
+            </a:prstGeom>
+            <a:solidFill>
+              <a:schemeClr val="bg1"/>
+            </a:solidFill>
+          </p:spPr>
+          <p:style>
+            <a:lnRef idx="2">
+              <a:schemeClr val="accent1">
+                <a:shade val="50000"/>
+              </a:schemeClr>
+            </a:lnRef>
+            <a:fillRef idx="1">
+              <a:schemeClr val="accent1"/>
+            </a:fillRef>
+            <a:effectRef idx="0">
+              <a:schemeClr val="accent1"/>
+            </a:effectRef>
+            <a:fontRef idx="minor">
+              <a:schemeClr val="lt1"/>
+            </a:fontRef>
+          </p:style>
+          <p:txBody>
+            <a:bodyPr rtlCol="0" anchor="ctr"/>
+            <a:lstStyle/>
+            <a:p>
+              <a:pPr algn="ctr"/>
+              <a:r>
+                <a:rPr lang="de-DE" dirty="0" smtClean="0">
+                  <a:solidFill>
+                    <a:schemeClr val="tx1"/>
+                  </a:solidFill>
+                </a:rPr>
+                <a:t>7</a:t>
+              </a:r>
+              <a:endParaRPr lang="de-DE" dirty="0">
+                <a:solidFill>
+                  <a:schemeClr val="tx1"/>
+                </a:solidFill>
+              </a:endParaRPr>
+            </a:p>
+          </p:txBody>
+        </p:sp>
+        <p:sp>
+          <p:nvSpPr>
+            <p:cNvPr id="71" name="Abgerundetes Rechteck 70"/>
+            <p:cNvSpPr/>
+            <p:nvPr/>
+          </p:nvSpPr>
+          <p:spPr>
+            <a:xfrm>
+              <a:off x="3977426" y="3531371"/>
+              <a:ext cx="594927" cy="580212"/>
+            </a:xfrm>
+            <a:prstGeom prst="roundRect">
+              <a:avLst/>
+            </a:prstGeom>
+            <a:solidFill>
+              <a:schemeClr val="bg1"/>
+            </a:solidFill>
+          </p:spPr>
+          <p:style>
+            <a:lnRef idx="2">
+              <a:schemeClr val="accent1">
+                <a:shade val="50000"/>
+              </a:schemeClr>
+            </a:lnRef>
+            <a:fillRef idx="1">
+              <a:schemeClr val="accent1"/>
+            </a:fillRef>
+            <a:effectRef idx="0">
+              <a:schemeClr val="accent1"/>
+            </a:effectRef>
+            <a:fontRef idx="minor">
+              <a:schemeClr val="lt1"/>
+            </a:fontRef>
+          </p:style>
+          <p:txBody>
+            <a:bodyPr rtlCol="0" anchor="ctr"/>
+            <a:lstStyle/>
+            <a:p>
+              <a:pPr algn="ctr"/>
+              <a:r>
+                <a:rPr lang="de-DE" dirty="0" smtClean="0">
+                  <a:solidFill>
+                    <a:schemeClr val="tx1"/>
+                  </a:solidFill>
+                </a:rPr>
+                <a:t>8</a:t>
+              </a:r>
+              <a:endParaRPr lang="de-DE" dirty="0">
+                <a:solidFill>
+                  <a:schemeClr val="tx1"/>
+                </a:solidFill>
+              </a:endParaRPr>
+            </a:p>
+          </p:txBody>
+        </p:sp>
+        <p:sp>
+          <p:nvSpPr>
+            <p:cNvPr id="72" name="Abgerundetes Rechteck 71"/>
+            <p:cNvSpPr/>
+            <p:nvPr/>
+          </p:nvSpPr>
+          <p:spPr>
+            <a:xfrm>
+              <a:off x="4712280" y="3531371"/>
+              <a:ext cx="594927" cy="580212"/>
+            </a:xfrm>
+            <a:prstGeom prst="roundRect">
+              <a:avLst/>
+            </a:prstGeom>
+            <a:solidFill>
+              <a:schemeClr val="bg1"/>
+            </a:solidFill>
+          </p:spPr>
+          <p:style>
+            <a:lnRef idx="2">
+              <a:schemeClr val="accent1">
+                <a:shade val="50000"/>
+              </a:schemeClr>
+            </a:lnRef>
+            <a:fillRef idx="1">
+              <a:schemeClr val="accent1"/>
+            </a:fillRef>
+            <a:effectRef idx="0">
+              <a:schemeClr val="accent1"/>
+            </a:effectRef>
+            <a:fontRef idx="minor">
+              <a:schemeClr val="lt1"/>
+            </a:fontRef>
+          </p:style>
+          <p:txBody>
+            <a:bodyPr rtlCol="0" anchor="ctr"/>
+            <a:lstStyle/>
+            <a:p>
+              <a:pPr algn="ctr"/>
+              <a:r>
+                <a:rPr lang="de-DE" dirty="0" smtClean="0">
+                  <a:solidFill>
+                    <a:schemeClr val="tx1"/>
+                  </a:solidFill>
+                </a:rPr>
+                <a:t>9</a:t>
+              </a:r>
+              <a:endParaRPr lang="de-DE" dirty="0">
+                <a:solidFill>
+                  <a:schemeClr val="tx1"/>
+                </a:solidFill>
+              </a:endParaRPr>
+            </a:p>
+          </p:txBody>
+        </p:sp>
+        <p:sp>
+          <p:nvSpPr>
+            <p:cNvPr id="73" name="Abgerundetes Rechteck 72"/>
+            <p:cNvSpPr/>
+            <p:nvPr/>
+          </p:nvSpPr>
+          <p:spPr>
+            <a:xfrm>
+              <a:off x="4713359" y="5048505"/>
+              <a:ext cx="594927" cy="580212"/>
+            </a:xfrm>
+            <a:prstGeom prst="roundRect">
+              <a:avLst/>
+            </a:prstGeom>
+            <a:solidFill>
+              <a:schemeClr val="bg1"/>
+            </a:solidFill>
+          </p:spPr>
+          <p:style>
+            <a:lnRef idx="2">
+              <a:schemeClr val="accent1">
+                <a:shade val="50000"/>
+              </a:schemeClr>
+            </a:lnRef>
+            <a:fillRef idx="1">
+              <a:schemeClr val="accent1"/>
+            </a:fillRef>
+            <a:effectRef idx="0">
+              <a:schemeClr val="accent1"/>
+            </a:effectRef>
+            <a:fontRef idx="minor">
+              <a:schemeClr val="lt1"/>
+            </a:fontRef>
+          </p:style>
+          <p:txBody>
+            <a:bodyPr rtlCol="0" anchor="ctr"/>
+            <a:lstStyle/>
+            <a:p>
+              <a:pPr algn="ctr"/>
+              <a:r>
+                <a:rPr lang="de-DE" dirty="0" smtClean="0">
+                  <a:solidFill>
+                    <a:schemeClr val="tx1"/>
+                  </a:solidFill>
+                </a:rPr>
+                <a:t>3</a:t>
+              </a:r>
+              <a:endParaRPr lang="de-DE" dirty="0">
+                <a:solidFill>
+                  <a:schemeClr val="tx1"/>
+                </a:solidFill>
+              </a:endParaRPr>
+            </a:p>
+          </p:txBody>
+        </p:sp>
+        <p:sp>
+          <p:nvSpPr>
+            <p:cNvPr id="74" name="Abgerundetes Rechteck 73"/>
+            <p:cNvSpPr/>
+            <p:nvPr/>
+          </p:nvSpPr>
+          <p:spPr>
+            <a:xfrm>
+              <a:off x="3977427" y="5048505"/>
+              <a:ext cx="594927" cy="580212"/>
+            </a:xfrm>
+            <a:prstGeom prst="roundRect">
+              <a:avLst/>
+            </a:prstGeom>
+            <a:solidFill>
+              <a:schemeClr val="bg1"/>
+            </a:solidFill>
+          </p:spPr>
+          <p:style>
+            <a:lnRef idx="2">
+              <a:schemeClr val="accent1">
+                <a:shade val="50000"/>
+              </a:schemeClr>
+            </a:lnRef>
+            <a:fillRef idx="1">
+              <a:schemeClr val="accent1"/>
+            </a:fillRef>
+            <a:effectRef idx="0">
+              <a:schemeClr val="accent1"/>
+            </a:effectRef>
+            <a:fontRef idx="minor">
+              <a:schemeClr val="lt1"/>
+            </a:fontRef>
+          </p:style>
+          <p:txBody>
+            <a:bodyPr rtlCol="0" anchor="ctr"/>
+            <a:lstStyle/>
+            <a:p>
+              <a:pPr algn="ctr"/>
+              <a:r>
+                <a:rPr lang="de-DE" dirty="0" smtClean="0">
+                  <a:solidFill>
+                    <a:schemeClr val="tx1"/>
+                  </a:solidFill>
+                </a:rPr>
+                <a:t>2</a:t>
+              </a:r>
+              <a:endParaRPr lang="de-DE" dirty="0">
+                <a:solidFill>
+                  <a:schemeClr val="tx1"/>
+                </a:solidFill>
+              </a:endParaRPr>
+            </a:p>
+          </p:txBody>
+        </p:sp>
+        <p:sp>
+          <p:nvSpPr>
+            <p:cNvPr id="75" name="Abgerundetes Rechteck 74"/>
+            <p:cNvSpPr/>
+            <p:nvPr/>
+          </p:nvSpPr>
+          <p:spPr>
+            <a:xfrm>
+              <a:off x="3241495" y="2737446"/>
+              <a:ext cx="2784381" cy="673449"/>
+            </a:xfrm>
+            <a:prstGeom prst="roundRect">
+              <a:avLst/>
+            </a:prstGeom>
+            <a:solidFill>
+              <a:schemeClr val="bg1"/>
+            </a:solidFill>
+          </p:spPr>
+          <p:style>
+            <a:lnRef idx="2">
+              <a:schemeClr val="accent1">
+                <a:shade val="50000"/>
+              </a:schemeClr>
+            </a:lnRef>
+            <a:fillRef idx="1">
+              <a:schemeClr val="accent1"/>
+            </a:fillRef>
+            <a:effectRef idx="0">
+              <a:schemeClr val="accent1"/>
+            </a:effectRef>
+            <a:fontRef idx="minor">
+              <a:schemeClr val="lt1"/>
+            </a:fontRef>
+          </p:style>
+          <p:txBody>
+            <a:bodyPr rtlCol="0" anchor="ctr"/>
+            <a:lstStyle/>
+            <a:p>
+              <a:pPr algn="ctr"/>
+              <a:endParaRPr lang="de-DE">
+                <a:solidFill>
+                  <a:schemeClr val="tx1"/>
+                </a:solidFill>
+              </a:endParaRPr>
+            </a:p>
+          </p:txBody>
+        </p:sp>
+        <p:sp>
+          <p:nvSpPr>
+            <p:cNvPr id="76" name="Abgerundetes Rechteck 75"/>
+            <p:cNvSpPr/>
+            <p:nvPr/>
+          </p:nvSpPr>
+          <p:spPr>
+            <a:xfrm>
+              <a:off x="5447133" y="3531371"/>
+              <a:ext cx="594927" cy="580212"/>
+            </a:xfrm>
+            <a:prstGeom prst="roundRect">
+              <a:avLst/>
+            </a:prstGeom>
+            <a:solidFill>
+              <a:schemeClr val="bg1"/>
+            </a:solidFill>
+          </p:spPr>
+          <p:style>
+            <a:lnRef idx="2">
+              <a:schemeClr val="accent1">
+                <a:shade val="50000"/>
+              </a:schemeClr>
+            </a:lnRef>
+            <a:fillRef idx="1">
+              <a:schemeClr val="accent1"/>
+            </a:fillRef>
+            <a:effectRef idx="0">
+              <a:schemeClr val="accent1"/>
+            </a:effectRef>
+            <a:fontRef idx="minor">
+              <a:schemeClr val="lt1"/>
+            </a:fontRef>
+          </p:style>
+          <p:txBody>
+            <a:bodyPr rtlCol="0" anchor="ctr"/>
+            <a:lstStyle/>
+            <a:p>
+              <a:pPr algn="ctr"/>
+              <a:r>
+                <a:rPr lang="de-DE" dirty="0" smtClean="0">
+                  <a:solidFill>
+                    <a:schemeClr val="tx1"/>
+                  </a:solidFill>
+                </a:rPr>
+                <a:t>5€</a:t>
+              </a:r>
+              <a:endParaRPr lang="de-DE" dirty="0">
+                <a:solidFill>
+                  <a:schemeClr val="tx1"/>
+                </a:solidFill>
+              </a:endParaRPr>
+            </a:p>
+          </p:txBody>
+        </p:sp>
+        <p:sp>
+          <p:nvSpPr>
+            <p:cNvPr id="77" name="Abgerundetes Rechteck 76"/>
+            <p:cNvSpPr/>
+            <p:nvPr/>
+          </p:nvSpPr>
+          <p:spPr>
+            <a:xfrm>
+              <a:off x="5447134" y="4289473"/>
+              <a:ext cx="594927" cy="580212"/>
+            </a:xfrm>
+            <a:prstGeom prst="roundRect">
+              <a:avLst/>
+            </a:prstGeom>
+            <a:solidFill>
+              <a:schemeClr val="bg1"/>
+            </a:solidFill>
+          </p:spPr>
+          <p:style>
+            <a:lnRef idx="2">
+              <a:schemeClr val="accent1">
+                <a:shade val="50000"/>
+              </a:schemeClr>
+            </a:lnRef>
+            <a:fillRef idx="1">
+              <a:schemeClr val="accent1"/>
+            </a:fillRef>
+            <a:effectRef idx="0">
+              <a:schemeClr val="accent1"/>
+            </a:effectRef>
+            <a:fontRef idx="minor">
+              <a:schemeClr val="lt1"/>
+            </a:fontRef>
+          </p:style>
+          <p:txBody>
+            <a:bodyPr rtlCol="0" anchor="ctr"/>
+            <a:lstStyle/>
+            <a:p>
+              <a:pPr algn="ctr"/>
+              <a:r>
+                <a:rPr lang="de-DE" dirty="0" smtClean="0">
+                  <a:solidFill>
+                    <a:schemeClr val="tx1"/>
+                  </a:solidFill>
+                </a:rPr>
+                <a:t>10€</a:t>
+              </a:r>
+              <a:endParaRPr lang="de-DE" dirty="0">
+                <a:solidFill>
+                  <a:schemeClr val="tx1"/>
+                </a:solidFill>
+              </a:endParaRPr>
+            </a:p>
+          </p:txBody>
+        </p:sp>
+        <p:sp>
+          <p:nvSpPr>
+            <p:cNvPr id="78" name="Abgerundetes Rechteck 77"/>
+            <p:cNvSpPr/>
+            <p:nvPr/>
+          </p:nvSpPr>
+          <p:spPr>
+            <a:xfrm>
+              <a:off x="5447132" y="5047575"/>
+              <a:ext cx="594927" cy="580212"/>
+            </a:xfrm>
+            <a:prstGeom prst="roundRect">
+              <a:avLst/>
+            </a:prstGeom>
+            <a:solidFill>
+              <a:schemeClr val="bg1"/>
+            </a:solidFill>
+          </p:spPr>
+          <p:style>
+            <a:lnRef idx="2">
+              <a:schemeClr val="accent1">
+                <a:shade val="50000"/>
+              </a:schemeClr>
+            </a:lnRef>
+            <a:fillRef idx="1">
+              <a:schemeClr val="accent1"/>
+            </a:fillRef>
+            <a:effectRef idx="0">
+              <a:schemeClr val="accent1"/>
+            </a:effectRef>
+            <a:fontRef idx="minor">
+              <a:schemeClr val="lt1"/>
+            </a:fontRef>
+          </p:style>
+          <p:txBody>
+            <a:bodyPr rtlCol="0" anchor="ctr"/>
+            <a:lstStyle/>
+            <a:p>
+              <a:pPr algn="ctr"/>
+              <a:r>
+                <a:rPr lang="de-DE" dirty="0" smtClean="0">
+                  <a:solidFill>
+                    <a:schemeClr val="tx1"/>
+                  </a:solidFill>
+                </a:rPr>
+                <a:t>20€</a:t>
+              </a:r>
+              <a:endParaRPr lang="de-DE" dirty="0">
+                <a:solidFill>
+                  <a:schemeClr val="tx1"/>
+                </a:solidFill>
+              </a:endParaRPr>
+            </a:p>
+          </p:txBody>
+        </p:sp>
+        <p:sp>
+          <p:nvSpPr>
+            <p:cNvPr id="79" name="Abgerundetes Rechteck 78"/>
+            <p:cNvSpPr/>
+            <p:nvPr/>
+          </p:nvSpPr>
+          <p:spPr>
+            <a:xfrm>
+              <a:off x="3971313" y="5806607"/>
+              <a:ext cx="594927" cy="580212"/>
+            </a:xfrm>
+            <a:prstGeom prst="roundRect">
+              <a:avLst/>
+            </a:prstGeom>
+            <a:solidFill>
+              <a:schemeClr val="bg1"/>
+            </a:solidFill>
+          </p:spPr>
+          <p:style>
+            <a:lnRef idx="2">
+              <a:schemeClr val="accent1">
+                <a:shade val="50000"/>
+              </a:schemeClr>
+            </a:lnRef>
+            <a:fillRef idx="1">
+              <a:schemeClr val="accent1"/>
+            </a:fillRef>
+            <a:effectRef idx="0">
+              <a:schemeClr val="accent1"/>
+            </a:effectRef>
+            <a:fontRef idx="minor">
+              <a:schemeClr val="lt1"/>
+            </a:fontRef>
+          </p:style>
+          <p:txBody>
+            <a:bodyPr rtlCol="0" anchor="ctr"/>
+            <a:lstStyle/>
+            <a:p>
+              <a:pPr algn="ctr"/>
+              <a:r>
+                <a:rPr lang="de-DE" dirty="0">
+                  <a:solidFill>
+                    <a:schemeClr val="tx1"/>
+                  </a:solidFill>
+                </a:rPr>
+                <a:t>0</a:t>
+              </a:r>
+            </a:p>
+          </p:txBody>
+        </p:sp>
+        <p:sp>
+          <p:nvSpPr>
+            <p:cNvPr id="80" name="Abgerundetes Rechteck 79"/>
+            <p:cNvSpPr/>
+            <p:nvPr/>
+          </p:nvSpPr>
+          <p:spPr>
+            <a:xfrm>
+              <a:off x="3241495" y="5809068"/>
+              <a:ext cx="594927" cy="580212"/>
+            </a:xfrm>
+            <a:prstGeom prst="roundRect">
+              <a:avLst/>
+            </a:prstGeom>
+            <a:solidFill>
+              <a:schemeClr val="bg1"/>
+            </a:solidFill>
+          </p:spPr>
+          <p:style>
+            <a:lnRef idx="2">
+              <a:schemeClr val="accent1">
+                <a:shade val="50000"/>
+              </a:schemeClr>
+            </a:lnRef>
+            <a:fillRef idx="1">
+              <a:schemeClr val="accent1"/>
+            </a:fillRef>
+            <a:effectRef idx="0">
+              <a:schemeClr val="accent1"/>
+            </a:effectRef>
+            <a:fontRef idx="minor">
+              <a:schemeClr val="lt1"/>
+            </a:fontRef>
+          </p:style>
+          <p:txBody>
+            <a:bodyPr rtlCol="0" anchor="ctr"/>
+            <a:lstStyle/>
+            <a:p>
+              <a:pPr algn="ctr"/>
+              <a:r>
+                <a:rPr lang="de-DE" dirty="0">
+                  <a:solidFill>
+                    <a:schemeClr val="tx1"/>
+                  </a:solidFill>
+                </a:rPr>
+                <a:t>C</a:t>
+              </a:r>
+            </a:p>
+          </p:txBody>
+        </p:sp>
+        <p:sp>
+          <p:nvSpPr>
+            <p:cNvPr id="81" name="Abgerundetes Rechteck 80"/>
+            <p:cNvSpPr/>
+            <p:nvPr/>
+          </p:nvSpPr>
+          <p:spPr>
+            <a:xfrm>
+              <a:off x="4701131" y="5806607"/>
+              <a:ext cx="594927" cy="580212"/>
+            </a:xfrm>
+            <a:prstGeom prst="roundRect">
+              <a:avLst/>
+            </a:prstGeom>
+            <a:solidFill>
+              <a:schemeClr val="bg1"/>
+            </a:solidFill>
+          </p:spPr>
+          <p:style>
+            <a:lnRef idx="2">
+              <a:schemeClr val="accent1">
+                <a:shade val="50000"/>
+              </a:schemeClr>
+            </a:lnRef>
+            <a:fillRef idx="1">
+              <a:schemeClr val="accent1"/>
+            </a:fillRef>
+            <a:effectRef idx="0">
+              <a:schemeClr val="accent1"/>
+            </a:effectRef>
+            <a:fontRef idx="minor">
+              <a:schemeClr val="lt1"/>
+            </a:fontRef>
+          </p:style>
+          <p:txBody>
+            <a:bodyPr rtlCol="0" anchor="ctr"/>
+            <a:lstStyle/>
+            <a:p>
+              <a:pPr algn="ctr"/>
+              <a:r>
+                <a:rPr lang="de-DE" dirty="0" smtClean="0">
+                  <a:solidFill>
+                    <a:schemeClr val="tx1"/>
+                  </a:solidFill>
+                </a:rPr>
+                <a:t>,</a:t>
+              </a:r>
+              <a:endParaRPr lang="de-DE" dirty="0">
+                <a:solidFill>
+                  <a:schemeClr val="tx1"/>
+                </a:solidFill>
+              </a:endParaRPr>
+            </a:p>
+          </p:txBody>
+        </p:sp>
+        <p:cxnSp>
+          <p:nvCxnSpPr>
+            <p:cNvPr id="83" name="Gerader Verbinder 82"/>
+            <p:cNvCxnSpPr/>
+            <p:nvPr/>
+          </p:nvCxnSpPr>
+          <p:spPr>
+            <a:xfrm>
+              <a:off x="5370052" y="3513659"/>
+              <a:ext cx="0" cy="2880000"/>
+            </a:xfrm>
+            <a:prstGeom prst="line">
+              <a:avLst/>
+            </a:prstGeom>
+            <a:ln w="19050">
+              <a:solidFill>
+                <a:schemeClr val="tx1"/>
+              </a:solidFill>
+            </a:ln>
+          </p:spPr>
+          <p:style>
+            <a:lnRef idx="1">
+              <a:schemeClr val="accent1"/>
+            </a:lnRef>
+            <a:fillRef idx="0">
+              <a:schemeClr val="accent1"/>
+            </a:fillRef>
+            <a:effectRef idx="0">
+              <a:schemeClr val="accent1"/>
+            </a:effectRef>
+            <a:fontRef idx="minor">
+              <a:schemeClr val="tx1"/>
+            </a:fontRef>
+          </p:style>
+        </p:cxnSp>
+      </p:grpSp>
+      <p:sp>
+        <p:nvSpPr>
+          <p:cNvPr id="84" name="Abgerundetes Rechteck 83"/>
           <p:cNvSpPr/>
           <p:nvPr/>
         </p:nvSpPr>
         <p:spPr>
           <a:xfrm>
-            <a:off x="4467224" y="1545631"/>
-            <a:ext cx="3614095" cy="4105526"/>
+            <a:off x="6907448" y="4656310"/>
+            <a:ext cx="594927" cy="580212"/>
           </a:xfrm>
-          <a:prstGeom prst="rect">
+          <a:prstGeom prst="roundRect">
             <a:avLst/>
           </a:prstGeom>
           <a:gradFill flip="none" rotWithShape="1">
             <a:gsLst>
               <a:gs pos="0">
-                <a:schemeClr val="accent4">
+                <a:schemeClr val="accent6">
                   <a:lumMod val="67000"/>
                 </a:schemeClr>
               </a:gs>
               <a:gs pos="48000">
-                <a:schemeClr val="accent4">
+                <a:schemeClr val="accent6">
                   <a:lumMod val="97000"/>
                   <a:lumOff val="3000"/>
                 </a:schemeClr>
               </a:gs>
               <a:gs pos="100000">
-                <a:schemeClr val="accent4">
+                <a:schemeClr val="accent6">
                   <a:lumMod val="60000"/>
                   <a:lumOff val="40000"/>
                 </a:schemeClr>
@@ -3937,860 +5855,17 @@
           <a:lstStyle/>
           <a:p>
             <a:pPr algn="ctr"/>
-            <a:endParaRPr lang="de-DE"/>
-          </a:p>
-        </p:txBody>
-      </p:sp>
-      <p:sp>
-        <p:nvSpPr>
-          <p:cNvPr id="16" name="Button1">
-            <a:hlinkClick r:id="" action="ppaction://macro?name=Test"/>
-          </p:cNvPr>
-          <p:cNvSpPr/>
-          <p:nvPr/>
-        </p:nvSpPr>
-        <p:spPr>
-          <a:xfrm>
-            <a:off x="4698503" y="4349567"/>
-            <a:ext cx="594927" cy="580212"/>
-          </a:xfrm>
-          <a:prstGeom prst="roundRect">
-            <a:avLst/>
-          </a:prstGeom>
-          <a:solidFill>
-            <a:schemeClr val="bg1"/>
-          </a:solidFill>
-        </p:spPr>
-        <p:style>
-          <a:lnRef idx="2">
-            <a:schemeClr val="accent1">
-              <a:shade val="50000"/>
-            </a:schemeClr>
-          </a:lnRef>
-          <a:fillRef idx="1">
-            <a:schemeClr val="accent1"/>
-          </a:fillRef>
-          <a:effectRef idx="0">
-            <a:schemeClr val="accent1"/>
-          </a:effectRef>
-          <a:fontRef idx="minor">
-            <a:schemeClr val="lt1"/>
-          </a:fontRef>
-        </p:style>
-        <p:txBody>
-          <a:bodyPr rtlCol="0" anchor="ctr"/>
-          <a:lstStyle/>
-          <a:p>
-            <a:pPr algn="ctr"/>
             <a:r>
               <a:rPr lang="de-DE" dirty="0" smtClean="0">
                 <a:solidFill>
-                  <a:schemeClr val="tx1"/>
+                  <a:schemeClr val="bg1"/>
                 </a:solidFill>
               </a:rPr>
-              <a:t>1</a:t>
+              <a:t>OK</a:t>
             </a:r>
             <a:endParaRPr lang="de-DE" dirty="0">
               <a:solidFill>
-                <a:schemeClr val="tx1"/>
-              </a:solidFill>
-            </a:endParaRPr>
-          </a:p>
-        </p:txBody>
-      </p:sp>
-      <p:sp>
-        <p:nvSpPr>
-          <p:cNvPr id="18" name="Abgerundetes Rechteck 17"/>
-          <p:cNvSpPr/>
-          <p:nvPr/>
-        </p:nvSpPr>
-        <p:spPr>
-          <a:xfrm>
-            <a:off x="4698503" y="3587661"/>
-            <a:ext cx="594927" cy="580212"/>
-          </a:xfrm>
-          <a:prstGeom prst="roundRect">
-            <a:avLst/>
-          </a:prstGeom>
-          <a:solidFill>
-            <a:schemeClr val="bg1"/>
-          </a:solidFill>
-        </p:spPr>
-        <p:style>
-          <a:lnRef idx="2">
-            <a:schemeClr val="accent1">
-              <a:shade val="50000"/>
-            </a:schemeClr>
-          </a:lnRef>
-          <a:fillRef idx="1">
-            <a:schemeClr val="accent1"/>
-          </a:fillRef>
-          <a:effectRef idx="0">
-            <a:schemeClr val="accent1"/>
-          </a:effectRef>
-          <a:fontRef idx="minor">
-            <a:schemeClr val="lt1"/>
-          </a:fontRef>
-        </p:style>
-        <p:txBody>
-          <a:bodyPr rtlCol="0" anchor="ctr"/>
-          <a:lstStyle/>
-          <a:p>
-            <a:pPr algn="ctr"/>
-            <a:r>
-              <a:rPr lang="de-DE" dirty="0" smtClean="0">
-                <a:solidFill>
-                  <a:schemeClr val="tx1"/>
-                </a:solidFill>
-              </a:rPr>
-              <a:t>4</a:t>
-            </a:r>
-            <a:endParaRPr lang="de-DE" dirty="0">
-              <a:solidFill>
-                <a:schemeClr val="tx1"/>
-              </a:solidFill>
-            </a:endParaRPr>
-          </a:p>
-        </p:txBody>
-      </p:sp>
-      <p:sp>
-        <p:nvSpPr>
-          <p:cNvPr id="19" name="Abgerundetes Rechteck 18"/>
-          <p:cNvSpPr/>
-          <p:nvPr/>
-        </p:nvSpPr>
-        <p:spPr>
-          <a:xfrm>
-            <a:off x="6372980" y="3587661"/>
-            <a:ext cx="594927" cy="580212"/>
-          </a:xfrm>
-          <a:prstGeom prst="roundRect">
-            <a:avLst/>
-          </a:prstGeom>
-          <a:solidFill>
-            <a:schemeClr val="bg1"/>
-          </a:solidFill>
-        </p:spPr>
-        <p:style>
-          <a:lnRef idx="2">
-            <a:schemeClr val="accent1">
-              <a:shade val="50000"/>
-            </a:schemeClr>
-          </a:lnRef>
-          <a:fillRef idx="1">
-            <a:schemeClr val="accent1"/>
-          </a:fillRef>
-          <a:effectRef idx="0">
-            <a:schemeClr val="accent1"/>
-          </a:effectRef>
-          <a:fontRef idx="minor">
-            <a:schemeClr val="lt1"/>
-          </a:fontRef>
-        </p:style>
-        <p:txBody>
-          <a:bodyPr rtlCol="0" anchor="ctr"/>
-          <a:lstStyle/>
-          <a:p>
-            <a:pPr algn="ctr"/>
-            <a:r>
-              <a:rPr lang="de-DE" dirty="0" smtClean="0">
-                <a:solidFill>
-                  <a:schemeClr val="tx1"/>
-                </a:solidFill>
-              </a:rPr>
-              <a:t>6</a:t>
-            </a:r>
-            <a:endParaRPr lang="de-DE" dirty="0">
-              <a:solidFill>
-                <a:schemeClr val="tx1"/>
-              </a:solidFill>
-            </a:endParaRPr>
-          </a:p>
-        </p:txBody>
-      </p:sp>
-      <p:sp>
-        <p:nvSpPr>
-          <p:cNvPr id="20" name="Abgerundetes Rechteck 19"/>
-          <p:cNvSpPr/>
-          <p:nvPr/>
-        </p:nvSpPr>
-        <p:spPr>
-          <a:xfrm>
-            <a:off x="5530524" y="3587661"/>
-            <a:ext cx="594927" cy="580212"/>
-          </a:xfrm>
-          <a:prstGeom prst="roundRect">
-            <a:avLst/>
-          </a:prstGeom>
-          <a:solidFill>
-            <a:schemeClr val="bg1"/>
-          </a:solidFill>
-        </p:spPr>
-        <p:style>
-          <a:lnRef idx="2">
-            <a:schemeClr val="accent1">
-              <a:shade val="50000"/>
-            </a:schemeClr>
-          </a:lnRef>
-          <a:fillRef idx="1">
-            <a:schemeClr val="accent1"/>
-          </a:fillRef>
-          <a:effectRef idx="0">
-            <a:schemeClr val="accent1"/>
-          </a:effectRef>
-          <a:fontRef idx="minor">
-            <a:schemeClr val="lt1"/>
-          </a:fontRef>
-        </p:style>
-        <p:txBody>
-          <a:bodyPr rtlCol="0" anchor="ctr"/>
-          <a:lstStyle/>
-          <a:p>
-            <a:pPr algn="ctr"/>
-            <a:r>
-              <a:rPr lang="de-DE" dirty="0" smtClean="0">
-                <a:solidFill>
-                  <a:schemeClr val="tx1"/>
-                </a:solidFill>
-              </a:rPr>
-              <a:t>5</a:t>
-            </a:r>
-            <a:endParaRPr lang="de-DE" dirty="0">
-              <a:solidFill>
-                <a:schemeClr val="tx1"/>
-              </a:solidFill>
-            </a:endParaRPr>
-          </a:p>
-        </p:txBody>
-      </p:sp>
-      <p:sp>
-        <p:nvSpPr>
-          <p:cNvPr id="21" name="Abgerundetes Rechteck 20"/>
-          <p:cNvSpPr/>
-          <p:nvPr/>
-        </p:nvSpPr>
-        <p:spPr>
-          <a:xfrm>
-            <a:off x="4688475" y="2703408"/>
-            <a:ext cx="594927" cy="580212"/>
-          </a:xfrm>
-          <a:prstGeom prst="roundRect">
-            <a:avLst/>
-          </a:prstGeom>
-          <a:solidFill>
-            <a:schemeClr val="bg1"/>
-          </a:solidFill>
-        </p:spPr>
-        <p:style>
-          <a:lnRef idx="2">
-            <a:schemeClr val="accent1">
-              <a:shade val="50000"/>
-            </a:schemeClr>
-          </a:lnRef>
-          <a:fillRef idx="1">
-            <a:schemeClr val="accent1"/>
-          </a:fillRef>
-          <a:effectRef idx="0">
-            <a:schemeClr val="accent1"/>
-          </a:effectRef>
-          <a:fontRef idx="minor">
-            <a:schemeClr val="lt1"/>
-          </a:fontRef>
-        </p:style>
-        <p:txBody>
-          <a:bodyPr rtlCol="0" anchor="ctr"/>
-          <a:lstStyle/>
-          <a:p>
-            <a:pPr algn="ctr"/>
-            <a:r>
-              <a:rPr lang="de-DE" dirty="0" smtClean="0">
-                <a:solidFill>
-                  <a:schemeClr val="tx1"/>
-                </a:solidFill>
-              </a:rPr>
-              <a:t>7</a:t>
-            </a:r>
-            <a:endParaRPr lang="de-DE" dirty="0">
-              <a:solidFill>
-                <a:schemeClr val="tx1"/>
-              </a:solidFill>
-            </a:endParaRPr>
-          </a:p>
-        </p:txBody>
-      </p:sp>
-      <p:sp>
-        <p:nvSpPr>
-          <p:cNvPr id="22" name="Abgerundetes Rechteck 21"/>
-          <p:cNvSpPr/>
-          <p:nvPr/>
-        </p:nvSpPr>
-        <p:spPr>
-          <a:xfrm>
-            <a:off x="5416204" y="2698758"/>
-            <a:ext cx="594927" cy="580212"/>
-          </a:xfrm>
-          <a:prstGeom prst="roundRect">
-            <a:avLst/>
-          </a:prstGeom>
-          <a:solidFill>
-            <a:schemeClr val="bg1"/>
-          </a:solidFill>
-        </p:spPr>
-        <p:style>
-          <a:lnRef idx="2">
-            <a:schemeClr val="accent1">
-              <a:shade val="50000"/>
-            </a:schemeClr>
-          </a:lnRef>
-          <a:fillRef idx="1">
-            <a:schemeClr val="accent1"/>
-          </a:fillRef>
-          <a:effectRef idx="0">
-            <a:schemeClr val="accent1"/>
-          </a:effectRef>
-          <a:fontRef idx="minor">
-            <a:schemeClr val="lt1"/>
-          </a:fontRef>
-        </p:style>
-        <p:txBody>
-          <a:bodyPr rtlCol="0" anchor="ctr"/>
-          <a:lstStyle/>
-          <a:p>
-            <a:pPr algn="ctr"/>
-            <a:r>
-              <a:rPr lang="de-DE" dirty="0" smtClean="0">
-                <a:solidFill>
-                  <a:schemeClr val="tx1"/>
-                </a:solidFill>
-              </a:rPr>
-              <a:t>8</a:t>
-            </a:r>
-            <a:endParaRPr lang="de-DE" dirty="0">
-              <a:solidFill>
-                <a:schemeClr val="tx1"/>
-              </a:solidFill>
-            </a:endParaRPr>
-          </a:p>
-        </p:txBody>
-      </p:sp>
-      <p:sp>
-        <p:nvSpPr>
-          <p:cNvPr id="23" name="Abgerundetes Rechteck 22"/>
-          <p:cNvSpPr/>
-          <p:nvPr/>
-        </p:nvSpPr>
-        <p:spPr>
-          <a:xfrm>
-            <a:off x="6189087" y="2708329"/>
-            <a:ext cx="594927" cy="580212"/>
-          </a:xfrm>
-          <a:prstGeom prst="roundRect">
-            <a:avLst/>
-          </a:prstGeom>
-          <a:solidFill>
-            <a:schemeClr val="bg1"/>
-          </a:solidFill>
-        </p:spPr>
-        <p:style>
-          <a:lnRef idx="2">
-            <a:schemeClr val="accent1">
-              <a:shade val="50000"/>
-            </a:schemeClr>
-          </a:lnRef>
-          <a:fillRef idx="1">
-            <a:schemeClr val="accent1"/>
-          </a:fillRef>
-          <a:effectRef idx="0">
-            <a:schemeClr val="accent1"/>
-          </a:effectRef>
-          <a:fontRef idx="minor">
-            <a:schemeClr val="lt1"/>
-          </a:fontRef>
-        </p:style>
-        <p:txBody>
-          <a:bodyPr rtlCol="0" anchor="ctr"/>
-          <a:lstStyle/>
-          <a:p>
-            <a:pPr algn="ctr"/>
-            <a:r>
-              <a:rPr lang="de-DE" dirty="0" smtClean="0">
-                <a:solidFill>
-                  <a:schemeClr val="tx1"/>
-                </a:solidFill>
-              </a:rPr>
-              <a:t>9</a:t>
-            </a:r>
-            <a:endParaRPr lang="de-DE" dirty="0">
-              <a:solidFill>
-                <a:schemeClr val="tx1"/>
-              </a:solidFill>
-            </a:endParaRPr>
-          </a:p>
-        </p:txBody>
-      </p:sp>
-      <p:sp>
-        <p:nvSpPr>
-          <p:cNvPr id="24" name="Abgerundetes Rechteck 23"/>
-          <p:cNvSpPr/>
-          <p:nvPr/>
-        </p:nvSpPr>
-        <p:spPr>
-          <a:xfrm>
-            <a:off x="6372981" y="4349567"/>
-            <a:ext cx="594927" cy="580212"/>
-          </a:xfrm>
-          <a:prstGeom prst="roundRect">
-            <a:avLst/>
-          </a:prstGeom>
-          <a:solidFill>
-            <a:schemeClr val="bg1"/>
-          </a:solidFill>
-        </p:spPr>
-        <p:style>
-          <a:lnRef idx="2">
-            <a:schemeClr val="accent1">
-              <a:shade val="50000"/>
-            </a:schemeClr>
-          </a:lnRef>
-          <a:fillRef idx="1">
-            <a:schemeClr val="accent1"/>
-          </a:fillRef>
-          <a:effectRef idx="0">
-            <a:schemeClr val="accent1"/>
-          </a:effectRef>
-          <a:fontRef idx="minor">
-            <a:schemeClr val="lt1"/>
-          </a:fontRef>
-        </p:style>
-        <p:txBody>
-          <a:bodyPr rtlCol="0" anchor="ctr"/>
-          <a:lstStyle/>
-          <a:p>
-            <a:pPr algn="ctr"/>
-            <a:r>
-              <a:rPr lang="de-DE" dirty="0" smtClean="0">
-                <a:solidFill>
-                  <a:schemeClr val="tx1"/>
-                </a:solidFill>
-              </a:rPr>
-              <a:t>3</a:t>
-            </a:r>
-            <a:endParaRPr lang="de-DE" dirty="0">
-              <a:solidFill>
-                <a:schemeClr val="tx1"/>
-              </a:solidFill>
-            </a:endParaRPr>
-          </a:p>
-        </p:txBody>
-      </p:sp>
-      <p:sp>
-        <p:nvSpPr>
-          <p:cNvPr id="25" name="Abgerundetes Rechteck 24"/>
-          <p:cNvSpPr/>
-          <p:nvPr/>
-        </p:nvSpPr>
-        <p:spPr>
-          <a:xfrm>
-            <a:off x="5530525" y="4348634"/>
-            <a:ext cx="594927" cy="580212"/>
-          </a:xfrm>
-          <a:prstGeom prst="roundRect">
-            <a:avLst/>
-          </a:prstGeom>
-          <a:solidFill>
-            <a:schemeClr val="bg1"/>
-          </a:solidFill>
-        </p:spPr>
-        <p:style>
-          <a:lnRef idx="2">
-            <a:schemeClr val="accent1">
-              <a:shade val="50000"/>
-            </a:schemeClr>
-          </a:lnRef>
-          <a:fillRef idx="1">
-            <a:schemeClr val="accent1"/>
-          </a:fillRef>
-          <a:effectRef idx="0">
-            <a:schemeClr val="accent1"/>
-          </a:effectRef>
-          <a:fontRef idx="minor">
-            <a:schemeClr val="lt1"/>
-          </a:fontRef>
-        </p:style>
-        <p:txBody>
-          <a:bodyPr rtlCol="0" anchor="ctr"/>
-          <a:lstStyle/>
-          <a:p>
-            <a:pPr algn="ctr"/>
-            <a:r>
-              <a:rPr lang="de-DE" dirty="0" smtClean="0">
-                <a:solidFill>
-                  <a:schemeClr val="tx1"/>
-                </a:solidFill>
-              </a:rPr>
-              <a:t>2</a:t>
-            </a:r>
-            <a:endParaRPr lang="de-DE" dirty="0">
-              <a:solidFill>
-                <a:schemeClr val="tx1"/>
-              </a:solidFill>
-            </a:endParaRPr>
-          </a:p>
-        </p:txBody>
-      </p:sp>
-      <p:sp>
-        <p:nvSpPr>
-          <p:cNvPr id="26" name="Betrag"/>
-          <p:cNvSpPr/>
-          <p:nvPr/>
-        </p:nvSpPr>
-        <p:spPr>
-          <a:xfrm>
-            <a:off x="4671814" y="1866313"/>
-            <a:ext cx="1767634" cy="673449"/>
-          </a:xfrm>
-          <a:prstGeom prst="rect">
-            <a:avLst/>
-          </a:prstGeom>
-          <a:solidFill>
-            <a:schemeClr val="bg1"/>
-          </a:solidFill>
-        </p:spPr>
-        <p:style>
-          <a:lnRef idx="2">
-            <a:schemeClr val="accent1">
-              <a:shade val="50000"/>
-            </a:schemeClr>
-          </a:lnRef>
-          <a:fillRef idx="1">
-            <a:schemeClr val="accent1"/>
-          </a:fillRef>
-          <a:effectRef idx="0">
-            <a:schemeClr val="accent1"/>
-          </a:effectRef>
-          <a:fontRef idx="minor">
-            <a:schemeClr val="lt1"/>
-          </a:fontRef>
-        </p:style>
-        <p:txBody>
-          <a:bodyPr rtlCol="0" anchor="ctr"/>
-          <a:lstStyle/>
-          <a:p>
-            <a:pPr algn="ctr"/>
-            <a:endParaRPr lang="de-DE">
-              <a:solidFill>
-                <a:schemeClr val="tx1"/>
-              </a:solidFill>
-            </a:endParaRPr>
-          </a:p>
-        </p:txBody>
-      </p:sp>
-      <p:sp>
-        <p:nvSpPr>
-          <p:cNvPr id="28" name="Titel 27"/>
-          <p:cNvSpPr>
-            <a:spLocks noGrp="1"/>
-          </p:cNvSpPr>
-          <p:nvPr>
-            <p:ph type="title"/>
-          </p:nvPr>
-        </p:nvSpPr>
-        <p:spPr/>
-        <p:txBody>
-          <a:bodyPr/>
-          <a:lstStyle/>
-          <a:p>
-            <a:r>
-              <a:rPr lang="de-DE" dirty="0"/>
-              <a:t>Preisauswahl (</a:t>
-            </a:r>
-            <a:r>
-              <a:rPr lang="de-DE" dirty="0" err="1"/>
-              <a:t>Tap</a:t>
-            </a:r>
-            <a:r>
-              <a:rPr lang="de-DE" dirty="0"/>
-              <a:t> </a:t>
-            </a:r>
-            <a:r>
-              <a:rPr lang="de-DE" dirty="0" err="1"/>
-              <a:t>or</a:t>
-            </a:r>
-            <a:r>
-              <a:rPr lang="de-DE" dirty="0"/>
-              <a:t> </a:t>
-            </a:r>
-            <a:r>
-              <a:rPr lang="de-DE" dirty="0" err="1"/>
-              <a:t>scan</a:t>
-            </a:r>
-            <a:r>
-              <a:rPr lang="de-DE" dirty="0"/>
-              <a:t>)</a:t>
-            </a:r>
-            <a:endParaRPr lang="de-DE" dirty="0"/>
-          </a:p>
-        </p:txBody>
-      </p:sp>
-      <p:sp>
-        <p:nvSpPr>
-          <p:cNvPr id="29" name="Abgerundetes Rechteck 28"/>
-          <p:cNvSpPr/>
-          <p:nvPr/>
-        </p:nvSpPr>
-        <p:spPr>
-          <a:xfrm>
-            <a:off x="5530524" y="4999429"/>
-            <a:ext cx="594927" cy="580212"/>
-          </a:xfrm>
-          <a:prstGeom prst="roundRect">
-            <a:avLst/>
-          </a:prstGeom>
-          <a:solidFill>
-            <a:schemeClr val="bg1"/>
-          </a:solidFill>
-        </p:spPr>
-        <p:style>
-          <a:lnRef idx="2">
-            <a:schemeClr val="accent1">
-              <a:shade val="50000"/>
-            </a:schemeClr>
-          </a:lnRef>
-          <a:fillRef idx="1">
-            <a:schemeClr val="accent1"/>
-          </a:fillRef>
-          <a:effectRef idx="0">
-            <a:schemeClr val="accent1"/>
-          </a:effectRef>
-          <a:fontRef idx="minor">
-            <a:schemeClr val="lt1"/>
-          </a:fontRef>
-        </p:style>
-        <p:txBody>
-          <a:bodyPr rtlCol="0" anchor="ctr"/>
-          <a:lstStyle/>
-          <a:p>
-            <a:pPr algn="ctr"/>
-            <a:r>
-              <a:rPr lang="de-DE" dirty="0">
-                <a:solidFill>
-                  <a:schemeClr val="tx1"/>
-                </a:solidFill>
-              </a:rPr>
-              <a:t>0</a:t>
-            </a:r>
-            <a:endParaRPr lang="de-DE" dirty="0">
-              <a:solidFill>
-                <a:schemeClr val="tx1"/>
-              </a:solidFill>
-            </a:endParaRPr>
-          </a:p>
-        </p:txBody>
-      </p:sp>
-      <p:sp>
-        <p:nvSpPr>
-          <p:cNvPr id="30" name="Abgerundetes Rechteck 29"/>
-          <p:cNvSpPr/>
-          <p:nvPr/>
-        </p:nvSpPr>
-        <p:spPr>
-          <a:xfrm>
-            <a:off x="6549410" y="1912931"/>
-            <a:ext cx="594927" cy="580212"/>
-          </a:xfrm>
-          <a:prstGeom prst="roundRect">
-            <a:avLst/>
-          </a:prstGeom>
-          <a:solidFill>
-            <a:schemeClr val="bg1"/>
-          </a:solidFill>
-        </p:spPr>
-        <p:style>
-          <a:lnRef idx="2">
-            <a:schemeClr val="accent1">
-              <a:shade val="50000"/>
-            </a:schemeClr>
-          </a:lnRef>
-          <a:fillRef idx="1">
-            <a:schemeClr val="accent1"/>
-          </a:fillRef>
-          <a:effectRef idx="0">
-            <a:schemeClr val="accent1"/>
-          </a:effectRef>
-          <a:fontRef idx="minor">
-            <a:schemeClr val="lt1"/>
-          </a:fontRef>
-        </p:style>
-        <p:txBody>
-          <a:bodyPr rtlCol="0" anchor="ctr"/>
-          <a:lstStyle/>
-          <a:p>
-            <a:pPr algn="ctr"/>
-            <a:r>
-              <a:rPr lang="de-DE" dirty="0">
-                <a:solidFill>
-                  <a:schemeClr val="tx1"/>
-                </a:solidFill>
-              </a:rPr>
-              <a:t>C</a:t>
-            </a:r>
-            <a:endParaRPr lang="de-DE" dirty="0">
-              <a:solidFill>
-                <a:schemeClr val="tx1"/>
-              </a:solidFill>
-            </a:endParaRPr>
-          </a:p>
-        </p:txBody>
-      </p:sp>
-      <p:sp>
-        <p:nvSpPr>
-          <p:cNvPr id="31" name="Abgerundetes Rechteck 30"/>
-          <p:cNvSpPr/>
-          <p:nvPr/>
-        </p:nvSpPr>
-        <p:spPr>
-          <a:xfrm>
-            <a:off x="6372980" y="4992306"/>
-            <a:ext cx="594927" cy="580212"/>
-          </a:xfrm>
-          <a:prstGeom prst="roundRect">
-            <a:avLst/>
-          </a:prstGeom>
-          <a:solidFill>
-            <a:schemeClr val="bg1"/>
-          </a:solidFill>
-        </p:spPr>
-        <p:style>
-          <a:lnRef idx="2">
-            <a:schemeClr val="accent1">
-              <a:shade val="50000"/>
-            </a:schemeClr>
-          </a:lnRef>
-          <a:fillRef idx="1">
-            <a:schemeClr val="accent1"/>
-          </a:fillRef>
-          <a:effectRef idx="0">
-            <a:schemeClr val="accent1"/>
-          </a:effectRef>
-          <a:fontRef idx="minor">
-            <a:schemeClr val="lt1"/>
-          </a:fontRef>
-        </p:style>
-        <p:txBody>
-          <a:bodyPr rtlCol="0" anchor="ctr"/>
-          <a:lstStyle/>
-          <a:p>
-            <a:pPr algn="ctr"/>
-            <a:r>
-              <a:rPr lang="de-DE" dirty="0" smtClean="0">
-                <a:solidFill>
-                  <a:schemeClr val="tx1"/>
-                </a:solidFill>
-              </a:rPr>
-              <a:t>,</a:t>
-            </a:r>
-            <a:endParaRPr lang="de-DE" dirty="0">
-              <a:solidFill>
-                <a:schemeClr val="tx1"/>
-              </a:solidFill>
-            </a:endParaRPr>
-          </a:p>
-        </p:txBody>
-      </p:sp>
-      <p:sp>
-        <p:nvSpPr>
-          <p:cNvPr id="2" name="Gleichschenkliges Dreieck 1"/>
-          <p:cNvSpPr/>
-          <p:nvPr/>
-        </p:nvSpPr>
-        <p:spPr>
-          <a:xfrm rot="16200000">
-            <a:off x="6513989" y="1995164"/>
-            <a:ext cx="439400" cy="378793"/>
-          </a:xfrm>
-          <a:prstGeom prst="triangle">
-            <a:avLst/>
-          </a:prstGeom>
-          <a:noFill/>
-          <a:ln>
-            <a:noFill/>
-          </a:ln>
-        </p:spPr>
-        <p:style>
-          <a:lnRef idx="2">
-            <a:schemeClr val="accent1">
-              <a:shade val="50000"/>
-            </a:schemeClr>
-          </a:lnRef>
-          <a:fillRef idx="1">
-            <a:schemeClr val="accent1"/>
-          </a:fillRef>
-          <a:effectRef idx="0">
-            <a:schemeClr val="accent1"/>
-          </a:effectRef>
-          <a:fontRef idx="minor">
-            <a:schemeClr val="lt1"/>
-          </a:fontRef>
-        </p:style>
-        <p:txBody>
-          <a:bodyPr rtlCol="0" anchor="ctr"/>
-          <a:lstStyle/>
-          <a:p>
-            <a:pPr algn="ctr"/>
-            <a:endParaRPr lang="de-DE"/>
-          </a:p>
-        </p:txBody>
-      </p:sp>
-      <p:sp>
-        <p:nvSpPr>
-          <p:cNvPr id="32" name="Abgerundetes Rechteck 31"/>
-          <p:cNvSpPr/>
-          <p:nvPr/>
-        </p:nvSpPr>
-        <p:spPr>
-          <a:xfrm>
-            <a:off x="4716767" y="5018991"/>
-            <a:ext cx="594927" cy="580212"/>
-          </a:xfrm>
-          <a:prstGeom prst="roundRect">
-            <a:avLst/>
-          </a:prstGeom>
-          <a:solidFill>
-            <a:schemeClr val="bg1"/>
-          </a:solidFill>
-        </p:spPr>
-        <p:style>
-          <a:lnRef idx="2">
-            <a:schemeClr val="accent1">
-              <a:shade val="50000"/>
-            </a:schemeClr>
-          </a:lnRef>
-          <a:fillRef idx="1">
-            <a:schemeClr val="accent1"/>
-          </a:fillRef>
-          <a:effectRef idx="0">
-            <a:schemeClr val="accent1"/>
-          </a:effectRef>
-          <a:fontRef idx="minor">
-            <a:schemeClr val="lt1"/>
-          </a:fontRef>
-        </p:style>
-        <p:txBody>
-          <a:bodyPr rtlCol="0" anchor="ctr"/>
-          <a:lstStyle/>
-          <a:p>
-            <a:pPr algn="ctr"/>
-            <a:r>
-              <a:rPr lang="de-DE" dirty="0" smtClean="0">
-                <a:solidFill>
-                  <a:schemeClr val="tx1"/>
-                </a:solidFill>
-              </a:rPr>
-              <a:t>-</a:t>
-            </a:r>
-            <a:endParaRPr lang="de-DE" dirty="0">
-              <a:solidFill>
-                <a:schemeClr val="tx1"/>
+                <a:schemeClr val="bg1"/>
               </a:solidFill>
             </a:endParaRPr>
           </a:p>
@@ -4799,7 +5874,7 @@
     </p:spTree>
     <p:extLst>
       <p:ext uri="{BB962C8B-B14F-4D97-AF65-F5344CB8AC3E}">
-        <p14:creationId xmlns:p14="http://schemas.microsoft.com/office/powerpoint/2010/main" val="1032204590"/>
+        <p14:creationId xmlns:p14="http://schemas.microsoft.com/office/powerpoint/2010/main" val="2195318129"/>
       </p:ext>
     </p:extLst>
   </p:cSld>
@@ -4850,7 +5925,7 @@
                                           </p:stCondLst>
                                         </p:cTn>
                                         <p:tgtEl>
-                                          <p:spTgt spid="10"/>
+                                          <p:spTgt spid="30"/>
                                         </p:tgtEl>
                                         <p:attrNameLst>
                                           <p:attrName>style.visibility</p:attrName>
@@ -4864,7 +5939,88 @@
                                       <p:cBhvr>
                                         <p:cTn id="7" dur="500"/>
                                         <p:tgtEl>
-                                          <p:spTgt spid="10"/>
+                                          <p:spTgt spid="30"/>
+                                        </p:tgtEl>
+                                      </p:cBhvr>
+                                    </p:animEffect>
+                                  </p:childTnLst>
+                                </p:cTn>
+                              </p:par>
+                              <p:par>
+                                <p:cTn id="8" presetID="53" presetClass="entr" presetSubtype="16" fill="hold" nodeType="withEffect">
+                                  <p:stCondLst>
+                                    <p:cond delay="0"/>
+                                  </p:stCondLst>
+                                  <p:childTnLst>
+                                    <p:set>
+                                      <p:cBhvr>
+                                        <p:cTn id="9" dur="1" fill="hold">
+                                          <p:stCondLst>
+                                            <p:cond delay="0"/>
+                                          </p:stCondLst>
+                                        </p:cTn>
+                                        <p:tgtEl>
+                                          <p:spTgt spid="64"/>
+                                        </p:tgtEl>
+                                        <p:attrNameLst>
+                                          <p:attrName>style.visibility</p:attrName>
+                                        </p:attrNameLst>
+                                      </p:cBhvr>
+                                      <p:to>
+                                        <p:strVal val="visible"/>
+                                      </p:to>
+                                    </p:set>
+                                    <p:anim calcmode="lin" valueType="num">
+                                      <p:cBhvr>
+                                        <p:cTn id="10" dur="500" fill="hold"/>
+                                        <p:tgtEl>
+                                          <p:spTgt spid="64"/>
+                                        </p:tgtEl>
+                                        <p:attrNameLst>
+                                          <p:attrName>ppt_w</p:attrName>
+                                        </p:attrNameLst>
+                                      </p:cBhvr>
+                                      <p:tavLst>
+                                        <p:tav tm="0">
+                                          <p:val>
+                                            <p:fltVal val="0"/>
+                                          </p:val>
+                                        </p:tav>
+                                        <p:tav tm="100000">
+                                          <p:val>
+                                            <p:strVal val="#ppt_w"/>
+                                          </p:val>
+                                        </p:tav>
+                                      </p:tavLst>
+                                    </p:anim>
+                                    <p:anim calcmode="lin" valueType="num">
+                                      <p:cBhvr>
+                                        <p:cTn id="11" dur="500" fill="hold"/>
+                                        <p:tgtEl>
+                                          <p:spTgt spid="64"/>
+                                        </p:tgtEl>
+                                        <p:attrNameLst>
+                                          <p:attrName>ppt_h</p:attrName>
+                                        </p:attrNameLst>
+                                      </p:cBhvr>
+                                      <p:tavLst>
+                                        <p:tav tm="0">
+                                          <p:val>
+                                            <p:fltVal val="0"/>
+                                          </p:val>
+                                        </p:tav>
+                                        <p:tav tm="100000">
+                                          <p:val>
+                                            <p:strVal val="#ppt_h"/>
+                                          </p:val>
+                                        </p:tav>
+                                      </p:tavLst>
+                                    </p:anim>
+                                    <p:animEffect transition="in" filter="fade">
+                                      <p:cBhvr>
+                                        <p:cTn id="12" dur="500"/>
+                                        <p:tgtEl>
+                                          <p:spTgt spid="64"/>
                                         </p:tgtEl>
                                       </p:cBhvr>
                                     </p:animEffect>
@@ -4892,7 +6048,7 @@
       </p:par>
     </p:tnLst>
     <p:bldLst>
-      <p:bldP spid="10" grpId="0" animBg="1"/>
+      <p:bldP spid="30" grpId="0" animBg="1"/>
     </p:bldLst>
   </p:timing>
 </p:sld>
@@ -4917,14 +6073,55 @@
       </p:grpSpPr>
       <p:sp>
         <p:nvSpPr>
-          <p:cNvPr id="4" name="Abgerundetes Rechteck 3"/>
+          <p:cNvPr id="2" name="Titel 1"/>
+          <p:cNvSpPr>
+            <a:spLocks noGrp="1"/>
+          </p:cNvSpPr>
+          <p:nvPr>
+            <p:ph type="title"/>
+          </p:nvPr>
+        </p:nvSpPr>
+        <p:spPr/>
+        <p:txBody>
+          <a:bodyPr/>
+          <a:lstStyle/>
+          <a:p>
+            <a:r>
+              <a:rPr lang="de-DE" dirty="0"/>
+              <a:t>Userauswahl (Search </a:t>
+            </a:r>
+            <a:r>
+              <a:rPr lang="de-DE" dirty="0" err="1"/>
+              <a:t>or</a:t>
+            </a:r>
+            <a:r>
+              <a:rPr lang="de-DE" dirty="0"/>
+              <a:t> </a:t>
+            </a:r>
+            <a:r>
+              <a:rPr lang="de-DE" dirty="0" err="1"/>
+              <a:t>scan</a:t>
+            </a:r>
+            <a:r>
+              <a:rPr lang="de-DE" dirty="0"/>
+              <a:t>)</a:t>
+            </a:r>
+            <a:endParaRPr lang="de-DE" dirty="0"/>
+          </a:p>
+        </p:txBody>
+      </p:sp>
+      <p:sp>
+        <p:nvSpPr>
+          <p:cNvPr id="4" name="Abgerundetes Rechteck 3">
+            <a:hlinkClick r:id="rId2" action="ppaction://hlinksldjump"/>
+          </p:cNvPr>
           <p:cNvSpPr/>
           <p:nvPr/>
         </p:nvSpPr>
         <p:spPr>
           <a:xfrm>
-            <a:off x="1409816" y="1543840"/>
-            <a:ext cx="2751438" cy="1812324"/>
+            <a:off x="626074" y="1491048"/>
+            <a:ext cx="11211697" cy="914400"/>
           </a:xfrm>
           <a:prstGeom prst="roundRect">
             <a:avLst/>
@@ -4932,18 +6129,18 @@
           <a:gradFill flip="none" rotWithShape="1">
             <a:gsLst>
               <a:gs pos="0">
-                <a:schemeClr val="accent1">
+                <a:schemeClr val="accent6">
                   <a:lumMod val="67000"/>
                 </a:schemeClr>
               </a:gs>
               <a:gs pos="48000">
-                <a:schemeClr val="accent1">
+                <a:schemeClr val="accent6">
                   <a:lumMod val="97000"/>
                   <a:lumOff val="3000"/>
                 </a:schemeClr>
               </a:gs>
               <a:gs pos="100000">
-                <a:schemeClr val="accent1">
+                <a:schemeClr val="accent6">
                   <a:lumMod val="60000"/>
                   <a:lumOff val="40000"/>
                 </a:schemeClr>
@@ -4974,32 +6171,24 @@
           <a:bodyPr rtlCol="0" anchor="ctr"/>
           <a:lstStyle/>
           <a:p>
-            <a:pPr algn="ctr"/>
-            <a:r>
-              <a:rPr lang="de-DE" sz="2800" b="1" dirty="0" smtClean="0"/>
-              <a:t>1,50 €</a:t>
-            </a:r>
-            <a:br>
-              <a:rPr lang="de-DE" sz="2800" b="1" dirty="0" smtClean="0"/>
-            </a:br>
-            <a:r>
-              <a:rPr lang="de-DE" sz="2000" dirty="0" smtClean="0"/>
-              <a:t>(Pizza, …)</a:t>
-            </a:r>
-            <a:endParaRPr lang="de-DE" sz="2000" dirty="0"/>
-          </a:p>
-        </p:txBody>
-      </p:sp>
-      <p:sp>
-        <p:nvSpPr>
-          <p:cNvPr id="5" name="Sonstiger Betrag"/>
+            <a:r>
+              <a:rPr lang="de-DE" sz="3200" b="1" dirty="0" err="1" smtClean="0"/>
+              <a:t>RafiNiert</a:t>
+            </a:r>
+            <a:endParaRPr lang="de-DE" sz="3200" b="1" dirty="0"/>
+          </a:p>
+        </p:txBody>
+      </p:sp>
+      <p:sp>
+        <p:nvSpPr>
+          <p:cNvPr id="5" name="Abgerundetes Rechteck 4"/>
           <p:cNvSpPr/>
           <p:nvPr/>
         </p:nvSpPr>
         <p:spPr>
           <a:xfrm>
-            <a:off x="8271935" y="4287040"/>
-            <a:ext cx="2751438" cy="1812324"/>
+            <a:off x="626074" y="2521508"/>
+            <a:ext cx="11211697" cy="914400"/>
           </a:xfrm>
           <a:prstGeom prst="roundRect">
             <a:avLst/>
@@ -5007,18 +6196,18 @@
           <a:gradFill flip="none" rotWithShape="1">
             <a:gsLst>
               <a:gs pos="0">
-                <a:schemeClr val="accent1">
+                <a:schemeClr val="accent4">
                   <a:lumMod val="67000"/>
                 </a:schemeClr>
               </a:gs>
               <a:gs pos="48000">
-                <a:schemeClr val="accent1">
+                <a:schemeClr val="accent4">
                   <a:lumMod val="97000"/>
                   <a:lumOff val="3000"/>
                 </a:schemeClr>
               </a:gs>
               <a:gs pos="100000">
-                <a:schemeClr val="accent1">
+                <a:schemeClr val="accent4">
                   <a:lumMod val="60000"/>
                   <a:lumOff val="40000"/>
                 </a:schemeClr>
@@ -5049,12 +6238,11 @@
           <a:bodyPr rtlCol="0" anchor="ctr"/>
           <a:lstStyle/>
           <a:p>
-            <a:pPr algn="ctr"/>
-            <a:r>
-              <a:rPr lang="de-DE" sz="2800" b="1" dirty="0" smtClean="0"/>
-              <a:t>Sonstiger Betrag</a:t>
-            </a:r>
-            <a:endParaRPr lang="de-DE" sz="2800" b="1" dirty="0"/>
+            <a:r>
+              <a:rPr lang="de-DE" sz="3200" b="1" dirty="0" err="1"/>
+              <a:t>AnManuelDung</a:t>
+            </a:r>
+            <a:endParaRPr lang="de-DE" sz="3200" b="1" dirty="0"/>
           </a:p>
         </p:txBody>
       </p:sp>
@@ -5066,8 +6254,8 @@
         </p:nvSpPr>
         <p:spPr>
           <a:xfrm>
-            <a:off x="1409816" y="4287040"/>
-            <a:ext cx="2751438" cy="1812324"/>
+            <a:off x="626074" y="3551968"/>
+            <a:ext cx="11211697" cy="914400"/>
           </a:xfrm>
           <a:prstGeom prst="roundRect">
             <a:avLst/>
@@ -5075,21 +6263,20 @@
           <a:gradFill flip="none" rotWithShape="1">
             <a:gsLst>
               <a:gs pos="0">
-                <a:schemeClr val="accent1">
+                <a:srgbClr val="C00000">
                   <a:lumMod val="67000"/>
-                </a:schemeClr>
+                </a:srgbClr>
               </a:gs>
               <a:gs pos="48000">
-                <a:schemeClr val="accent1">
+                <a:srgbClr val="C00000">
                   <a:lumMod val="97000"/>
-                  <a:lumOff val="3000"/>
-                </a:schemeClr>
+                </a:srgbClr>
               </a:gs>
               <a:gs pos="100000">
-                <a:schemeClr val="accent1">
+                <a:srgbClr val="C00000">
                   <a:lumMod val="60000"/>
                   <a:lumOff val="40000"/>
-                </a:schemeClr>
+                </a:srgbClr>
               </a:gs>
             </a:gsLst>
             <a:lin ang="16200000" scaled="1"/>
@@ -5117,19 +6304,11 @@
           <a:bodyPr rtlCol="0" anchor="ctr"/>
           <a:lstStyle/>
           <a:p>
-            <a:pPr algn="ctr"/>
-            <a:r>
-              <a:rPr lang="de-DE" sz="2800" b="1" dirty="0" smtClean="0"/>
-              <a:t>0,50 €</a:t>
-            </a:r>
-          </a:p>
-          <a:p>
-            <a:pPr algn="ctr"/>
-            <a:r>
-              <a:rPr lang="de-DE" sz="2000" dirty="0" smtClean="0"/>
-              <a:t>(Säfte, Schorlen, Wasser, …)</a:t>
-            </a:r>
-            <a:endParaRPr lang="de-DE" sz="2000" dirty="0"/>
+            <a:r>
+              <a:rPr lang="de-DE" sz="3200" b="1" dirty="0" err="1" smtClean="0"/>
+              <a:t>HalsabSchneider</a:t>
+            </a:r>
+            <a:endParaRPr lang="de-DE" sz="3200" b="1" dirty="0"/>
           </a:p>
         </p:txBody>
       </p:sp>
@@ -5141,8 +6320,162 @@
         </p:nvSpPr>
         <p:spPr>
           <a:xfrm>
-            <a:off x="4688475" y="1543840"/>
-            <a:ext cx="2751438" cy="1812324"/>
+            <a:off x="626073" y="4582428"/>
+            <a:ext cx="11211697" cy="914400"/>
+          </a:xfrm>
+          <a:prstGeom prst="roundRect">
+            <a:avLst/>
+          </a:prstGeom>
+        </p:spPr>
+        <p:style>
+          <a:lnRef idx="2">
+            <a:schemeClr val="accent3">
+              <a:shade val="50000"/>
+            </a:schemeClr>
+          </a:lnRef>
+          <a:fillRef idx="1">
+            <a:schemeClr val="accent3"/>
+          </a:fillRef>
+          <a:effectRef idx="0">
+            <a:schemeClr val="accent3"/>
+          </a:effectRef>
+          <a:fontRef idx="minor">
+            <a:schemeClr val="lt1"/>
+          </a:fontRef>
+        </p:style>
+        <p:txBody>
+          <a:bodyPr rtlCol="0" anchor="ctr"/>
+          <a:lstStyle/>
+          <a:p>
+            <a:pPr algn="ctr"/>
+            <a:endParaRPr lang="de-DE"/>
+          </a:p>
+        </p:txBody>
+      </p:sp>
+      <p:sp>
+        <p:nvSpPr>
+          <p:cNvPr id="9" name="Textfeld 8"/>
+          <p:cNvSpPr txBox="1"/>
+          <p:nvPr/>
+        </p:nvSpPr>
+        <p:spPr>
+          <a:xfrm>
+            <a:off x="10160268" y="1657183"/>
+            <a:ext cx="1422184" cy="584775"/>
+          </a:xfrm>
+          <a:prstGeom prst="rect">
+            <a:avLst/>
+          </a:prstGeom>
+          <a:noFill/>
+        </p:spPr>
+        <p:txBody>
+          <a:bodyPr wrap="none" rtlCol="0">
+            <a:spAutoFit/>
+          </a:bodyPr>
+          <a:lstStyle/>
+          <a:p>
+            <a:r>
+              <a:rPr lang="de-DE" sz="3200" dirty="0" smtClean="0">
+                <a:solidFill>
+                  <a:schemeClr val="bg1"/>
+                </a:solidFill>
+              </a:rPr>
+              <a:t>10,50 €</a:t>
+            </a:r>
+            <a:endParaRPr lang="de-DE" sz="3200" dirty="0">
+              <a:solidFill>
+                <a:schemeClr val="bg1"/>
+              </a:solidFill>
+            </a:endParaRPr>
+          </a:p>
+        </p:txBody>
+      </p:sp>
+      <p:sp>
+        <p:nvSpPr>
+          <p:cNvPr id="10" name="Textfeld 9"/>
+          <p:cNvSpPr txBox="1"/>
+          <p:nvPr/>
+        </p:nvSpPr>
+        <p:spPr>
+          <a:xfrm>
+            <a:off x="10243624" y="2686321"/>
+            <a:ext cx="1338828" cy="584775"/>
+          </a:xfrm>
+          <a:prstGeom prst="rect">
+            <a:avLst/>
+          </a:prstGeom>
+          <a:noFill/>
+        </p:spPr>
+        <p:txBody>
+          <a:bodyPr wrap="none" rtlCol="0">
+            <a:spAutoFit/>
+          </a:bodyPr>
+          <a:lstStyle/>
+          <a:p>
+            <a:r>
+              <a:rPr lang="de-DE" sz="3200" dirty="0" smtClean="0">
+                <a:solidFill>
+                  <a:schemeClr val="bg1"/>
+                </a:solidFill>
+              </a:rPr>
+              <a:t>-3,50 €</a:t>
+            </a:r>
+            <a:endParaRPr lang="de-DE" sz="3200" dirty="0">
+              <a:solidFill>
+                <a:schemeClr val="bg1"/>
+              </a:solidFill>
+            </a:endParaRPr>
+          </a:p>
+        </p:txBody>
+      </p:sp>
+      <p:sp>
+        <p:nvSpPr>
+          <p:cNvPr id="11" name="Textfeld 10"/>
+          <p:cNvSpPr txBox="1"/>
+          <p:nvPr/>
+        </p:nvSpPr>
+        <p:spPr>
+          <a:xfrm>
+            <a:off x="10035234" y="3716781"/>
+            <a:ext cx="1547218" cy="584775"/>
+          </a:xfrm>
+          <a:prstGeom prst="rect">
+            <a:avLst/>
+          </a:prstGeom>
+          <a:noFill/>
+        </p:spPr>
+        <p:txBody>
+          <a:bodyPr wrap="none" rtlCol="0">
+            <a:spAutoFit/>
+          </a:bodyPr>
+          <a:lstStyle/>
+          <a:p>
+            <a:r>
+              <a:rPr lang="de-DE" sz="3200" dirty="0" smtClean="0">
+                <a:solidFill>
+                  <a:schemeClr val="bg1"/>
+                </a:solidFill>
+              </a:rPr>
+              <a:t>-13,50 €</a:t>
+            </a:r>
+            <a:endParaRPr lang="de-DE" sz="3200" dirty="0">
+              <a:solidFill>
+                <a:schemeClr val="bg1"/>
+              </a:solidFill>
+            </a:endParaRPr>
+          </a:p>
+        </p:txBody>
+      </p:sp>
+      <p:sp>
+        <p:nvSpPr>
+          <p:cNvPr id="19" name="Abgerundetes Rechteck 18"/>
+          <p:cNvSpPr/>
+          <p:nvPr/>
+        </p:nvSpPr>
+        <p:spPr>
+          <a:xfrm>
+            <a:off x="4665468" y="5612888"/>
+            <a:ext cx="3516435" cy="914400"/>
           </a:xfrm>
           <a:prstGeom prst="roundRect">
             <a:avLst/>
@@ -5150,18 +6483,18 @@
           <a:gradFill flip="none" rotWithShape="1">
             <a:gsLst>
               <a:gs pos="0">
-                <a:schemeClr val="accent1">
+                <a:schemeClr val="accent3">
                   <a:lumMod val="67000"/>
                 </a:schemeClr>
               </a:gs>
               <a:gs pos="48000">
-                <a:schemeClr val="accent1">
+                <a:schemeClr val="accent3">
                   <a:lumMod val="97000"/>
                   <a:lumOff val="3000"/>
                 </a:schemeClr>
               </a:gs>
               <a:gs pos="100000">
-                <a:schemeClr val="accent1">
+                <a:schemeClr val="accent3">
                   <a:lumMod val="60000"/>
                   <a:lumOff val="40000"/>
                 </a:schemeClr>
@@ -5194,38 +6527,32 @@
           <a:p>
             <a:pPr algn="ctr"/>
             <a:r>
-              <a:rPr lang="de-DE" sz="2800" b="1" dirty="0" smtClean="0"/>
-              <a:t>1,30 €</a:t>
-            </a:r>
-          </a:p>
-          <a:p>
-            <a:pPr algn="ctr"/>
-            <a:r>
-              <a:rPr lang="de-DE" sz="2000" dirty="0" smtClean="0"/>
-              <a:t>(</a:t>
-            </a:r>
-            <a:r>
-              <a:rPr lang="de-DE" sz="2000" dirty="0" err="1" smtClean="0"/>
-              <a:t>RedBull</a:t>
-            </a:r>
-            <a:r>
-              <a:rPr lang="de-DE" sz="2000" dirty="0" smtClean="0"/>
-              <a:t>, …)</a:t>
-            </a:r>
-            <a:endParaRPr lang="de-DE" sz="2000" dirty="0"/>
-          </a:p>
-        </p:txBody>
-      </p:sp>
-      <p:sp>
-        <p:nvSpPr>
-          <p:cNvPr id="8" name="Abgerundetes Rechteck 7"/>
+              <a:rPr lang="de-DE" b="1" dirty="0" smtClean="0"/>
+              <a:t>Kein Account?</a:t>
+            </a:r>
+            <a:br>
+              <a:rPr lang="de-DE" b="1" dirty="0" smtClean="0"/>
+            </a:br>
+            <a:r>
+              <a:rPr lang="de-DE" dirty="0" smtClean="0"/>
+              <a:t>Neuen User anlegen</a:t>
+            </a:r>
+            <a:endParaRPr lang="de-DE" dirty="0"/>
+          </a:p>
+        </p:txBody>
+      </p:sp>
+      <p:sp>
+        <p:nvSpPr>
+          <p:cNvPr id="13" name="Abbrechen">
+            <a:hlinkClick r:id="rId2" action="ppaction://hlinksldjump"/>
+          </p:cNvPr>
           <p:cNvSpPr/>
           <p:nvPr/>
         </p:nvSpPr>
         <p:spPr>
           <a:xfrm>
-            <a:off x="8271935" y="1543840"/>
-            <a:ext cx="2751438" cy="1812324"/>
+            <a:off x="8321335" y="5612888"/>
+            <a:ext cx="3516435" cy="914400"/>
           </a:xfrm>
           <a:prstGeom prst="roundRect">
             <a:avLst/>
@@ -5233,18 +6560,18 @@
           <a:gradFill flip="none" rotWithShape="1">
             <a:gsLst>
               <a:gs pos="0">
-                <a:schemeClr val="accent1">
+                <a:schemeClr val="accent5">
                   <a:lumMod val="67000"/>
                 </a:schemeClr>
               </a:gs>
               <a:gs pos="48000">
-                <a:schemeClr val="accent1">
+                <a:schemeClr val="accent5">
                   <a:lumMod val="97000"/>
                   <a:lumOff val="3000"/>
                 </a:schemeClr>
               </a:gs>
               <a:gs pos="100000">
-                <a:schemeClr val="accent1">
+                <a:schemeClr val="accent5">
                   <a:lumMod val="60000"/>
                   <a:lumOff val="40000"/>
                 </a:schemeClr>
@@ -5277,30 +6604,23 @@
           <a:p>
             <a:pPr algn="ctr"/>
             <a:r>
-              <a:rPr lang="de-DE" sz="2800" b="1" dirty="0" smtClean="0"/>
-              <a:t>1,00 €</a:t>
-            </a:r>
-            <a:br>
-              <a:rPr lang="de-DE" sz="2800" b="1" dirty="0" smtClean="0"/>
-            </a:br>
-            <a:r>
-              <a:rPr lang="de-DE" sz="2000" dirty="0" smtClean="0"/>
-              <a:t>(Bier, Mate, …)</a:t>
-            </a:r>
-            <a:endParaRPr lang="de-DE" sz="2000" dirty="0"/>
-          </a:p>
-        </p:txBody>
-      </p:sp>
-      <p:sp>
-        <p:nvSpPr>
-          <p:cNvPr id="9" name="Abgerundetes Rechteck 8"/>
+              <a:rPr lang="de-DE" b="1" dirty="0" smtClean="0"/>
+              <a:t>ABBRECHEN</a:t>
+            </a:r>
+            <a:endParaRPr lang="de-DE" b="1" dirty="0"/>
+          </a:p>
+        </p:txBody>
+      </p:sp>
+      <p:sp>
+        <p:nvSpPr>
+          <p:cNvPr id="12" name="Abgerundetes Rechteck 11"/>
           <p:cNvSpPr/>
           <p:nvPr/>
         </p:nvSpPr>
         <p:spPr>
           <a:xfrm>
-            <a:off x="4688475" y="4287040"/>
-            <a:ext cx="2751438" cy="1812324"/>
+            <a:off x="7107725" y="3717482"/>
+            <a:ext cx="2797224" cy="583373"/>
           </a:xfrm>
           <a:prstGeom prst="roundRect">
             <a:avLst/>
@@ -5308,18 +6628,18 @@
           <a:gradFill flip="none" rotWithShape="1">
             <a:gsLst>
               <a:gs pos="0">
-                <a:schemeClr val="accent1">
+                <a:schemeClr val="accent5">
                   <a:lumMod val="67000"/>
                 </a:schemeClr>
               </a:gs>
               <a:gs pos="48000">
-                <a:schemeClr val="accent1">
+                <a:schemeClr val="accent5">
                   <a:lumMod val="97000"/>
                   <a:lumOff val="3000"/>
                 </a:schemeClr>
               </a:gs>
               <a:gs pos="100000">
-                <a:schemeClr val="accent1">
+                <a:schemeClr val="accent5">
                   <a:lumMod val="60000"/>
                   <a:lumOff val="40000"/>
                 </a:schemeClr>
@@ -5352,25 +6672,23 @@
           <a:p>
             <a:pPr algn="ctr"/>
             <a:r>
-              <a:rPr lang="de-DE" sz="2800" b="1" dirty="0" smtClean="0"/>
-              <a:t>0,30 €</a:t>
-            </a:r>
-            <a:endParaRPr lang="de-DE" sz="2800" b="1" dirty="0"/>
-          </a:p>
-        </p:txBody>
-      </p:sp>
-      <p:sp>
-        <p:nvSpPr>
-          <p:cNvPr id="12" name="Abgerundetes Rechteck 11">
-            <a:hlinkClick r:id="rId2" action="ppaction://hlinksldjump"/>
-          </p:cNvPr>
+              <a:rPr lang="de-DE" dirty="0" smtClean="0"/>
+              <a:t>Account aufladen</a:t>
+            </a:r>
+            <a:endParaRPr lang="de-DE" dirty="0"/>
+          </a:p>
+        </p:txBody>
+      </p:sp>
+      <p:sp>
+        <p:nvSpPr>
+          <p:cNvPr id="14" name="Abgerundetes Rechteck 13"/>
           <p:cNvSpPr/>
           <p:nvPr/>
         </p:nvSpPr>
         <p:spPr>
           <a:xfrm>
-            <a:off x="3457231" y="1747075"/>
-            <a:ext cx="543489" cy="497711"/>
+            <a:off x="7107725" y="2687022"/>
+            <a:ext cx="2797224" cy="583373"/>
           </a:xfrm>
           <a:prstGeom prst="roundRect">
             <a:avLst/>
@@ -5378,18 +6696,18 @@
           <a:gradFill flip="none" rotWithShape="1">
             <a:gsLst>
               <a:gs pos="0">
-                <a:schemeClr val="accent6">
+                <a:schemeClr val="accent5">
                   <a:lumMod val="67000"/>
                 </a:schemeClr>
               </a:gs>
               <a:gs pos="48000">
-                <a:schemeClr val="accent6">
+                <a:schemeClr val="accent5">
                   <a:lumMod val="97000"/>
                   <a:lumOff val="3000"/>
                 </a:schemeClr>
               </a:gs>
               <a:gs pos="100000">
-                <a:schemeClr val="accent6">
+                <a:schemeClr val="accent5">
                   <a:lumMod val="60000"/>
                   <a:lumOff val="40000"/>
                 </a:schemeClr>
@@ -5422,23 +6740,23 @@
           <a:p>
             <a:pPr algn="ctr"/>
             <a:r>
-              <a:rPr lang="de-DE" sz="2400" b="1" dirty="0" smtClean="0"/>
-              <a:t>+</a:t>
-            </a:r>
-            <a:endParaRPr lang="de-DE" sz="2400" b="1" dirty="0"/>
-          </a:p>
-        </p:txBody>
-      </p:sp>
-      <p:sp>
-        <p:nvSpPr>
-          <p:cNvPr id="13" name="Abgerundetes Rechteck 12"/>
+              <a:rPr lang="de-DE" dirty="0" smtClean="0"/>
+              <a:t>Account aufladen</a:t>
+            </a:r>
+            <a:endParaRPr lang="de-DE" dirty="0"/>
+          </a:p>
+        </p:txBody>
+      </p:sp>
+      <p:sp>
+        <p:nvSpPr>
+          <p:cNvPr id="15" name="Abgerundetes Rechteck 14"/>
           <p:cNvSpPr/>
           <p:nvPr/>
         </p:nvSpPr>
         <p:spPr>
           <a:xfrm>
-            <a:off x="3457231" y="2551619"/>
-            <a:ext cx="543489" cy="497711"/>
+            <a:off x="7107725" y="1656562"/>
+            <a:ext cx="2797224" cy="583373"/>
           </a:xfrm>
           <a:prstGeom prst="roundRect">
             <a:avLst/>
@@ -5446,18 +6764,18 @@
           <a:gradFill flip="none" rotWithShape="1">
             <a:gsLst>
               <a:gs pos="0">
-                <a:schemeClr val="accent6">
+                <a:schemeClr val="accent5">
                   <a:lumMod val="67000"/>
                 </a:schemeClr>
               </a:gs>
               <a:gs pos="48000">
-                <a:schemeClr val="accent6">
+                <a:schemeClr val="accent5">
                   <a:lumMod val="97000"/>
                   <a:lumOff val="3000"/>
                 </a:schemeClr>
               </a:gs>
               <a:gs pos="100000">
-                <a:schemeClr val="accent6">
+                <a:schemeClr val="accent5">
                   <a:lumMod val="60000"/>
                   <a:lumOff val="40000"/>
                 </a:schemeClr>
@@ -5490,55 +6808,8 @@
           <a:p>
             <a:pPr algn="ctr"/>
             <a:r>
-              <a:rPr lang="de-DE" sz="2400" b="1" dirty="0" smtClean="0"/>
-              <a:t>-</a:t>
-            </a:r>
-            <a:endParaRPr lang="de-DE" sz="2400" b="1" dirty="0"/>
-          </a:p>
-        </p:txBody>
-      </p:sp>
-      <p:sp>
-        <p:nvSpPr>
-          <p:cNvPr id="28" name="Titel 27"/>
-          <p:cNvSpPr>
-            <a:spLocks noGrp="1"/>
-          </p:cNvSpPr>
-          <p:nvPr>
-            <p:ph type="title"/>
-          </p:nvPr>
-        </p:nvSpPr>
-        <p:spPr/>
-        <p:txBody>
-          <a:bodyPr/>
-          <a:lstStyle/>
-          <a:p>
-            <a:r>
               <a:rPr lang="de-DE" dirty="0" smtClean="0"/>
-              <a:t>Preisauswahl (</a:t>
-            </a:r>
-            <a:r>
-              <a:rPr lang="de-DE" dirty="0" err="1" smtClean="0"/>
-              <a:t>Tap</a:t>
-            </a:r>
-            <a:r>
-              <a:rPr lang="de-DE" dirty="0" smtClean="0"/>
-              <a:t> </a:t>
-            </a:r>
-            <a:r>
-              <a:rPr lang="de-DE" dirty="0" err="1" smtClean="0"/>
-              <a:t>or</a:t>
-            </a:r>
-            <a:r>
-              <a:rPr lang="de-DE" dirty="0" smtClean="0"/>
-              <a:t> </a:t>
-            </a:r>
-            <a:r>
-              <a:rPr lang="de-DE" dirty="0" err="1" smtClean="0"/>
-              <a:t>scan</a:t>
-            </a:r>
-            <a:r>
-              <a:rPr lang="de-DE" dirty="0" smtClean="0"/>
-              <a:t>)</a:t>
+              <a:t>Account aufladen</a:t>
             </a:r>
             <a:endParaRPr lang="de-DE" dirty="0"/>
           </a:p>
@@ -5546,7 +6817,7 @@
       </p:sp>
       <p:sp>
         <p:nvSpPr>
-          <p:cNvPr id="29" name="Abgerundetes Rechteck 28"/>
+          <p:cNvPr id="16" name="Abgerundetes Rechteck 15"/>
           <p:cNvSpPr/>
           <p:nvPr/>
         </p:nvSpPr>
@@ -5606,16 +6877,19 @@
             <a:pPr algn="ctr"/>
             <a:r>
               <a:rPr lang="de-DE" b="1" dirty="0" smtClean="0"/>
-              <a:t>Betrag: XX,XX € </a:t>
-            </a:r>
-            <a:endParaRPr lang="de-DE" b="1" dirty="0"/>
+              <a:t>Summe: </a:t>
+            </a:r>
+            <a:r>
+              <a:rPr lang="de-DE" sz="3200" b="1" dirty="0"/>
+              <a:t>3,90 €</a:t>
+            </a:r>
           </a:p>
         </p:txBody>
       </p:sp>
     </p:spTree>
     <p:extLst>
       <p:ext uri="{BB962C8B-B14F-4D97-AF65-F5344CB8AC3E}">
-        <p14:creationId xmlns:p14="http://schemas.microsoft.com/office/powerpoint/2010/main" val="2195318129"/>
+        <p14:creationId xmlns:p14="http://schemas.microsoft.com/office/powerpoint/2010/main" val="2464935408"/>
       </p:ext>
     </p:extLst>
   </p:cSld>
@@ -5666,7 +6940,31 @@
           <a:p>
             <a:r>
               <a:rPr lang="de-DE" dirty="0" smtClean="0"/>
-              <a:t>Userauswahl</a:t>
+              <a:t>Account aufladen </a:t>
+            </a:r>
+            <a:r>
+              <a:rPr lang="de-DE" dirty="0" smtClean="0"/>
+              <a:t>(Search </a:t>
+            </a:r>
+            <a:r>
+              <a:rPr lang="de-DE" dirty="0" err="1" smtClean="0"/>
+              <a:t>or</a:t>
+            </a:r>
+            <a:r>
+              <a:rPr lang="de-DE" dirty="0" smtClean="0"/>
+              <a:t> </a:t>
+            </a:r>
+            <a:r>
+              <a:rPr lang="de-DE" dirty="0" err="1" smtClean="0"/>
+              <a:t>scan</a:t>
+            </a:r>
+            <a:r>
+              <a:rPr lang="de-DE" dirty="0" smtClean="0"/>
+              <a:t>) (1/2</a:t>
+            </a:r>
+            <a:r>
+              <a:rPr lang="de-DE" dirty="0" smtClean="0"/>
+              <a:t>)</a:t>
             </a:r>
             <a:endParaRPr lang="de-DE" dirty="0"/>
           </a:p>
@@ -5749,7 +7047,7 @@
         </p:nvSpPr>
         <p:spPr>
           <a:xfrm>
-            <a:off x="626074" y="2592258"/>
+            <a:off x="626074" y="2521508"/>
             <a:ext cx="11211697" cy="914400"/>
           </a:xfrm>
           <a:prstGeom prst="roundRect">
@@ -5816,7 +7114,7 @@
         </p:nvSpPr>
         <p:spPr>
           <a:xfrm>
-            <a:off x="626074" y="3693468"/>
+            <a:off x="626074" y="3551968"/>
             <a:ext cx="11211697" cy="914400"/>
           </a:xfrm>
           <a:prstGeom prst="roundRect">
@@ -5882,7 +7180,7 @@
         </p:nvSpPr>
         <p:spPr>
           <a:xfrm>
-            <a:off x="626074" y="4774083"/>
+            <a:off x="626073" y="4582428"/>
             <a:ext cx="11211697" cy="914400"/>
           </a:xfrm>
           <a:prstGeom prst="roundRect">
@@ -5910,7 +7208,7 @@
           <a:lstStyle/>
           <a:p>
             <a:pPr algn="ctr"/>
-            <a:endParaRPr lang="de-DE" dirty="0"/>
+            <a:endParaRPr lang="de-DE"/>
           </a:p>
         </p:txBody>
       </p:sp>
@@ -5960,7 +7258,7 @@
         </p:nvSpPr>
         <p:spPr>
           <a:xfrm>
-            <a:off x="10243624" y="2757070"/>
+            <a:off x="10243624" y="2686321"/>
             <a:ext cx="1338828" cy="584775"/>
           </a:xfrm>
           <a:prstGeom prst="rect">
@@ -5998,7 +7296,7 @@
         </p:nvSpPr>
         <p:spPr>
           <a:xfrm>
-            <a:off x="10035234" y="3858280"/>
+            <a:off x="10035234" y="3716781"/>
             <a:ext cx="1547218" cy="584775"/>
           </a:xfrm>
           <a:prstGeom prst="rect">
@@ -6030,7 +7328,84 @@
       </p:sp>
       <p:sp>
         <p:nvSpPr>
-          <p:cNvPr id="13" name="Abgerundetes Rechteck 12">
+          <p:cNvPr id="19" name="Abgerundetes Rechteck 18">
+            <a:hlinkClick r:id="rId3" action="ppaction://hlinksldjump"/>
+          </p:cNvPr>
+          <p:cNvSpPr/>
+          <p:nvPr/>
+        </p:nvSpPr>
+        <p:spPr>
+          <a:xfrm>
+            <a:off x="4665468" y="5612888"/>
+            <a:ext cx="3516435" cy="914400"/>
+          </a:xfrm>
+          <a:prstGeom prst="roundRect">
+            <a:avLst/>
+          </a:prstGeom>
+          <a:gradFill flip="none" rotWithShape="1">
+            <a:gsLst>
+              <a:gs pos="0">
+                <a:schemeClr val="accent3">
+                  <a:lumMod val="67000"/>
+                </a:schemeClr>
+              </a:gs>
+              <a:gs pos="48000">
+                <a:schemeClr val="accent3">
+                  <a:lumMod val="97000"/>
+                  <a:lumOff val="3000"/>
+                </a:schemeClr>
+              </a:gs>
+              <a:gs pos="100000">
+                <a:schemeClr val="accent3">
+                  <a:lumMod val="60000"/>
+                  <a:lumOff val="40000"/>
+                </a:schemeClr>
+              </a:gs>
+            </a:gsLst>
+            <a:lin ang="16200000" scaled="1"/>
+            <a:tileRect/>
+          </a:gradFill>
+          <a:ln>
+            <a:noFill/>
+          </a:ln>
+        </p:spPr>
+        <p:style>
+          <a:lnRef idx="0">
+            <a:scrgbClr r="0" g="0" b="0"/>
+          </a:lnRef>
+          <a:fillRef idx="0">
+            <a:scrgbClr r="0" g="0" b="0"/>
+          </a:fillRef>
+          <a:effectRef idx="0">
+            <a:scrgbClr r="0" g="0" b="0"/>
+          </a:effectRef>
+          <a:fontRef idx="minor">
+            <a:schemeClr val="lt1"/>
+          </a:fontRef>
+        </p:style>
+        <p:txBody>
+          <a:bodyPr rtlCol="0" anchor="ctr"/>
+          <a:lstStyle/>
+          <a:p>
+            <a:pPr algn="ctr"/>
+            <a:r>
+              <a:rPr lang="de-DE" b="1" dirty="0" smtClean="0"/>
+              <a:t>Kein Account?</a:t>
+            </a:r>
+            <a:br>
+              <a:rPr lang="de-DE" b="1" dirty="0" smtClean="0"/>
+            </a:br>
+            <a:r>
+              <a:rPr lang="de-DE" dirty="0" smtClean="0"/>
+              <a:t>Neuen User anlegen</a:t>
+            </a:r>
+            <a:endParaRPr lang="de-DE" dirty="0"/>
+          </a:p>
+        </p:txBody>
+      </p:sp>
+      <p:sp>
+        <p:nvSpPr>
+          <p:cNvPr id="13" name="Abbrechen">
             <a:hlinkClick r:id="rId2" action="ppaction://hlinksldjump"/>
           </p:cNvPr>
           <p:cNvSpPr/>
@@ -6038,7 +7413,7 @@
         </p:nvSpPr>
         <p:spPr>
           <a:xfrm>
-            <a:off x="8321336" y="5878937"/>
+            <a:off x="8321335" y="5612888"/>
             <a:ext cx="3516435" cy="914400"/>
           </a:xfrm>
           <a:prstGeom prst="roundRect">
@@ -6098,357 +7473,10 @@
           </a:p>
         </p:txBody>
       </p:sp>
-      <p:sp>
-        <p:nvSpPr>
-          <p:cNvPr id="14" name="Abgerundetes Rechteck 13"/>
-          <p:cNvSpPr/>
-          <p:nvPr/>
-        </p:nvSpPr>
-        <p:spPr>
-          <a:xfrm>
-            <a:off x="8506691" y="471055"/>
-            <a:ext cx="3331080" cy="914400"/>
-          </a:xfrm>
-          <a:prstGeom prst="roundRect">
-            <a:avLst/>
-          </a:prstGeom>
-          <a:gradFill flip="none" rotWithShape="1">
-            <a:gsLst>
-              <a:gs pos="0">
-                <a:schemeClr val="accent5">
-                  <a:lumMod val="67000"/>
-                </a:schemeClr>
-              </a:gs>
-              <a:gs pos="48000">
-                <a:schemeClr val="accent5">
-                  <a:lumMod val="97000"/>
-                  <a:lumOff val="3000"/>
-                </a:schemeClr>
-              </a:gs>
-              <a:gs pos="100000">
-                <a:schemeClr val="accent5">
-                  <a:lumMod val="60000"/>
-                  <a:lumOff val="40000"/>
-                </a:schemeClr>
-              </a:gs>
-            </a:gsLst>
-            <a:lin ang="16200000" scaled="1"/>
-            <a:tileRect/>
-          </a:gradFill>
-          <a:ln>
-            <a:noFill/>
-          </a:ln>
-        </p:spPr>
-        <p:style>
-          <a:lnRef idx="0">
-            <a:scrgbClr r="0" g="0" b="0"/>
-          </a:lnRef>
-          <a:fillRef idx="0">
-            <a:scrgbClr r="0" g="0" b="0"/>
-          </a:fillRef>
-          <a:effectRef idx="0">
-            <a:scrgbClr r="0" g="0" b="0"/>
-          </a:effectRef>
-          <a:fontRef idx="minor">
-            <a:schemeClr val="lt1"/>
-          </a:fontRef>
-        </p:style>
-        <p:txBody>
-          <a:bodyPr rtlCol="0" anchor="ctr"/>
-          <a:lstStyle/>
-          <a:p>
-            <a:pPr algn="ctr"/>
-            <a:r>
-              <a:rPr lang="de-DE" b="1" dirty="0" smtClean="0"/>
-              <a:t>Betrag: XX,XX € </a:t>
-            </a:r>
-            <a:endParaRPr lang="de-DE" b="1" dirty="0"/>
-          </a:p>
-        </p:txBody>
-      </p:sp>
-      <p:sp>
-        <p:nvSpPr>
-          <p:cNvPr id="15" name="Abgerundetes Rechteck 14"/>
-          <p:cNvSpPr/>
-          <p:nvPr/>
-        </p:nvSpPr>
-        <p:spPr>
-          <a:xfrm>
-            <a:off x="7107725" y="3858982"/>
-            <a:ext cx="2797224" cy="583373"/>
-          </a:xfrm>
-          <a:prstGeom prst="roundRect">
-            <a:avLst/>
-          </a:prstGeom>
-          <a:gradFill flip="none" rotWithShape="1">
-            <a:gsLst>
-              <a:gs pos="0">
-                <a:schemeClr val="accent5">
-                  <a:lumMod val="67000"/>
-                </a:schemeClr>
-              </a:gs>
-              <a:gs pos="48000">
-                <a:schemeClr val="accent5">
-                  <a:lumMod val="97000"/>
-                  <a:lumOff val="3000"/>
-                </a:schemeClr>
-              </a:gs>
-              <a:gs pos="100000">
-                <a:schemeClr val="accent5">
-                  <a:lumMod val="60000"/>
-                  <a:lumOff val="40000"/>
-                </a:schemeClr>
-              </a:gs>
-            </a:gsLst>
-            <a:lin ang="16200000" scaled="1"/>
-            <a:tileRect/>
-          </a:gradFill>
-          <a:ln>
-            <a:noFill/>
-          </a:ln>
-        </p:spPr>
-        <p:style>
-          <a:lnRef idx="0">
-            <a:scrgbClr r="0" g="0" b="0"/>
-          </a:lnRef>
-          <a:fillRef idx="0">
-            <a:scrgbClr r="0" g="0" b="0"/>
-          </a:fillRef>
-          <a:effectRef idx="0">
-            <a:scrgbClr r="0" g="0" b="0"/>
-          </a:effectRef>
-          <a:fontRef idx="minor">
-            <a:schemeClr val="lt1"/>
-          </a:fontRef>
-        </p:style>
-        <p:txBody>
-          <a:bodyPr rtlCol="0" anchor="ctr"/>
-          <a:lstStyle/>
-          <a:p>
-            <a:pPr algn="ctr"/>
-            <a:r>
-              <a:rPr lang="de-DE" dirty="0" smtClean="0"/>
-              <a:t>Account aufladen</a:t>
-            </a:r>
-            <a:endParaRPr lang="de-DE" dirty="0"/>
-          </a:p>
-        </p:txBody>
-      </p:sp>
-      <p:sp>
-        <p:nvSpPr>
-          <p:cNvPr id="17" name="Abgerundetes Rechteck 16"/>
-          <p:cNvSpPr/>
-          <p:nvPr/>
-        </p:nvSpPr>
-        <p:spPr>
-          <a:xfrm>
-            <a:off x="7107725" y="2757772"/>
-            <a:ext cx="2797224" cy="583373"/>
-          </a:xfrm>
-          <a:prstGeom prst="roundRect">
-            <a:avLst/>
-          </a:prstGeom>
-          <a:gradFill flip="none" rotWithShape="1">
-            <a:gsLst>
-              <a:gs pos="0">
-                <a:schemeClr val="accent5">
-                  <a:lumMod val="67000"/>
-                </a:schemeClr>
-              </a:gs>
-              <a:gs pos="48000">
-                <a:schemeClr val="accent5">
-                  <a:lumMod val="97000"/>
-                  <a:lumOff val="3000"/>
-                </a:schemeClr>
-              </a:gs>
-              <a:gs pos="100000">
-                <a:schemeClr val="accent5">
-                  <a:lumMod val="60000"/>
-                  <a:lumOff val="40000"/>
-                </a:schemeClr>
-              </a:gs>
-            </a:gsLst>
-            <a:lin ang="16200000" scaled="1"/>
-            <a:tileRect/>
-          </a:gradFill>
-          <a:ln>
-            <a:noFill/>
-          </a:ln>
-        </p:spPr>
-        <p:style>
-          <a:lnRef idx="0">
-            <a:scrgbClr r="0" g="0" b="0"/>
-          </a:lnRef>
-          <a:fillRef idx="0">
-            <a:scrgbClr r="0" g="0" b="0"/>
-          </a:fillRef>
-          <a:effectRef idx="0">
-            <a:scrgbClr r="0" g="0" b="0"/>
-          </a:effectRef>
-          <a:fontRef idx="minor">
-            <a:schemeClr val="lt1"/>
-          </a:fontRef>
-        </p:style>
-        <p:txBody>
-          <a:bodyPr rtlCol="0" anchor="ctr"/>
-          <a:lstStyle/>
-          <a:p>
-            <a:pPr algn="ctr"/>
-            <a:r>
-              <a:rPr lang="de-DE" dirty="0" smtClean="0"/>
-              <a:t>Account aufladen</a:t>
-            </a:r>
-            <a:endParaRPr lang="de-DE" dirty="0"/>
-          </a:p>
-        </p:txBody>
-      </p:sp>
-      <p:sp>
-        <p:nvSpPr>
-          <p:cNvPr id="18" name="Abgerundetes Rechteck 17"/>
-          <p:cNvSpPr/>
-          <p:nvPr/>
-        </p:nvSpPr>
-        <p:spPr>
-          <a:xfrm>
-            <a:off x="7107725" y="1656562"/>
-            <a:ext cx="2797224" cy="583373"/>
-          </a:xfrm>
-          <a:prstGeom prst="roundRect">
-            <a:avLst/>
-          </a:prstGeom>
-          <a:gradFill flip="none" rotWithShape="1">
-            <a:gsLst>
-              <a:gs pos="0">
-                <a:schemeClr val="accent5">
-                  <a:lumMod val="67000"/>
-                </a:schemeClr>
-              </a:gs>
-              <a:gs pos="48000">
-                <a:schemeClr val="accent5">
-                  <a:lumMod val="97000"/>
-                  <a:lumOff val="3000"/>
-                </a:schemeClr>
-              </a:gs>
-              <a:gs pos="100000">
-                <a:schemeClr val="accent5">
-                  <a:lumMod val="60000"/>
-                  <a:lumOff val="40000"/>
-                </a:schemeClr>
-              </a:gs>
-            </a:gsLst>
-            <a:lin ang="16200000" scaled="1"/>
-            <a:tileRect/>
-          </a:gradFill>
-          <a:ln>
-            <a:noFill/>
-          </a:ln>
-        </p:spPr>
-        <p:style>
-          <a:lnRef idx="0">
-            <a:scrgbClr r="0" g="0" b="0"/>
-          </a:lnRef>
-          <a:fillRef idx="0">
-            <a:scrgbClr r="0" g="0" b="0"/>
-          </a:fillRef>
-          <a:effectRef idx="0">
-            <a:scrgbClr r="0" g="0" b="0"/>
-          </a:effectRef>
-          <a:fontRef idx="minor">
-            <a:schemeClr val="lt1"/>
-          </a:fontRef>
-        </p:style>
-        <p:txBody>
-          <a:bodyPr rtlCol="0" anchor="ctr"/>
-          <a:lstStyle/>
-          <a:p>
-            <a:pPr algn="ctr"/>
-            <a:r>
-              <a:rPr lang="de-DE" dirty="0" smtClean="0"/>
-              <a:t>Account aufladen</a:t>
-            </a:r>
-            <a:endParaRPr lang="de-DE" dirty="0"/>
-          </a:p>
-        </p:txBody>
-      </p:sp>
-      <p:sp>
-        <p:nvSpPr>
-          <p:cNvPr id="19" name="Abgerundetes Rechteck 18"/>
-          <p:cNvSpPr/>
-          <p:nvPr/>
-        </p:nvSpPr>
-        <p:spPr>
-          <a:xfrm>
-            <a:off x="4608318" y="5853996"/>
-            <a:ext cx="3516435" cy="914400"/>
-          </a:xfrm>
-          <a:prstGeom prst="roundRect">
-            <a:avLst/>
-          </a:prstGeom>
-          <a:gradFill flip="none" rotWithShape="1">
-            <a:gsLst>
-              <a:gs pos="0">
-                <a:schemeClr val="accent3">
-                  <a:lumMod val="67000"/>
-                </a:schemeClr>
-              </a:gs>
-              <a:gs pos="48000">
-                <a:schemeClr val="accent3">
-                  <a:lumMod val="97000"/>
-                  <a:lumOff val="3000"/>
-                </a:schemeClr>
-              </a:gs>
-              <a:gs pos="100000">
-                <a:schemeClr val="accent3">
-                  <a:lumMod val="60000"/>
-                  <a:lumOff val="40000"/>
-                </a:schemeClr>
-              </a:gs>
-            </a:gsLst>
-            <a:lin ang="16200000" scaled="1"/>
-            <a:tileRect/>
-          </a:gradFill>
-          <a:ln>
-            <a:noFill/>
-          </a:ln>
-        </p:spPr>
-        <p:style>
-          <a:lnRef idx="0">
-            <a:scrgbClr r="0" g="0" b="0"/>
-          </a:lnRef>
-          <a:fillRef idx="0">
-            <a:scrgbClr r="0" g="0" b="0"/>
-          </a:fillRef>
-          <a:effectRef idx="0">
-            <a:scrgbClr r="0" g="0" b="0"/>
-          </a:effectRef>
-          <a:fontRef idx="minor">
-            <a:schemeClr val="lt1"/>
-          </a:fontRef>
-        </p:style>
-        <p:txBody>
-          <a:bodyPr rtlCol="0" anchor="ctr"/>
-          <a:lstStyle/>
-          <a:p>
-            <a:pPr algn="ctr"/>
-            <a:r>
-              <a:rPr lang="de-DE" b="1" dirty="0" smtClean="0"/>
-              <a:t>Kein Account?</a:t>
-            </a:r>
-            <a:br>
-              <a:rPr lang="de-DE" b="1" dirty="0" smtClean="0"/>
-            </a:br>
-            <a:r>
-              <a:rPr lang="de-DE" dirty="0" smtClean="0"/>
-              <a:t>Neuen User anlegen</a:t>
-            </a:r>
-            <a:endParaRPr lang="de-DE" dirty="0"/>
-          </a:p>
-        </p:txBody>
-      </p:sp>
     </p:spTree>
     <p:extLst>
       <p:ext uri="{BB962C8B-B14F-4D97-AF65-F5344CB8AC3E}">
-        <p14:creationId xmlns:p14="http://schemas.microsoft.com/office/powerpoint/2010/main" val="3522992406"/>
+        <p14:creationId xmlns:p14="http://schemas.microsoft.com/office/powerpoint/2010/main" val="3277757475"/>
       </p:ext>
     </p:extLst>
   </p:cSld>
@@ -6499,7 +7527,7 @@
           <a:p>
             <a:r>
               <a:rPr lang="de-DE" dirty="0" smtClean="0"/>
-              <a:t>Account aufladen (1/2)</a:t>
+              <a:t>Account aufladen (2/2)</a:t>
             </a:r>
             <a:endParaRPr lang="de-DE" dirty="0"/>
           </a:p>
@@ -6507,7 +7535,125 @@
       </p:sp>
       <p:sp>
         <p:nvSpPr>
-          <p:cNvPr id="4" name="Abgerundetes Rechteck 3">
+          <p:cNvPr id="9" name="Textfeld 8"/>
+          <p:cNvSpPr txBox="1"/>
+          <p:nvPr/>
+        </p:nvSpPr>
+        <p:spPr>
+          <a:xfrm>
+            <a:off x="10160268" y="1657183"/>
+            <a:ext cx="1422184" cy="584775"/>
+          </a:xfrm>
+          <a:prstGeom prst="rect">
+            <a:avLst/>
+          </a:prstGeom>
+          <a:noFill/>
+        </p:spPr>
+        <p:txBody>
+          <a:bodyPr wrap="none" rtlCol="0">
+            <a:spAutoFit/>
+          </a:bodyPr>
+          <a:lstStyle/>
+          <a:p>
+            <a:r>
+              <a:rPr lang="de-DE" sz="3200" dirty="0" smtClean="0">
+                <a:solidFill>
+                  <a:schemeClr val="bg1"/>
+                </a:solidFill>
+              </a:rPr>
+              <a:t>10,50 €</a:t>
+            </a:r>
+            <a:endParaRPr lang="de-DE" sz="3200" dirty="0">
+              <a:solidFill>
+                <a:schemeClr val="bg1"/>
+              </a:solidFill>
+            </a:endParaRPr>
+          </a:p>
+        </p:txBody>
+      </p:sp>
+      <p:sp>
+        <p:nvSpPr>
+          <p:cNvPr id="14" name="Abgerundetes Rechteck 13"/>
+          <p:cNvSpPr/>
+          <p:nvPr/>
+        </p:nvSpPr>
+        <p:spPr>
+          <a:xfrm>
+            <a:off x="8321336" y="2616971"/>
+            <a:ext cx="3516435" cy="914400"/>
+          </a:xfrm>
+          <a:prstGeom prst="roundRect">
+            <a:avLst/>
+          </a:prstGeom>
+          <a:gradFill flip="none" rotWithShape="1">
+            <a:gsLst>
+              <a:gs pos="0">
+                <a:schemeClr val="accent2">
+                  <a:lumMod val="67000"/>
+                </a:schemeClr>
+              </a:gs>
+              <a:gs pos="48000">
+                <a:schemeClr val="accent2">
+                  <a:lumMod val="97000"/>
+                  <a:lumOff val="3000"/>
+                </a:schemeClr>
+              </a:gs>
+              <a:gs pos="100000">
+                <a:schemeClr val="accent2">
+                  <a:lumMod val="60000"/>
+                  <a:lumOff val="40000"/>
+                </a:schemeClr>
+              </a:gs>
+            </a:gsLst>
+            <a:lin ang="16200000" scaled="1"/>
+            <a:tileRect/>
+          </a:gradFill>
+          <a:ln>
+            <a:noFill/>
+          </a:ln>
+        </p:spPr>
+        <p:style>
+          <a:lnRef idx="0">
+            <a:scrgbClr r="0" g="0" b="0"/>
+          </a:lnRef>
+          <a:fillRef idx="0">
+            <a:scrgbClr r="0" g="0" b="0"/>
+          </a:fillRef>
+          <a:effectRef idx="0">
+            <a:scrgbClr r="0" g="0" b="0"/>
+          </a:effectRef>
+          <a:fontRef idx="minor">
+            <a:schemeClr val="lt1"/>
+          </a:fontRef>
+        </p:style>
+        <p:txBody>
+          <a:bodyPr rtlCol="0" anchor="ctr"/>
+          <a:lstStyle/>
+          <a:p>
+            <a:pPr algn="r"/>
+            <a:r>
+              <a:rPr lang="de-DE" b="1" dirty="0" smtClean="0"/>
+              <a:t>Eingabe: </a:t>
+            </a:r>
+            <a:r>
+              <a:rPr lang="de-DE" sz="3200" dirty="0" smtClean="0"/>
+              <a:t>20,00 </a:t>
+            </a:r>
+            <a:r>
+              <a:rPr lang="de-DE" sz="3200" dirty="0" smtClean="0"/>
+              <a:t>€</a:t>
+            </a:r>
+            <a:r>
+              <a:rPr lang="de-DE" b="1" dirty="0" smtClean="0"/>
+              <a:t> </a:t>
+            </a:r>
+            <a:endParaRPr lang="de-DE" b="1" dirty="0"/>
+          </a:p>
+        </p:txBody>
+      </p:sp>
+      <p:sp>
+        <p:nvSpPr>
+          <p:cNvPr id="16" name="Abgerundetes Rechteck 15">
             <a:hlinkClick r:id="rId2" action="ppaction://hlinksldjump"/>
           </p:cNvPr>
           <p:cNvSpPr/>
@@ -6576,14 +7722,52 @@
       </p:sp>
       <p:sp>
         <p:nvSpPr>
-          <p:cNvPr id="5" name="Abgerundetes Rechteck 4"/>
+          <p:cNvPr id="20" name="Textfeld 19"/>
+          <p:cNvSpPr txBox="1"/>
+          <p:nvPr/>
+        </p:nvSpPr>
+        <p:spPr>
+          <a:xfrm>
+            <a:off x="10287928" y="1655860"/>
+            <a:ext cx="1422184" cy="584775"/>
+          </a:xfrm>
+          <a:prstGeom prst="rect">
+            <a:avLst/>
+          </a:prstGeom>
+          <a:noFill/>
+        </p:spPr>
+        <p:txBody>
+          <a:bodyPr wrap="none" rtlCol="0">
+            <a:spAutoFit/>
+          </a:bodyPr>
+          <a:lstStyle/>
+          <a:p>
+            <a:r>
+              <a:rPr lang="de-DE" sz="3200" dirty="0" smtClean="0">
+                <a:solidFill>
+                  <a:schemeClr val="bg1"/>
+                </a:solidFill>
+              </a:rPr>
+              <a:t>10,50 €</a:t>
+            </a:r>
+            <a:endParaRPr lang="de-DE" sz="3200" dirty="0">
+              <a:solidFill>
+                <a:schemeClr val="bg1"/>
+              </a:solidFill>
+            </a:endParaRPr>
+          </a:p>
+        </p:txBody>
+      </p:sp>
+      <p:sp>
+        <p:nvSpPr>
+          <p:cNvPr id="33" name="Abgerundetes Rechteck 32"/>
           <p:cNvSpPr/>
           <p:nvPr/>
         </p:nvSpPr>
         <p:spPr>
           <a:xfrm>
-            <a:off x="626074" y="2592258"/>
-            <a:ext cx="11211697" cy="914400"/>
+            <a:off x="8321336" y="3742894"/>
+            <a:ext cx="3516435" cy="914400"/>
           </a:xfrm>
           <a:prstGeom prst="roundRect">
             <a:avLst/>
@@ -6591,18 +7775,18 @@
           <a:gradFill flip="none" rotWithShape="1">
             <a:gsLst>
               <a:gs pos="0">
-                <a:schemeClr val="accent4">
+                <a:schemeClr val="accent6">
                   <a:lumMod val="67000"/>
                 </a:schemeClr>
               </a:gs>
               <a:gs pos="48000">
-                <a:schemeClr val="accent4">
+                <a:schemeClr val="accent6">
                   <a:lumMod val="97000"/>
                   <a:lumOff val="3000"/>
                 </a:schemeClr>
               </a:gs>
               <a:gs pos="100000">
-                <a:schemeClr val="accent4">
+                <a:schemeClr val="accent6">
                   <a:lumMod val="60000"/>
                   <a:lumOff val="40000"/>
                 </a:schemeClr>
@@ -6633,24 +7817,39 @@
           <a:bodyPr rtlCol="0" anchor="ctr"/>
           <a:lstStyle/>
           <a:p>
-            <a:r>
-              <a:rPr lang="de-DE" sz="3200" b="1" dirty="0" err="1"/>
-              <a:t>AnManuelDung</a:t>
-            </a:r>
-            <a:endParaRPr lang="de-DE" sz="3200" b="1" dirty="0"/>
-          </a:p>
-        </p:txBody>
-      </p:sp>
-      <p:sp>
-        <p:nvSpPr>
-          <p:cNvPr id="6" name="Abgerundetes Rechteck 5"/>
+            <a:pPr algn="r"/>
+            <a:r>
+              <a:rPr lang="de-DE" b="1" dirty="0" smtClean="0"/>
+              <a:t>Neuer Betrag: </a:t>
+            </a:r>
+            <a:r>
+              <a:rPr lang="de-DE" sz="3200" dirty="0" smtClean="0"/>
+              <a:t>30,50 </a:t>
+            </a:r>
+            <a:r>
+              <a:rPr lang="de-DE" sz="3200" dirty="0" smtClean="0"/>
+              <a:t>€</a:t>
+            </a:r>
+            <a:r>
+              <a:rPr lang="de-DE" sz="3200" b="1" dirty="0" smtClean="0"/>
+              <a:t> </a:t>
+            </a:r>
+            <a:endParaRPr lang="de-DE" b="1" dirty="0"/>
+          </a:p>
+        </p:txBody>
+      </p:sp>
+      <p:sp>
+        <p:nvSpPr>
+          <p:cNvPr id="22" name="Abbrechen">
+            <a:hlinkClick r:id="rId2" action="ppaction://hlinksldjump"/>
+          </p:cNvPr>
           <p:cNvSpPr/>
           <p:nvPr/>
         </p:nvSpPr>
         <p:spPr>
           <a:xfrm>
-            <a:off x="626074" y="3693468"/>
-            <a:ext cx="11211697" cy="914400"/>
+            <a:off x="8321335" y="5612888"/>
+            <a:ext cx="3516435" cy="914400"/>
           </a:xfrm>
           <a:prstGeom prst="roundRect">
             <a:avLst/>
@@ -6658,20 +7857,21 @@
           <a:gradFill flip="none" rotWithShape="1">
             <a:gsLst>
               <a:gs pos="0">
-                <a:srgbClr val="C00000">
+                <a:schemeClr val="accent5">
                   <a:lumMod val="67000"/>
-                </a:srgbClr>
+                </a:schemeClr>
               </a:gs>
               <a:gs pos="48000">
-                <a:srgbClr val="C00000">
+                <a:schemeClr val="accent5">
                   <a:lumMod val="97000"/>
-                </a:srgbClr>
+                  <a:lumOff val="3000"/>
+                </a:schemeClr>
               </a:gs>
               <a:gs pos="100000">
-                <a:srgbClr val="C00000">
+                <a:schemeClr val="accent5">
                   <a:lumMod val="60000"/>
                   <a:lumOff val="40000"/>
-                </a:srgbClr>
+                </a:schemeClr>
               </a:gs>
             </a:gsLst>
             <a:lin ang="16200000" scaled="1"/>
@@ -6699,304 +7899,6 @@
           <a:bodyPr rtlCol="0" anchor="ctr"/>
           <a:lstStyle/>
           <a:p>
-            <a:r>
-              <a:rPr lang="de-DE" sz="3200" b="1" dirty="0" err="1" smtClean="0"/>
-              <a:t>HalsabSchneider</a:t>
-            </a:r>
-            <a:endParaRPr lang="de-DE" sz="3200" b="1" dirty="0"/>
-          </a:p>
-        </p:txBody>
-      </p:sp>
-      <p:sp>
-        <p:nvSpPr>
-          <p:cNvPr id="7" name="Abgerundetes Rechteck 6"/>
-          <p:cNvSpPr/>
-          <p:nvPr/>
-        </p:nvSpPr>
-        <p:spPr>
-          <a:xfrm>
-            <a:off x="626074" y="4774083"/>
-            <a:ext cx="11211697" cy="914400"/>
-          </a:xfrm>
-          <a:prstGeom prst="roundRect">
-            <a:avLst/>
-          </a:prstGeom>
-        </p:spPr>
-        <p:style>
-          <a:lnRef idx="2">
-            <a:schemeClr val="accent3">
-              <a:shade val="50000"/>
-            </a:schemeClr>
-          </a:lnRef>
-          <a:fillRef idx="1">
-            <a:schemeClr val="accent3"/>
-          </a:fillRef>
-          <a:effectRef idx="0">
-            <a:schemeClr val="accent3"/>
-          </a:effectRef>
-          <a:fontRef idx="minor">
-            <a:schemeClr val="lt1"/>
-          </a:fontRef>
-        </p:style>
-        <p:txBody>
-          <a:bodyPr rtlCol="0" anchor="ctr"/>
-          <a:lstStyle/>
-          <a:p>
-            <a:pPr algn="ctr"/>
-            <a:endParaRPr lang="de-DE"/>
-          </a:p>
-        </p:txBody>
-      </p:sp>
-      <p:sp>
-        <p:nvSpPr>
-          <p:cNvPr id="9" name="Textfeld 8"/>
-          <p:cNvSpPr txBox="1"/>
-          <p:nvPr/>
-        </p:nvSpPr>
-        <p:spPr>
-          <a:xfrm>
-            <a:off x="10160268" y="1657183"/>
-            <a:ext cx="1422184" cy="584775"/>
-          </a:xfrm>
-          <a:prstGeom prst="rect">
-            <a:avLst/>
-          </a:prstGeom>
-          <a:noFill/>
-        </p:spPr>
-        <p:txBody>
-          <a:bodyPr wrap="none" rtlCol="0">
-            <a:spAutoFit/>
-          </a:bodyPr>
-          <a:lstStyle/>
-          <a:p>
-            <a:r>
-              <a:rPr lang="de-DE" sz="3200" dirty="0" smtClean="0">
-                <a:solidFill>
-                  <a:schemeClr val="bg1"/>
-                </a:solidFill>
-              </a:rPr>
-              <a:t>10,50 €</a:t>
-            </a:r>
-            <a:endParaRPr lang="de-DE" sz="3200" dirty="0">
-              <a:solidFill>
-                <a:schemeClr val="bg1"/>
-              </a:solidFill>
-            </a:endParaRPr>
-          </a:p>
-        </p:txBody>
-      </p:sp>
-      <p:sp>
-        <p:nvSpPr>
-          <p:cNvPr id="10" name="Textfeld 9"/>
-          <p:cNvSpPr txBox="1"/>
-          <p:nvPr/>
-        </p:nvSpPr>
-        <p:spPr>
-          <a:xfrm>
-            <a:off x="10243624" y="2757070"/>
-            <a:ext cx="1338828" cy="584775"/>
-          </a:xfrm>
-          <a:prstGeom prst="rect">
-            <a:avLst/>
-          </a:prstGeom>
-          <a:noFill/>
-        </p:spPr>
-        <p:txBody>
-          <a:bodyPr wrap="none" rtlCol="0">
-            <a:spAutoFit/>
-          </a:bodyPr>
-          <a:lstStyle/>
-          <a:p>
-            <a:r>
-              <a:rPr lang="de-DE" sz="3200" dirty="0" smtClean="0">
-                <a:solidFill>
-                  <a:schemeClr val="bg1"/>
-                </a:solidFill>
-              </a:rPr>
-              <a:t>-3,50 €</a:t>
-            </a:r>
-            <a:endParaRPr lang="de-DE" sz="3200" dirty="0">
-              <a:solidFill>
-                <a:schemeClr val="bg1"/>
-              </a:solidFill>
-            </a:endParaRPr>
-          </a:p>
-        </p:txBody>
-      </p:sp>
-      <p:sp>
-        <p:nvSpPr>
-          <p:cNvPr id="11" name="Textfeld 10"/>
-          <p:cNvSpPr txBox="1"/>
-          <p:nvPr/>
-        </p:nvSpPr>
-        <p:spPr>
-          <a:xfrm>
-            <a:off x="10035234" y="3858280"/>
-            <a:ext cx="1547218" cy="584775"/>
-          </a:xfrm>
-          <a:prstGeom prst="rect">
-            <a:avLst/>
-          </a:prstGeom>
-          <a:noFill/>
-        </p:spPr>
-        <p:txBody>
-          <a:bodyPr wrap="none" rtlCol="0">
-            <a:spAutoFit/>
-          </a:bodyPr>
-          <a:lstStyle/>
-          <a:p>
-            <a:r>
-              <a:rPr lang="de-DE" sz="3200" dirty="0" smtClean="0">
-                <a:solidFill>
-                  <a:schemeClr val="bg1"/>
-                </a:solidFill>
-              </a:rPr>
-              <a:t>-13,50 €</a:t>
-            </a:r>
-            <a:endParaRPr lang="de-DE" sz="3200" dirty="0">
-              <a:solidFill>
-                <a:schemeClr val="bg1"/>
-              </a:solidFill>
-            </a:endParaRPr>
-          </a:p>
-        </p:txBody>
-      </p:sp>
-      <p:sp>
-        <p:nvSpPr>
-          <p:cNvPr id="19" name="Abgerundetes Rechteck 18"/>
-          <p:cNvSpPr/>
-          <p:nvPr/>
-        </p:nvSpPr>
-        <p:spPr>
-          <a:xfrm>
-            <a:off x="4608318" y="5853996"/>
-            <a:ext cx="3516435" cy="914400"/>
-          </a:xfrm>
-          <a:prstGeom prst="roundRect">
-            <a:avLst/>
-          </a:prstGeom>
-          <a:gradFill flip="none" rotWithShape="1">
-            <a:gsLst>
-              <a:gs pos="0">
-                <a:schemeClr val="accent3">
-                  <a:lumMod val="67000"/>
-                </a:schemeClr>
-              </a:gs>
-              <a:gs pos="48000">
-                <a:schemeClr val="accent3">
-                  <a:lumMod val="97000"/>
-                  <a:lumOff val="3000"/>
-                </a:schemeClr>
-              </a:gs>
-              <a:gs pos="100000">
-                <a:schemeClr val="accent3">
-                  <a:lumMod val="60000"/>
-                  <a:lumOff val="40000"/>
-                </a:schemeClr>
-              </a:gs>
-            </a:gsLst>
-            <a:lin ang="16200000" scaled="1"/>
-            <a:tileRect/>
-          </a:gradFill>
-          <a:ln>
-            <a:noFill/>
-          </a:ln>
-        </p:spPr>
-        <p:style>
-          <a:lnRef idx="0">
-            <a:scrgbClr r="0" g="0" b="0"/>
-          </a:lnRef>
-          <a:fillRef idx="0">
-            <a:scrgbClr r="0" g="0" b="0"/>
-          </a:fillRef>
-          <a:effectRef idx="0">
-            <a:scrgbClr r="0" g="0" b="0"/>
-          </a:effectRef>
-          <a:fontRef idx="minor">
-            <a:schemeClr val="lt1"/>
-          </a:fontRef>
-        </p:style>
-        <p:txBody>
-          <a:bodyPr rtlCol="0" anchor="ctr"/>
-          <a:lstStyle/>
-          <a:p>
-            <a:pPr algn="ctr"/>
-            <a:r>
-              <a:rPr lang="de-DE" b="1" dirty="0" smtClean="0"/>
-              <a:t>Kein Account?</a:t>
-            </a:r>
-            <a:br>
-              <a:rPr lang="de-DE" b="1" dirty="0" smtClean="0"/>
-            </a:br>
-            <a:r>
-              <a:rPr lang="de-DE" dirty="0" smtClean="0"/>
-              <a:t>Neuen User anlegen</a:t>
-            </a:r>
-            <a:endParaRPr lang="de-DE" dirty="0"/>
-          </a:p>
-        </p:txBody>
-      </p:sp>
-      <p:sp>
-        <p:nvSpPr>
-          <p:cNvPr id="16" name="Abgerundetes Rechteck 15">
-            <a:hlinkClick r:id="rId2" action="ppaction://hlinksldjump"/>
-          </p:cNvPr>
-          <p:cNvSpPr/>
-          <p:nvPr/>
-        </p:nvSpPr>
-        <p:spPr>
-          <a:xfrm>
-            <a:off x="8321336" y="5878937"/>
-            <a:ext cx="3516435" cy="914400"/>
-          </a:xfrm>
-          <a:prstGeom prst="roundRect">
-            <a:avLst/>
-          </a:prstGeom>
-          <a:gradFill flip="none" rotWithShape="1">
-            <a:gsLst>
-              <a:gs pos="0">
-                <a:schemeClr val="accent5">
-                  <a:lumMod val="67000"/>
-                </a:schemeClr>
-              </a:gs>
-              <a:gs pos="48000">
-                <a:schemeClr val="accent5">
-                  <a:lumMod val="97000"/>
-                  <a:lumOff val="3000"/>
-                </a:schemeClr>
-              </a:gs>
-              <a:gs pos="100000">
-                <a:schemeClr val="accent5">
-                  <a:lumMod val="60000"/>
-                  <a:lumOff val="40000"/>
-                </a:schemeClr>
-              </a:gs>
-            </a:gsLst>
-            <a:lin ang="16200000" scaled="1"/>
-            <a:tileRect/>
-          </a:gradFill>
-          <a:ln>
-            <a:noFill/>
-          </a:ln>
-        </p:spPr>
-        <p:style>
-          <a:lnRef idx="0">
-            <a:scrgbClr r="0" g="0" b="0"/>
-          </a:lnRef>
-          <a:fillRef idx="0">
-            <a:scrgbClr r="0" g="0" b="0"/>
-          </a:fillRef>
-          <a:effectRef idx="0">
-            <a:scrgbClr r="0" g="0" b="0"/>
-          </a:effectRef>
-          <a:fontRef idx="minor">
-            <a:schemeClr val="lt1"/>
-          </a:fontRef>
-        </p:style>
-        <p:txBody>
-          <a:bodyPr rtlCol="0" anchor="ctr"/>
-          <a:lstStyle/>
-          <a:p>
             <a:pPr algn="ctr"/>
             <a:r>
               <a:rPr lang="de-DE" b="1" dirty="0" smtClean="0"/>
@@ -7006,367 +7908,18 @@
           </a:p>
         </p:txBody>
       </p:sp>
-    </p:spTree>
-    <p:extLst>
-      <p:ext uri="{BB962C8B-B14F-4D97-AF65-F5344CB8AC3E}">
-        <p14:creationId xmlns:p14="http://schemas.microsoft.com/office/powerpoint/2010/main" val="3277757475"/>
-      </p:ext>
-    </p:extLst>
-  </p:cSld>
-  <p:clrMapOvr>
-    <a:masterClrMapping/>
-  </p:clrMapOvr>
-  <p:timing>
-    <p:tnLst>
-      <p:par>
-        <p:cTn id="1" dur="indefinite" restart="never" nodeType="tmRoot"/>
-      </p:par>
-    </p:tnLst>
-  </p:timing>
-</p:sld>
-</file>
-
-<file path=ppt/slides/slide6.xml><?xml version="1.0" encoding="utf-8"?>
-<p:sld xmlns:a="http://schemas.openxmlformats.org/drawingml/2006/main" xmlns:r="http://schemas.openxmlformats.org/officeDocument/2006/relationships" xmlns:p="http://schemas.openxmlformats.org/presentationml/2006/main">
-  <p:cSld>
-    <p:spTree>
-      <p:nvGrpSpPr>
-        <p:cNvPr id="1" name=""/>
-        <p:cNvGrpSpPr/>
-        <p:nvPr/>
-      </p:nvGrpSpPr>
-      <p:grpSpPr>
-        <a:xfrm>
-          <a:off x="0" y="0"/>
-          <a:ext cx="0" cy="0"/>
-          <a:chOff x="0" y="0"/>
-          <a:chExt cx="0" cy="0"/>
-        </a:xfrm>
-      </p:grpSpPr>
-      <p:sp>
-        <p:nvSpPr>
-          <p:cNvPr id="2" name="Titel 1"/>
-          <p:cNvSpPr>
-            <a:spLocks noGrp="1"/>
-          </p:cNvSpPr>
-          <p:nvPr>
-            <p:ph type="title"/>
-          </p:nvPr>
-        </p:nvSpPr>
-        <p:spPr/>
-        <p:txBody>
-          <a:bodyPr/>
-          <a:lstStyle/>
-          <a:p>
-            <a:r>
-              <a:rPr lang="de-DE" dirty="0" smtClean="0"/>
-              <a:t>Account aufladen (2/2)</a:t>
-            </a:r>
-            <a:endParaRPr lang="de-DE" dirty="0"/>
-          </a:p>
-        </p:txBody>
-      </p:sp>
-      <p:sp>
-        <p:nvSpPr>
-          <p:cNvPr id="9" name="Textfeld 8"/>
-          <p:cNvSpPr txBox="1"/>
-          <p:nvPr/>
-        </p:nvSpPr>
-        <p:spPr>
-          <a:xfrm>
-            <a:off x="10160268" y="1657183"/>
-            <a:ext cx="1422184" cy="584775"/>
-          </a:xfrm>
-          <a:prstGeom prst="rect">
-            <a:avLst/>
-          </a:prstGeom>
-          <a:noFill/>
-        </p:spPr>
-        <p:txBody>
-          <a:bodyPr wrap="none" rtlCol="0">
-            <a:spAutoFit/>
-          </a:bodyPr>
-          <a:lstStyle/>
-          <a:p>
-            <a:r>
-              <a:rPr lang="de-DE" sz="3200" dirty="0" smtClean="0">
-                <a:solidFill>
-                  <a:schemeClr val="bg1"/>
-                </a:solidFill>
-              </a:rPr>
-              <a:t>10,50 €</a:t>
-            </a:r>
-            <a:endParaRPr lang="de-DE" sz="3200" dirty="0">
-              <a:solidFill>
-                <a:schemeClr val="bg1"/>
-              </a:solidFill>
-            </a:endParaRPr>
-          </a:p>
-        </p:txBody>
-      </p:sp>
-      <p:sp>
-        <p:nvSpPr>
-          <p:cNvPr id="14" name="Abgerundetes Rechteck 13"/>
-          <p:cNvSpPr/>
-          <p:nvPr/>
-        </p:nvSpPr>
-        <p:spPr>
-          <a:xfrm>
-            <a:off x="8506691" y="2616971"/>
-            <a:ext cx="3331080" cy="914400"/>
-          </a:xfrm>
-          <a:prstGeom prst="roundRect">
-            <a:avLst/>
-          </a:prstGeom>
-          <a:gradFill flip="none" rotWithShape="1">
-            <a:gsLst>
-              <a:gs pos="0">
-                <a:schemeClr val="accent2">
-                  <a:lumMod val="67000"/>
-                </a:schemeClr>
-              </a:gs>
-              <a:gs pos="48000">
-                <a:schemeClr val="accent2">
-                  <a:lumMod val="97000"/>
-                  <a:lumOff val="3000"/>
-                </a:schemeClr>
-              </a:gs>
-              <a:gs pos="100000">
-                <a:schemeClr val="accent2">
-                  <a:lumMod val="60000"/>
-                  <a:lumOff val="40000"/>
-                </a:schemeClr>
-              </a:gs>
-            </a:gsLst>
-            <a:lin ang="16200000" scaled="1"/>
-            <a:tileRect/>
-          </a:gradFill>
-          <a:ln>
-            <a:noFill/>
-          </a:ln>
-        </p:spPr>
-        <p:style>
-          <a:lnRef idx="0">
-            <a:scrgbClr r="0" g="0" b="0"/>
-          </a:lnRef>
-          <a:fillRef idx="0">
-            <a:scrgbClr r="0" g="0" b="0"/>
-          </a:fillRef>
-          <a:effectRef idx="0">
-            <a:scrgbClr r="0" g="0" b="0"/>
-          </a:effectRef>
-          <a:fontRef idx="minor">
-            <a:schemeClr val="lt1"/>
-          </a:fontRef>
-        </p:style>
-        <p:txBody>
-          <a:bodyPr rtlCol="0" anchor="ctr"/>
-          <a:lstStyle/>
-          <a:p>
-            <a:pPr algn="ctr"/>
-            <a:r>
-              <a:rPr lang="de-DE" b="1" dirty="0" smtClean="0"/>
-              <a:t>Eingabe: XX,XX € </a:t>
-            </a:r>
-            <a:endParaRPr lang="de-DE" b="1" dirty="0"/>
-          </a:p>
-        </p:txBody>
-      </p:sp>
-      <p:sp>
-        <p:nvSpPr>
-          <p:cNvPr id="16" name="Abgerundetes Rechteck 15">
-            <a:hlinkClick r:id="rId2" action="ppaction://hlinksldjump"/>
-          </p:cNvPr>
-          <p:cNvSpPr/>
-          <p:nvPr/>
-        </p:nvSpPr>
-        <p:spPr>
-          <a:xfrm>
-            <a:off x="626074" y="1491048"/>
-            <a:ext cx="11211697" cy="914400"/>
-          </a:xfrm>
-          <a:prstGeom prst="roundRect">
-            <a:avLst/>
-          </a:prstGeom>
-          <a:gradFill flip="none" rotWithShape="1">
-            <a:gsLst>
-              <a:gs pos="0">
-                <a:schemeClr val="accent6">
-                  <a:lumMod val="67000"/>
-                </a:schemeClr>
-              </a:gs>
-              <a:gs pos="48000">
-                <a:schemeClr val="accent6">
-                  <a:lumMod val="97000"/>
-                  <a:lumOff val="3000"/>
-                </a:schemeClr>
-              </a:gs>
-              <a:gs pos="100000">
-                <a:schemeClr val="accent6">
-                  <a:lumMod val="60000"/>
-                  <a:lumOff val="40000"/>
-                </a:schemeClr>
-              </a:gs>
-            </a:gsLst>
-            <a:lin ang="16200000" scaled="1"/>
-            <a:tileRect/>
-          </a:gradFill>
-          <a:ln>
-            <a:noFill/>
-          </a:ln>
-        </p:spPr>
-        <p:style>
-          <a:lnRef idx="0">
-            <a:scrgbClr r="0" g="0" b="0"/>
-          </a:lnRef>
-          <a:fillRef idx="0">
-            <a:scrgbClr r="0" g="0" b="0"/>
-          </a:fillRef>
-          <a:effectRef idx="0">
-            <a:scrgbClr r="0" g="0" b="0"/>
-          </a:effectRef>
-          <a:fontRef idx="minor">
-            <a:schemeClr val="lt1"/>
-          </a:fontRef>
-        </p:style>
-        <p:txBody>
-          <a:bodyPr rtlCol="0" anchor="ctr"/>
-          <a:lstStyle/>
-          <a:p>
-            <a:r>
-              <a:rPr lang="de-DE" sz="3200" b="1" dirty="0" err="1" smtClean="0"/>
-              <a:t>RafiNiert</a:t>
-            </a:r>
-            <a:endParaRPr lang="de-DE" sz="3200" b="1" dirty="0"/>
-          </a:p>
-        </p:txBody>
-      </p:sp>
-      <p:sp>
-        <p:nvSpPr>
-          <p:cNvPr id="20" name="Textfeld 19"/>
-          <p:cNvSpPr txBox="1"/>
-          <p:nvPr/>
-        </p:nvSpPr>
-        <p:spPr>
-          <a:xfrm>
-            <a:off x="10287928" y="1655860"/>
-            <a:ext cx="1422184" cy="584775"/>
-          </a:xfrm>
-          <a:prstGeom prst="rect">
-            <a:avLst/>
-          </a:prstGeom>
-          <a:noFill/>
-        </p:spPr>
-        <p:txBody>
-          <a:bodyPr wrap="none" rtlCol="0">
-            <a:spAutoFit/>
-          </a:bodyPr>
-          <a:lstStyle/>
-          <a:p>
-            <a:r>
-              <a:rPr lang="de-DE" sz="3200" dirty="0" smtClean="0">
-                <a:solidFill>
-                  <a:schemeClr val="bg1"/>
-                </a:solidFill>
-              </a:rPr>
-              <a:t>10,50 </a:t>
-            </a:r>
-            <a:r>
-              <a:rPr lang="de-DE" sz="3200" dirty="0" smtClean="0">
-                <a:solidFill>
-                  <a:schemeClr val="bg1"/>
-                </a:solidFill>
-              </a:rPr>
-              <a:t>€</a:t>
-            </a:r>
-            <a:endParaRPr lang="de-DE" sz="3200" dirty="0">
-              <a:solidFill>
-                <a:schemeClr val="bg1"/>
-              </a:solidFill>
-            </a:endParaRPr>
-          </a:p>
-        </p:txBody>
-      </p:sp>
-      <p:sp>
-        <p:nvSpPr>
-          <p:cNvPr id="33" name="Abgerundetes Rechteck 32"/>
-          <p:cNvSpPr/>
-          <p:nvPr/>
-        </p:nvSpPr>
-        <p:spPr>
-          <a:xfrm>
-            <a:off x="8506691" y="3742894"/>
-            <a:ext cx="3331080" cy="914400"/>
-          </a:xfrm>
-          <a:prstGeom prst="roundRect">
-            <a:avLst/>
-          </a:prstGeom>
-          <a:gradFill flip="none" rotWithShape="1">
-            <a:gsLst>
-              <a:gs pos="0">
-                <a:schemeClr val="accent6">
-                  <a:lumMod val="67000"/>
-                </a:schemeClr>
-              </a:gs>
-              <a:gs pos="48000">
-                <a:schemeClr val="accent6">
-                  <a:lumMod val="97000"/>
-                  <a:lumOff val="3000"/>
-                </a:schemeClr>
-              </a:gs>
-              <a:gs pos="100000">
-                <a:schemeClr val="accent6">
-                  <a:lumMod val="60000"/>
-                  <a:lumOff val="40000"/>
-                </a:schemeClr>
-              </a:gs>
-            </a:gsLst>
-            <a:lin ang="16200000" scaled="1"/>
-            <a:tileRect/>
-          </a:gradFill>
-          <a:ln>
-            <a:noFill/>
-          </a:ln>
-        </p:spPr>
-        <p:style>
-          <a:lnRef idx="0">
-            <a:scrgbClr r="0" g="0" b="0"/>
-          </a:lnRef>
-          <a:fillRef idx="0">
-            <a:scrgbClr r="0" g="0" b="0"/>
-          </a:fillRef>
-          <a:effectRef idx="0">
-            <a:scrgbClr r="0" g="0" b="0"/>
-          </a:effectRef>
-          <a:fontRef idx="minor">
-            <a:schemeClr val="lt1"/>
-          </a:fontRef>
-        </p:style>
-        <p:txBody>
-          <a:bodyPr rtlCol="0" anchor="ctr"/>
-          <a:lstStyle/>
-          <a:p>
-            <a:pPr algn="ctr"/>
-            <a:r>
-              <a:rPr lang="de-DE" b="1" dirty="0" smtClean="0"/>
-              <a:t>Neuer Betrag: XX,XX € </a:t>
-            </a:r>
-            <a:endParaRPr lang="de-DE" b="1" dirty="0"/>
-          </a:p>
-        </p:txBody>
-      </p:sp>
       <p:grpSp>
         <p:nvGrpSpPr>
-          <p:cNvPr id="34" name="Gruppieren 33"/>
+          <p:cNvPr id="12" name="Gruppieren 11"/>
           <p:cNvGrpSpPr/>
           <p:nvPr/>
         </p:nvGrpSpPr>
         <p:grpSpPr>
           <a:xfrm>
-            <a:off x="3996521" y="2616971"/>
-            <a:ext cx="3193939" cy="3561262"/>
-            <a:chOff x="4606121" y="1540127"/>
-            <a:chExt cx="3193939" cy="3561262"/>
+            <a:off x="626074" y="2616971"/>
+            <a:ext cx="3193939" cy="3910317"/>
+            <a:chOff x="3037983" y="2616971"/>
+            <a:chExt cx="3193939" cy="3910317"/>
           </a:xfrm>
         </p:grpSpPr>
         <p:sp>
@@ -7377,8 +7930,8 @@
           </p:nvSpPr>
           <p:spPr>
             <a:xfrm>
-              <a:off x="4606121" y="1540127"/>
-              <a:ext cx="3193939" cy="3561262"/>
+              <a:off x="3037983" y="2616971"/>
+              <a:ext cx="3193939" cy="3910317"/>
             </a:xfrm>
             <a:prstGeom prst="rect">
               <a:avLst/>
@@ -7441,7 +7994,7 @@
           </p:nvSpPr>
           <p:spPr>
             <a:xfrm>
-              <a:off x="4822025" y="2772239"/>
+              <a:off x="3241495" y="5048505"/>
               <a:ext cx="594927" cy="580212"/>
             </a:xfrm>
             <a:prstGeom prst="roundRect">
@@ -7496,7 +8049,7 @@
           </p:nvSpPr>
           <p:spPr>
             <a:xfrm>
-              <a:off x="4857035" y="3504851"/>
+              <a:off x="3242571" y="4289473"/>
               <a:ext cx="594927" cy="580212"/>
             </a:xfrm>
             <a:prstGeom prst="roundRect">
@@ -7551,7 +8104,7 @@
           </p:nvSpPr>
           <p:spPr>
             <a:xfrm>
-              <a:off x="6769034" y="3539082"/>
+              <a:off x="4712281" y="4289473"/>
               <a:ext cx="594927" cy="580212"/>
             </a:xfrm>
             <a:prstGeom prst="roundRect">
@@ -7606,7 +8159,7 @@
           </p:nvSpPr>
           <p:spPr>
             <a:xfrm>
-              <a:off x="5756128" y="3538016"/>
+              <a:off x="3977426" y="4289473"/>
               <a:ext cx="594927" cy="580212"/>
             </a:xfrm>
             <a:prstGeom prst="roundRect">
@@ -7661,7 +8214,7 @@
           </p:nvSpPr>
           <p:spPr>
             <a:xfrm>
-              <a:off x="4822024" y="4269072"/>
+              <a:off x="3242572" y="3531371"/>
               <a:ext cx="594927" cy="580212"/>
             </a:xfrm>
             <a:prstGeom prst="roundRect">
@@ -7716,7 +8269,7 @@
           </p:nvSpPr>
           <p:spPr>
             <a:xfrm>
-              <a:off x="5762296" y="4264017"/>
+              <a:off x="3977426" y="3531371"/>
               <a:ext cx="594927" cy="580212"/>
             </a:xfrm>
             <a:prstGeom prst="roundRect">
@@ -7771,7 +8324,7 @@
           </p:nvSpPr>
           <p:spPr>
             <a:xfrm>
-              <a:off x="6782331" y="4264017"/>
+              <a:off x="4712280" y="3531371"/>
               <a:ext cx="594927" cy="580212"/>
             </a:xfrm>
             <a:prstGeom prst="roundRect">
@@ -7826,7 +8379,7 @@
           </p:nvSpPr>
           <p:spPr>
             <a:xfrm>
-              <a:off x="6782332" y="2786933"/>
+              <a:off x="4713359" y="5048505"/>
               <a:ext cx="594927" cy="580212"/>
             </a:xfrm>
             <a:prstGeom prst="roundRect">
@@ -7881,7 +8434,7 @@
           </p:nvSpPr>
           <p:spPr>
             <a:xfrm>
-              <a:off x="5764604" y="2763730"/>
+              <a:off x="3977427" y="5048505"/>
               <a:ext cx="594927" cy="580212"/>
             </a:xfrm>
             <a:prstGeom prst="roundRect">
@@ -7930,16 +8483,71 @@
         </p:sp>
         <p:sp>
           <p:nvSpPr>
-            <p:cNvPr id="45" name="Rechteck 44"/>
+            <p:cNvPr id="45" name="Abgerundetes Rechteck 44"/>
             <p:cNvSpPr/>
             <p:nvPr/>
           </p:nvSpPr>
           <p:spPr>
             <a:xfrm>
-              <a:off x="4810710" y="1860809"/>
-              <a:ext cx="2817005" cy="673449"/>
+              <a:off x="3241495" y="2737446"/>
+              <a:ext cx="2784381" cy="673449"/>
             </a:xfrm>
-            <a:prstGeom prst="rect">
+            <a:prstGeom prst="roundRect">
+              <a:avLst/>
+            </a:prstGeom>
+            <a:solidFill>
+              <a:schemeClr val="bg1"/>
+            </a:solidFill>
+          </p:spPr>
+          <p:style>
+            <a:lnRef idx="2">
+              <a:schemeClr val="accent1">
+                <a:shade val="50000"/>
+              </a:schemeClr>
+            </a:lnRef>
+            <a:fillRef idx="1">
+              <a:schemeClr val="accent1"/>
+            </a:fillRef>
+            <a:effectRef idx="0">
+              <a:schemeClr val="accent1"/>
+            </a:effectRef>
+            <a:fontRef idx="minor">
+              <a:schemeClr val="lt1"/>
+            </a:fontRef>
+          </p:style>
+          <p:txBody>
+            <a:bodyPr rtlCol="0" anchor="ctr"/>
+            <a:lstStyle/>
+            <a:p>
+              <a:pPr algn="r"/>
+              <a:r>
+                <a:rPr lang="de-DE" dirty="0" smtClean="0">
+                  <a:solidFill>
+                    <a:schemeClr val="tx1"/>
+                  </a:solidFill>
+                </a:rPr>
+                <a:t>20,00€</a:t>
+              </a:r>
+              <a:endParaRPr lang="de-DE" dirty="0">
+                <a:solidFill>
+                  <a:schemeClr val="tx1"/>
+                </a:solidFill>
+              </a:endParaRPr>
+            </a:p>
+          </p:txBody>
+        </p:sp>
+        <p:sp>
+          <p:nvSpPr>
+            <p:cNvPr id="23" name="Abgerundetes Rechteck 22"/>
+            <p:cNvSpPr/>
+            <p:nvPr/>
+          </p:nvSpPr>
+          <p:spPr>
+            <a:xfrm>
+              <a:off x="5447133" y="3531371"/>
+              <a:ext cx="594927" cy="580212"/>
+            </a:xfrm>
+            <a:prstGeom prst="roundRect">
               <a:avLst/>
             </a:prstGeom>
             <a:solidFill>
@@ -7967,7 +8575,15 @@
             <a:lstStyle/>
             <a:p>
               <a:pPr algn="ctr"/>
-              <a:endParaRPr lang="de-DE">
+              <a:r>
+                <a:rPr lang="de-DE" dirty="0" smtClean="0">
+                  <a:solidFill>
+                    <a:schemeClr val="tx1"/>
+                  </a:solidFill>
+                </a:rPr>
+                <a:t>5€</a:t>
+              </a:r>
+              <a:endParaRPr lang="de-DE" dirty="0">
                 <a:solidFill>
                   <a:schemeClr val="tx1"/>
                 </a:solidFill>
@@ -7975,10 +8591,386 @@
             </a:p>
           </p:txBody>
         </p:sp>
+        <p:sp>
+          <p:nvSpPr>
+            <p:cNvPr id="24" name="Abgerundetes Rechteck 23"/>
+            <p:cNvSpPr/>
+            <p:nvPr/>
+          </p:nvSpPr>
+          <p:spPr>
+            <a:xfrm>
+              <a:off x="5447134" y="4289473"/>
+              <a:ext cx="594927" cy="580212"/>
+            </a:xfrm>
+            <a:prstGeom prst="roundRect">
+              <a:avLst/>
+            </a:prstGeom>
+            <a:solidFill>
+              <a:schemeClr val="bg1"/>
+            </a:solidFill>
+          </p:spPr>
+          <p:style>
+            <a:lnRef idx="2">
+              <a:schemeClr val="accent1">
+                <a:shade val="50000"/>
+              </a:schemeClr>
+            </a:lnRef>
+            <a:fillRef idx="1">
+              <a:schemeClr val="accent1"/>
+            </a:fillRef>
+            <a:effectRef idx="0">
+              <a:schemeClr val="accent1"/>
+            </a:effectRef>
+            <a:fontRef idx="minor">
+              <a:schemeClr val="lt1"/>
+            </a:fontRef>
+          </p:style>
+          <p:txBody>
+            <a:bodyPr rtlCol="0" anchor="ctr"/>
+            <a:lstStyle/>
+            <a:p>
+              <a:pPr algn="ctr"/>
+              <a:r>
+                <a:rPr lang="de-DE" dirty="0" smtClean="0">
+                  <a:solidFill>
+                    <a:schemeClr val="tx1"/>
+                  </a:solidFill>
+                </a:rPr>
+                <a:t>10€</a:t>
+              </a:r>
+              <a:endParaRPr lang="de-DE" dirty="0">
+                <a:solidFill>
+                  <a:schemeClr val="tx1"/>
+                </a:solidFill>
+              </a:endParaRPr>
+            </a:p>
+          </p:txBody>
+        </p:sp>
+        <p:sp>
+          <p:nvSpPr>
+            <p:cNvPr id="25" name="Abgerundetes Rechteck 24"/>
+            <p:cNvSpPr/>
+            <p:nvPr/>
+          </p:nvSpPr>
+          <p:spPr>
+            <a:xfrm>
+              <a:off x="5447132" y="5047575"/>
+              <a:ext cx="594927" cy="580212"/>
+            </a:xfrm>
+            <a:prstGeom prst="roundRect">
+              <a:avLst/>
+            </a:prstGeom>
+            <a:solidFill>
+              <a:schemeClr val="bg1"/>
+            </a:solidFill>
+          </p:spPr>
+          <p:style>
+            <a:lnRef idx="2">
+              <a:schemeClr val="accent1">
+                <a:shade val="50000"/>
+              </a:schemeClr>
+            </a:lnRef>
+            <a:fillRef idx="1">
+              <a:schemeClr val="accent1"/>
+            </a:fillRef>
+            <a:effectRef idx="0">
+              <a:schemeClr val="accent1"/>
+            </a:effectRef>
+            <a:fontRef idx="minor">
+              <a:schemeClr val="lt1"/>
+            </a:fontRef>
+          </p:style>
+          <p:txBody>
+            <a:bodyPr rtlCol="0" anchor="ctr"/>
+            <a:lstStyle/>
+            <a:p>
+              <a:pPr algn="ctr"/>
+              <a:r>
+                <a:rPr lang="de-DE" dirty="0" smtClean="0">
+                  <a:solidFill>
+                    <a:schemeClr val="tx1"/>
+                  </a:solidFill>
+                </a:rPr>
+                <a:t>20€</a:t>
+              </a:r>
+              <a:endParaRPr lang="de-DE" dirty="0">
+                <a:solidFill>
+                  <a:schemeClr val="tx1"/>
+                </a:solidFill>
+              </a:endParaRPr>
+            </a:p>
+          </p:txBody>
+        </p:sp>
+        <p:sp>
+          <p:nvSpPr>
+            <p:cNvPr id="26" name="Abgerundetes Rechteck 25"/>
+            <p:cNvSpPr/>
+            <p:nvPr/>
+          </p:nvSpPr>
+          <p:spPr>
+            <a:xfrm>
+              <a:off x="3971313" y="5806607"/>
+              <a:ext cx="594927" cy="580212"/>
+            </a:xfrm>
+            <a:prstGeom prst="roundRect">
+              <a:avLst/>
+            </a:prstGeom>
+            <a:solidFill>
+              <a:schemeClr val="bg1"/>
+            </a:solidFill>
+          </p:spPr>
+          <p:style>
+            <a:lnRef idx="2">
+              <a:schemeClr val="accent1">
+                <a:shade val="50000"/>
+              </a:schemeClr>
+            </a:lnRef>
+            <a:fillRef idx="1">
+              <a:schemeClr val="accent1"/>
+            </a:fillRef>
+            <a:effectRef idx="0">
+              <a:schemeClr val="accent1"/>
+            </a:effectRef>
+            <a:fontRef idx="minor">
+              <a:schemeClr val="lt1"/>
+            </a:fontRef>
+          </p:style>
+          <p:txBody>
+            <a:bodyPr rtlCol="0" anchor="ctr"/>
+            <a:lstStyle/>
+            <a:p>
+              <a:pPr algn="ctr"/>
+              <a:r>
+                <a:rPr lang="de-DE" dirty="0">
+                  <a:solidFill>
+                    <a:schemeClr val="tx1"/>
+                  </a:solidFill>
+                </a:rPr>
+                <a:t>0</a:t>
+              </a:r>
+            </a:p>
+          </p:txBody>
+        </p:sp>
+        <p:sp>
+          <p:nvSpPr>
+            <p:cNvPr id="27" name="Abgerundetes Rechteck 26"/>
+            <p:cNvSpPr/>
+            <p:nvPr/>
+          </p:nvSpPr>
+          <p:spPr>
+            <a:xfrm>
+              <a:off x="3241495" y="5809068"/>
+              <a:ext cx="594927" cy="580212"/>
+            </a:xfrm>
+            <a:prstGeom prst="roundRect">
+              <a:avLst/>
+            </a:prstGeom>
+            <a:solidFill>
+              <a:schemeClr val="bg1"/>
+            </a:solidFill>
+          </p:spPr>
+          <p:style>
+            <a:lnRef idx="2">
+              <a:schemeClr val="accent1">
+                <a:shade val="50000"/>
+              </a:schemeClr>
+            </a:lnRef>
+            <a:fillRef idx="1">
+              <a:schemeClr val="accent1"/>
+            </a:fillRef>
+            <a:effectRef idx="0">
+              <a:schemeClr val="accent1"/>
+            </a:effectRef>
+            <a:fontRef idx="minor">
+              <a:schemeClr val="lt1"/>
+            </a:fontRef>
+          </p:style>
+          <p:txBody>
+            <a:bodyPr rtlCol="0" anchor="ctr"/>
+            <a:lstStyle/>
+            <a:p>
+              <a:pPr algn="ctr"/>
+              <a:r>
+                <a:rPr lang="de-DE" dirty="0">
+                  <a:solidFill>
+                    <a:schemeClr val="tx1"/>
+                  </a:solidFill>
+                </a:rPr>
+                <a:t>C</a:t>
+              </a:r>
+            </a:p>
+          </p:txBody>
+        </p:sp>
+        <p:sp>
+          <p:nvSpPr>
+            <p:cNvPr id="28" name="Abgerundetes Rechteck 27"/>
+            <p:cNvSpPr/>
+            <p:nvPr/>
+          </p:nvSpPr>
+          <p:spPr>
+            <a:xfrm>
+              <a:off x="4701131" y="5806607"/>
+              <a:ext cx="594927" cy="580212"/>
+            </a:xfrm>
+            <a:prstGeom prst="roundRect">
+              <a:avLst/>
+            </a:prstGeom>
+            <a:solidFill>
+              <a:schemeClr val="bg1"/>
+            </a:solidFill>
+          </p:spPr>
+          <p:style>
+            <a:lnRef idx="2">
+              <a:schemeClr val="accent1">
+                <a:shade val="50000"/>
+              </a:schemeClr>
+            </a:lnRef>
+            <a:fillRef idx="1">
+              <a:schemeClr val="accent1"/>
+            </a:fillRef>
+            <a:effectRef idx="0">
+              <a:schemeClr val="accent1"/>
+            </a:effectRef>
+            <a:fontRef idx="minor">
+              <a:schemeClr val="lt1"/>
+            </a:fontRef>
+          </p:style>
+          <p:txBody>
+            <a:bodyPr rtlCol="0" anchor="ctr"/>
+            <a:lstStyle/>
+            <a:p>
+              <a:pPr algn="ctr"/>
+              <a:r>
+                <a:rPr lang="de-DE" dirty="0" smtClean="0">
+                  <a:solidFill>
+                    <a:schemeClr val="tx1"/>
+                  </a:solidFill>
+                </a:rPr>
+                <a:t>,</a:t>
+              </a:r>
+              <a:endParaRPr lang="de-DE" dirty="0">
+                <a:solidFill>
+                  <a:schemeClr val="tx1"/>
+                </a:solidFill>
+              </a:endParaRPr>
+            </a:p>
+          </p:txBody>
+        </p:sp>
+        <p:sp>
+          <p:nvSpPr>
+            <p:cNvPr id="29" name="Abgerundetes Rechteck 28"/>
+            <p:cNvSpPr/>
+            <p:nvPr/>
+          </p:nvSpPr>
+          <p:spPr>
+            <a:xfrm>
+              <a:off x="5430949" y="5806607"/>
+              <a:ext cx="594927" cy="580212"/>
+            </a:xfrm>
+            <a:prstGeom prst="roundRect">
+              <a:avLst/>
+            </a:prstGeom>
+            <a:gradFill flip="none" rotWithShape="1">
+              <a:gsLst>
+                <a:gs pos="0">
+                  <a:schemeClr val="accent6">
+                    <a:lumMod val="67000"/>
+                  </a:schemeClr>
+                </a:gs>
+                <a:gs pos="48000">
+                  <a:schemeClr val="accent6">
+                    <a:lumMod val="97000"/>
+                    <a:lumOff val="3000"/>
+                  </a:schemeClr>
+                </a:gs>
+                <a:gs pos="100000">
+                  <a:schemeClr val="accent6">
+                    <a:lumMod val="60000"/>
+                    <a:lumOff val="40000"/>
+                  </a:schemeClr>
+                </a:gs>
+              </a:gsLst>
+              <a:lin ang="16200000" scaled="1"/>
+              <a:tileRect/>
+            </a:gradFill>
+            <a:ln>
+              <a:noFill/>
+            </a:ln>
+          </p:spPr>
+          <p:style>
+            <a:lnRef idx="0">
+              <a:scrgbClr r="0" g="0" b="0"/>
+            </a:lnRef>
+            <a:fillRef idx="0">
+              <a:scrgbClr r="0" g="0" b="0"/>
+            </a:fillRef>
+            <a:effectRef idx="0">
+              <a:scrgbClr r="0" g="0" b="0"/>
+            </a:effectRef>
+            <a:fontRef idx="minor">
+              <a:schemeClr val="lt1"/>
+            </a:fontRef>
+          </p:style>
+          <p:txBody>
+            <a:bodyPr rtlCol="0" anchor="ctr"/>
+            <a:lstStyle/>
+            <a:p>
+              <a:pPr algn="ctr"/>
+              <a:r>
+                <a:rPr lang="de-DE" dirty="0" smtClean="0">
+                  <a:solidFill>
+                    <a:schemeClr val="bg1"/>
+                  </a:solidFill>
+                </a:rPr>
+                <a:t>OK</a:t>
+              </a:r>
+              <a:endParaRPr lang="de-DE" dirty="0">
+                <a:solidFill>
+                  <a:schemeClr val="bg1"/>
+                </a:solidFill>
+              </a:endParaRPr>
+            </a:p>
+          </p:txBody>
+        </p:sp>
+        <p:cxnSp>
+          <p:nvCxnSpPr>
+            <p:cNvPr id="4" name="Gerader Verbinder 3"/>
+            <p:cNvCxnSpPr/>
+            <p:nvPr/>
+          </p:nvCxnSpPr>
+          <p:spPr>
+            <a:xfrm>
+              <a:off x="5370052" y="3513659"/>
+              <a:ext cx="0" cy="2880000"/>
+            </a:xfrm>
+            <a:prstGeom prst="line">
+              <a:avLst/>
+            </a:prstGeom>
+            <a:ln w="19050">
+              <a:solidFill>
+                <a:schemeClr val="tx1"/>
+              </a:solidFill>
+            </a:ln>
+          </p:spPr>
+          <p:style>
+            <a:lnRef idx="1">
+              <a:schemeClr val="accent1"/>
+            </a:lnRef>
+            <a:fillRef idx="0">
+              <a:schemeClr val="accent1"/>
+            </a:fillRef>
+            <a:effectRef idx="0">
+              <a:schemeClr val="accent1"/>
+            </a:effectRef>
+            <a:fontRef idx="minor">
+              <a:schemeClr val="tx1"/>
+            </a:fontRef>
+          </p:style>
+        </p:cxnSp>
       </p:grpSp>
       <p:sp>
         <p:nvSpPr>
-          <p:cNvPr id="46" name="Abgerundetes Rechteck 45">
+          <p:cNvPr id="47" name="Abgerundetes Rechteck 46">
             <a:hlinkClick r:id="rId2" action="ppaction://hlinksldjump"/>
           </p:cNvPr>
           <p:cNvSpPr/>
@@ -7986,7 +8978,7 @@
         </p:nvSpPr>
         <p:spPr>
           <a:xfrm>
-            <a:off x="8321336" y="5878937"/>
+            <a:off x="4708014" y="5612888"/>
             <a:ext cx="3516435" cy="914400"/>
           </a:xfrm>
           <a:prstGeom prst="roundRect">
@@ -7995,18 +8987,18 @@
           <a:gradFill flip="none" rotWithShape="1">
             <a:gsLst>
               <a:gs pos="0">
-                <a:schemeClr val="accent5">
+                <a:schemeClr val="accent6">
                   <a:lumMod val="67000"/>
                 </a:schemeClr>
               </a:gs>
               <a:gs pos="48000">
-                <a:schemeClr val="accent5">
+                <a:schemeClr val="accent6">
                   <a:lumMod val="97000"/>
                   <a:lumOff val="3000"/>
                 </a:schemeClr>
               </a:gs>
               <a:gs pos="100000">
-                <a:schemeClr val="accent5">
+                <a:schemeClr val="accent6">
                   <a:lumMod val="60000"/>
                   <a:lumOff val="40000"/>
                 </a:schemeClr>
@@ -8040,7 +9032,7 @@
             <a:pPr algn="ctr"/>
             <a:r>
               <a:rPr lang="de-DE" b="1" dirty="0" smtClean="0"/>
-              <a:t>ABBRECHEN</a:t>
+              <a:t>SPEICHERN</a:t>
             </a:r>
             <a:endParaRPr lang="de-DE" b="1" dirty="0"/>
           </a:p>
@@ -8059,93 +9051,14 @@
   <p:timing>
     <p:tnLst>
       <p:par>
-        <p:cTn id="1" dur="indefinite" restart="never" nodeType="tmRoot">
-          <p:childTnLst>
-            <p:seq concurrent="1" nextAc="seek">
-              <p:cTn id="2" dur="indefinite" nodeType="mainSeq">
-                <p:childTnLst>
-                  <p:par>
-                    <p:cTn id="3" fill="hold">
-                      <p:stCondLst>
-                        <p:cond delay="indefinite"/>
-                        <p:cond evt="onBegin" delay="0">
-                          <p:tn val="2"/>
-                        </p:cond>
-                      </p:stCondLst>
-                      <p:childTnLst>
-                        <p:par>
-                          <p:cTn id="4" fill="hold">
-                            <p:stCondLst>
-                              <p:cond delay="0"/>
-                            </p:stCondLst>
-                            <p:childTnLst>
-                              <p:par>
-                                <p:cTn id="5" presetID="10" presetClass="entr" presetSubtype="0" fill="hold" nodeType="withEffect">
-                                  <p:stCondLst>
-                                    <p:cond delay="0"/>
-                                  </p:stCondLst>
-                                  <p:childTnLst>
-                                    <p:set>
-                                      <p:cBhvr>
-                                        <p:cTn id="6" dur="1" fill="hold">
-                                          <p:stCondLst>
-                                            <p:cond delay="0"/>
-                                          </p:stCondLst>
-                                        </p:cTn>
-                                        <p:tgtEl>
-                                          <p:spTgt spid="34"/>
-                                        </p:tgtEl>
-                                        <p:attrNameLst>
-                                          <p:attrName>style.visibility</p:attrName>
-                                        </p:attrNameLst>
-                                      </p:cBhvr>
-                                      <p:to>
-                                        <p:strVal val="visible"/>
-                                      </p:to>
-                                    </p:set>
-                                    <p:animEffect transition="in" filter="fade">
-                                      <p:cBhvr>
-                                        <p:cTn id="7" dur="500"/>
-                                        <p:tgtEl>
-                                          <p:spTgt spid="34"/>
-                                        </p:tgtEl>
-                                      </p:cBhvr>
-                                    </p:animEffect>
-                                  </p:childTnLst>
-                                </p:cTn>
-                              </p:par>
-                            </p:childTnLst>
-                          </p:cTn>
-                        </p:par>
-                      </p:childTnLst>
-                    </p:cTn>
-                  </p:par>
-                </p:childTnLst>
-              </p:cTn>
-              <p:prevCondLst>
-                <p:cond evt="onPrev" delay="0">
-                  <p:tgtEl>
-                    <p:sldTgt/>
-                  </p:tgtEl>
-                </p:cond>
-              </p:prevCondLst>
-              <p:nextCondLst>
-                <p:cond evt="onNext" delay="0">
-                  <p:tgtEl>
-                    <p:sldTgt/>
-                  </p:tgtEl>
-                </p:cond>
-              </p:nextCondLst>
-            </p:seq>
-          </p:childTnLst>
-        </p:cTn>
+        <p:cTn id="1" dur="indefinite" restart="never" nodeType="tmRoot"/>
       </p:par>
     </p:tnLst>
   </p:timing>
 </p:sld>
 </file>
 
-<file path=ppt/slides/slide7.xml><?xml version="1.0" encoding="utf-8"?>
+<file path=ppt/slides/slide6.xml><?xml version="1.0" encoding="utf-8"?>
 <p:sld xmlns:a="http://schemas.openxmlformats.org/drawingml/2006/main" xmlns:r="http://schemas.openxmlformats.org/officeDocument/2006/relationships" xmlns:p="http://schemas.openxmlformats.org/presentationml/2006/main">
   <p:cSld>
     <p:spTree>
@@ -8330,7 +9243,7 @@
       </p:sp>
       <p:sp>
         <p:nvSpPr>
-          <p:cNvPr id="8" name="Abgerundetes Rechteck 7">
+          <p:cNvPr id="9" name="Abgerundetes Rechteck 8">
             <a:hlinkClick r:id="rId2" action="ppaction://hlinksldjump"/>
           </p:cNvPr>
           <p:cNvSpPr/>
@@ -8338,7 +9251,77 @@
         </p:nvSpPr>
         <p:spPr>
           <a:xfrm>
-            <a:off x="8321336" y="5878937"/>
+            <a:off x="4708014" y="5612888"/>
+            <a:ext cx="3516435" cy="914400"/>
+          </a:xfrm>
+          <a:prstGeom prst="roundRect">
+            <a:avLst/>
+          </a:prstGeom>
+          <a:gradFill flip="none" rotWithShape="1">
+            <a:gsLst>
+              <a:gs pos="0">
+                <a:schemeClr val="accent6">
+                  <a:lumMod val="67000"/>
+                </a:schemeClr>
+              </a:gs>
+              <a:gs pos="48000">
+                <a:schemeClr val="accent6">
+                  <a:lumMod val="97000"/>
+                  <a:lumOff val="3000"/>
+                </a:schemeClr>
+              </a:gs>
+              <a:gs pos="100000">
+                <a:schemeClr val="accent6">
+                  <a:lumMod val="60000"/>
+                  <a:lumOff val="40000"/>
+                </a:schemeClr>
+              </a:gs>
+            </a:gsLst>
+            <a:lin ang="16200000" scaled="1"/>
+            <a:tileRect/>
+          </a:gradFill>
+          <a:ln>
+            <a:noFill/>
+          </a:ln>
+        </p:spPr>
+        <p:style>
+          <a:lnRef idx="0">
+            <a:scrgbClr r="0" g="0" b="0"/>
+          </a:lnRef>
+          <a:fillRef idx="0">
+            <a:scrgbClr r="0" g="0" b="0"/>
+          </a:fillRef>
+          <a:effectRef idx="0">
+            <a:scrgbClr r="0" g="0" b="0"/>
+          </a:effectRef>
+          <a:fontRef idx="minor">
+            <a:schemeClr val="lt1"/>
+          </a:fontRef>
+        </p:style>
+        <p:txBody>
+          <a:bodyPr rtlCol="0" anchor="ctr"/>
+          <a:lstStyle/>
+          <a:p>
+            <a:pPr algn="ctr"/>
+            <a:r>
+              <a:rPr lang="de-DE" b="1" dirty="0" smtClean="0"/>
+              <a:t>SPEICHERN</a:t>
+            </a:r>
+            <a:endParaRPr lang="de-DE" b="1" dirty="0"/>
+          </a:p>
+        </p:txBody>
+      </p:sp>
+      <p:sp>
+        <p:nvSpPr>
+          <p:cNvPr id="11" name="Abgerundetes Rechteck 10">
+            <a:hlinkClick r:id="rId2" action="ppaction://hlinksldjump"/>
+          </p:cNvPr>
+          <p:cNvSpPr/>
+          <p:nvPr/>
+        </p:nvSpPr>
+        <p:spPr>
+          <a:xfrm>
+            <a:off x="8321335" y="5612888"/>
             <a:ext cx="3516435" cy="914400"/>
           </a:xfrm>
           <a:prstGeom prst="roundRect">
@@ -8398,76 +9381,6 @@
           </a:p>
         </p:txBody>
       </p:sp>
-      <p:sp>
-        <p:nvSpPr>
-          <p:cNvPr id="9" name="Abgerundetes Rechteck 8">
-            <a:hlinkClick r:id="rId2" action="ppaction://hlinksldjump"/>
-          </p:cNvPr>
-          <p:cNvSpPr/>
-          <p:nvPr/>
-        </p:nvSpPr>
-        <p:spPr>
-          <a:xfrm>
-            <a:off x="4593714" y="5878937"/>
-            <a:ext cx="3516435" cy="914400"/>
-          </a:xfrm>
-          <a:prstGeom prst="roundRect">
-            <a:avLst/>
-          </a:prstGeom>
-          <a:gradFill flip="none" rotWithShape="1">
-            <a:gsLst>
-              <a:gs pos="0">
-                <a:schemeClr val="accent6">
-                  <a:lumMod val="67000"/>
-                </a:schemeClr>
-              </a:gs>
-              <a:gs pos="48000">
-                <a:schemeClr val="accent6">
-                  <a:lumMod val="97000"/>
-                  <a:lumOff val="3000"/>
-                </a:schemeClr>
-              </a:gs>
-              <a:gs pos="100000">
-                <a:schemeClr val="accent6">
-                  <a:lumMod val="60000"/>
-                  <a:lumOff val="40000"/>
-                </a:schemeClr>
-              </a:gs>
-            </a:gsLst>
-            <a:lin ang="16200000" scaled="1"/>
-            <a:tileRect/>
-          </a:gradFill>
-          <a:ln>
-            <a:noFill/>
-          </a:ln>
-        </p:spPr>
-        <p:style>
-          <a:lnRef idx="0">
-            <a:scrgbClr r="0" g="0" b="0"/>
-          </a:lnRef>
-          <a:fillRef idx="0">
-            <a:scrgbClr r="0" g="0" b="0"/>
-          </a:fillRef>
-          <a:effectRef idx="0">
-            <a:scrgbClr r="0" g="0" b="0"/>
-          </a:effectRef>
-          <a:fontRef idx="minor">
-            <a:schemeClr val="lt1"/>
-          </a:fontRef>
-        </p:style>
-        <p:txBody>
-          <a:bodyPr rtlCol="0" anchor="ctr"/>
-          <a:lstStyle/>
-          <a:p>
-            <a:pPr algn="ctr"/>
-            <a:r>
-              <a:rPr lang="de-DE" b="1" dirty="0" smtClean="0"/>
-              <a:t>SPEICHERN</a:t>
-            </a:r>
-            <a:endParaRPr lang="de-DE" b="1" dirty="0"/>
-          </a:p>
-        </p:txBody>
-      </p:sp>
     </p:spTree>
     <p:extLst>
       <p:ext uri="{BB962C8B-B14F-4D97-AF65-F5344CB8AC3E}">
@@ -8478,6 +9391,13 @@
   <p:clrMapOvr>
     <a:masterClrMapping/>
   </p:clrMapOvr>
+  <p:timing>
+    <p:tnLst>
+      <p:par>
+        <p:cTn id="1" dur="indefinite" restart="never" nodeType="tmRoot"/>
+      </p:par>
+    </p:tnLst>
+  </p:timing>
 </p:sld>
 </file>
 
